--- a/นิเทศก์/นิเทศก์ชุมพร.pptx
+++ b/นิเทศก์/นิเทศก์ชุมพร.pptx
@@ -5228,7 +5228,7 @@
           <a:noFill/>
           <a:extLst>
             <a:ext uri="{909E8E84-426E-40dd-AFC4-6F175D3DCCD1}">
-              <a14:hiddenFill xmlns:a14="http://schemas.microsoft.com/office/drawing/2010/main" xmlns="">
+              <a14:hiddenFill xmlns="" xmlns:a14="http://schemas.microsoft.com/office/drawing/2010/main">
                 <a:solidFill>
                   <a:srgbClr val="FFFFFF"/>
                 </a:solidFill>
@@ -5288,7 +5288,7 @@
             </a:ln>
             <a:extLst>
               <a:ext uri="{91240B29-F687-4f45-9708-019B960494DF}">
-                <a14:hiddenLine xmlns:a14="http://schemas.microsoft.com/office/drawing/2010/main" xmlns="" w="9525">
+                <a14:hiddenLine xmlns="" xmlns:a14="http://schemas.microsoft.com/office/drawing/2010/main" w="9525">
                   <a:solidFill>
                     <a:srgbClr val="000000"/>
                   </a:solidFill>
@@ -5378,7 +5378,7 @@
             </a:ln>
             <a:extLst>
               <a:ext uri="{91240B29-F687-4f45-9708-019B960494DF}">
-                <a14:hiddenLine xmlns:a14="http://schemas.microsoft.com/office/drawing/2010/main" xmlns="" w="9525">
+                <a14:hiddenLine xmlns="" xmlns:a14="http://schemas.microsoft.com/office/drawing/2010/main" w="9525">
                   <a:solidFill>
                     <a:srgbClr val="000000"/>
                   </a:solidFill>
@@ -5468,7 +5468,7 @@
             </a:ln>
             <a:extLst>
               <a:ext uri="{91240B29-F687-4f45-9708-019B960494DF}">
-                <a14:hiddenLine xmlns:a14="http://schemas.microsoft.com/office/drawing/2010/main" xmlns="" w="9525">
+                <a14:hiddenLine xmlns="" xmlns:a14="http://schemas.microsoft.com/office/drawing/2010/main" w="9525">
                   <a:solidFill>
                     <a:srgbClr val="000000"/>
                   </a:solidFill>
@@ -5502,7 +5502,7 @@
             </a:ln>
             <a:extLst>
               <a:ext uri="{91240B29-F687-4f45-9708-019B960494DF}">
-                <a14:hiddenLine xmlns:a14="http://schemas.microsoft.com/office/drawing/2010/main" xmlns="" w="9525">
+                <a14:hiddenLine xmlns="" xmlns:a14="http://schemas.microsoft.com/office/drawing/2010/main" w="9525">
                   <a:solidFill>
                     <a:srgbClr val="000000"/>
                   </a:solidFill>
@@ -5592,7 +5592,7 @@
             </a:ln>
             <a:extLst>
               <a:ext uri="{91240B29-F687-4f45-9708-019B960494DF}">
-                <a14:hiddenLine xmlns:a14="http://schemas.microsoft.com/office/drawing/2010/main" xmlns="" w="9525">
+                <a14:hiddenLine xmlns="" xmlns:a14="http://schemas.microsoft.com/office/drawing/2010/main" w="9525">
                   <a:solidFill>
                     <a:srgbClr val="000000"/>
                   </a:solidFill>
@@ -5654,7 +5654,7 @@
             </a:ln>
             <a:extLst>
               <a:ext uri="{91240B29-F687-4f45-9708-019B960494DF}">
-                <a14:hiddenLine xmlns:a14="http://schemas.microsoft.com/office/drawing/2010/main" xmlns="" w="9525">
+                <a14:hiddenLine xmlns="" xmlns:a14="http://schemas.microsoft.com/office/drawing/2010/main" w="9525">
                   <a:solidFill>
                     <a:srgbClr val="000000"/>
                   </a:solidFill>
@@ -5716,7 +5716,7 @@
             </a:ln>
             <a:extLst>
               <a:ext uri="{91240B29-F687-4f45-9708-019B960494DF}">
-                <a14:hiddenLine xmlns:a14="http://schemas.microsoft.com/office/drawing/2010/main" xmlns="" w="9525">
+                <a14:hiddenLine xmlns="" xmlns:a14="http://schemas.microsoft.com/office/drawing/2010/main" w="9525">
                   <a:solidFill>
                     <a:srgbClr val="000000"/>
                   </a:solidFill>
@@ -5806,7 +5806,7 @@
             </a:ln>
             <a:extLst>
               <a:ext uri="{91240B29-F687-4f45-9708-019B960494DF}">
-                <a14:hiddenLine xmlns:a14="http://schemas.microsoft.com/office/drawing/2010/main" xmlns="" w="9525">
+                <a14:hiddenLine xmlns="" xmlns:a14="http://schemas.microsoft.com/office/drawing/2010/main" w="9525">
                   <a:solidFill>
                     <a:srgbClr val="000000"/>
                   </a:solidFill>
@@ -5868,7 +5868,7 @@
             </a:ln>
             <a:extLst>
               <a:ext uri="{91240B29-F687-4f45-9708-019B960494DF}">
-                <a14:hiddenLine xmlns:a14="http://schemas.microsoft.com/office/drawing/2010/main" xmlns="" w="9525">
+                <a14:hiddenLine xmlns="" xmlns:a14="http://schemas.microsoft.com/office/drawing/2010/main" w="9525">
                   <a:solidFill>
                     <a:srgbClr val="000000"/>
                   </a:solidFill>
@@ -5930,7 +5930,7 @@
             </a:ln>
             <a:extLst>
               <a:ext uri="{91240B29-F687-4f45-9708-019B960494DF}">
-                <a14:hiddenLine xmlns:a14="http://schemas.microsoft.com/office/drawing/2010/main" xmlns="" w="9525">
+                <a14:hiddenLine xmlns="" xmlns:a14="http://schemas.microsoft.com/office/drawing/2010/main" w="9525">
                   <a:solidFill>
                     <a:srgbClr val="000000"/>
                   </a:solidFill>
@@ -6020,7 +6020,7 @@
             </a:ln>
             <a:extLst>
               <a:ext uri="{91240B29-F687-4f45-9708-019B960494DF}">
-                <a14:hiddenLine xmlns:a14="http://schemas.microsoft.com/office/drawing/2010/main" xmlns="" w="9525">
+                <a14:hiddenLine xmlns="" xmlns:a14="http://schemas.microsoft.com/office/drawing/2010/main" w="9525">
                   <a:solidFill>
                     <a:srgbClr val="000000"/>
                   </a:solidFill>
@@ -6110,7 +6110,7 @@
             </a:ln>
             <a:extLst>
               <a:ext uri="{91240B29-F687-4f45-9708-019B960494DF}">
-                <a14:hiddenLine xmlns:a14="http://schemas.microsoft.com/office/drawing/2010/main" xmlns="" w="9525">
+                <a14:hiddenLine xmlns="" xmlns:a14="http://schemas.microsoft.com/office/drawing/2010/main" w="9525">
                   <a:solidFill>
                     <a:srgbClr val="000000"/>
                   </a:solidFill>
@@ -6172,7 +6172,7 @@
             </a:ln>
             <a:extLst>
               <a:ext uri="{91240B29-F687-4f45-9708-019B960494DF}">
-                <a14:hiddenLine xmlns:a14="http://schemas.microsoft.com/office/drawing/2010/main" xmlns="" w="9525">
+                <a14:hiddenLine xmlns="" xmlns:a14="http://schemas.microsoft.com/office/drawing/2010/main" w="9525">
                   <a:solidFill>
                     <a:srgbClr val="000000"/>
                   </a:solidFill>
@@ -6282,7 +6282,7 @@
             </a:ln>
             <a:extLst>
               <a:ext uri="{91240B29-F687-4f45-9708-019B960494DF}">
-                <a14:hiddenLine xmlns:a14="http://schemas.microsoft.com/office/drawing/2010/main" xmlns="" w="9525">
+                <a14:hiddenLine xmlns="" xmlns:a14="http://schemas.microsoft.com/office/drawing/2010/main" w="9525">
                   <a:solidFill>
                     <a:srgbClr val="000000"/>
                   </a:solidFill>
@@ -6344,7 +6344,7 @@
             </a:ln>
             <a:extLst>
               <a:ext uri="{91240B29-F687-4f45-9708-019B960494DF}">
-                <a14:hiddenLine xmlns:a14="http://schemas.microsoft.com/office/drawing/2010/main" xmlns="" w="9525">
+                <a14:hiddenLine xmlns="" xmlns:a14="http://schemas.microsoft.com/office/drawing/2010/main" w="9525">
                   <a:solidFill>
                     <a:srgbClr val="000000"/>
                   </a:solidFill>
@@ -6434,7 +6434,7 @@
             </a:ln>
             <a:extLst>
               <a:ext uri="{91240B29-F687-4f45-9708-019B960494DF}">
-                <a14:hiddenLine xmlns:a14="http://schemas.microsoft.com/office/drawing/2010/main" xmlns="" w="9525">
+                <a14:hiddenLine xmlns="" xmlns:a14="http://schemas.microsoft.com/office/drawing/2010/main" w="9525">
                   <a:solidFill>
                     <a:srgbClr val="000000"/>
                   </a:solidFill>
@@ -6524,7 +6524,7 @@
             </a:ln>
             <a:extLst>
               <a:ext uri="{91240B29-F687-4f45-9708-019B960494DF}">
-                <a14:hiddenLine xmlns:a14="http://schemas.microsoft.com/office/drawing/2010/main" xmlns="" w="9525">
+                <a14:hiddenLine xmlns="" xmlns:a14="http://schemas.microsoft.com/office/drawing/2010/main" w="9525">
                   <a:solidFill>
                     <a:srgbClr val="000000"/>
                   </a:solidFill>
@@ -6586,7 +6586,7 @@
             </a:ln>
             <a:extLst>
               <a:ext uri="{91240B29-F687-4f45-9708-019B960494DF}">
-                <a14:hiddenLine xmlns:a14="http://schemas.microsoft.com/office/drawing/2010/main" xmlns="" w="9525">
+                <a14:hiddenLine xmlns="" xmlns:a14="http://schemas.microsoft.com/office/drawing/2010/main" w="9525">
                   <a:solidFill>
                     <a:srgbClr val="000000"/>
                   </a:solidFill>
@@ -6676,7 +6676,7 @@
             </a:ln>
             <a:extLst>
               <a:ext uri="{91240B29-F687-4f45-9708-019B960494DF}">
-                <a14:hiddenLine xmlns:a14="http://schemas.microsoft.com/office/drawing/2010/main" xmlns="" w="9525">
+                <a14:hiddenLine xmlns="" xmlns:a14="http://schemas.microsoft.com/office/drawing/2010/main" w="9525">
                   <a:solidFill>
                     <a:srgbClr val="000000"/>
                   </a:solidFill>
@@ -6766,7 +6766,7 @@
             </a:ln>
             <a:extLst>
               <a:ext uri="{91240B29-F687-4f45-9708-019B960494DF}">
-                <a14:hiddenLine xmlns:a14="http://schemas.microsoft.com/office/drawing/2010/main" xmlns="" w="9525">
+                <a14:hiddenLine xmlns="" xmlns:a14="http://schemas.microsoft.com/office/drawing/2010/main" w="9525">
                   <a:solidFill>
                     <a:srgbClr val="000000"/>
                   </a:solidFill>
@@ -6822,7 +6822,7 @@
             </a:ln>
             <a:extLst>
               <a:ext uri="{91240B29-F687-4f45-9708-019B960494DF}">
-                <a14:hiddenLine xmlns:a14="http://schemas.microsoft.com/office/drawing/2010/main" xmlns="" w="9525">
+                <a14:hiddenLine xmlns="" xmlns:a14="http://schemas.microsoft.com/office/drawing/2010/main" w="9525">
                   <a:solidFill>
                     <a:srgbClr val="000000"/>
                   </a:solidFill>
@@ -6912,7 +6912,7 @@
             </a:ln>
             <a:extLst>
               <a:ext uri="{91240B29-F687-4f45-9708-019B960494DF}">
-                <a14:hiddenLine xmlns:a14="http://schemas.microsoft.com/office/drawing/2010/main" xmlns="" w="9525">
+                <a14:hiddenLine xmlns="" xmlns:a14="http://schemas.microsoft.com/office/drawing/2010/main" w="9525">
                   <a:solidFill>
                     <a:srgbClr val="000000"/>
                   </a:solidFill>
@@ -6968,7 +6968,7 @@
             </a:ln>
             <a:extLst>
               <a:ext uri="{91240B29-F687-4f45-9708-019B960494DF}">
-                <a14:hiddenLine xmlns:a14="http://schemas.microsoft.com/office/drawing/2010/main" xmlns="" w="9525">
+                <a14:hiddenLine xmlns="" xmlns:a14="http://schemas.microsoft.com/office/drawing/2010/main" w="9525">
                   <a:solidFill>
                     <a:srgbClr val="000000"/>
                   </a:solidFill>
@@ -7058,7 +7058,7 @@
             </a:ln>
             <a:extLst>
               <a:ext uri="{91240B29-F687-4f45-9708-019B960494DF}">
-                <a14:hiddenLine xmlns:a14="http://schemas.microsoft.com/office/drawing/2010/main" xmlns="" w="9525">
+                <a14:hiddenLine xmlns="" xmlns:a14="http://schemas.microsoft.com/office/drawing/2010/main" w="9525">
                   <a:solidFill>
                     <a:srgbClr val="000000"/>
                   </a:solidFill>
@@ -7126,7 +7126,7 @@
             </a:ln>
             <a:extLst>
               <a:ext uri="{91240B29-F687-4f45-9708-019B960494DF}">
-                <a14:hiddenLine xmlns:a14="http://schemas.microsoft.com/office/drawing/2010/main" xmlns="" w="9525">
+                <a14:hiddenLine xmlns="" xmlns:a14="http://schemas.microsoft.com/office/drawing/2010/main" w="9525">
                   <a:solidFill>
                     <a:srgbClr val="000000"/>
                   </a:solidFill>
@@ -7216,7 +7216,7 @@
             </a:ln>
             <a:extLst>
               <a:ext uri="{91240B29-F687-4f45-9708-019B960494DF}">
-                <a14:hiddenLine xmlns:a14="http://schemas.microsoft.com/office/drawing/2010/main" xmlns="" w="9525">
+                <a14:hiddenLine xmlns="" xmlns:a14="http://schemas.microsoft.com/office/drawing/2010/main" w="9525">
                   <a:solidFill>
                     <a:srgbClr val="000000"/>
                   </a:solidFill>
@@ -7284,7 +7284,7 @@
             </a:ln>
             <a:extLst>
               <a:ext uri="{91240B29-F687-4f45-9708-019B960494DF}">
-                <a14:hiddenLine xmlns:a14="http://schemas.microsoft.com/office/drawing/2010/main" xmlns="" w="9525">
+                <a14:hiddenLine xmlns="" xmlns:a14="http://schemas.microsoft.com/office/drawing/2010/main" w="9525">
                   <a:solidFill>
                     <a:srgbClr val="000000"/>
                   </a:solidFill>
@@ -7374,7 +7374,7 @@
             </a:ln>
             <a:extLst>
               <a:ext uri="{91240B29-F687-4f45-9708-019B960494DF}">
-                <a14:hiddenLine xmlns:a14="http://schemas.microsoft.com/office/drawing/2010/main" xmlns="" w="9525">
+                <a14:hiddenLine xmlns="" xmlns:a14="http://schemas.microsoft.com/office/drawing/2010/main" w="9525">
                   <a:solidFill>
                     <a:srgbClr val="000000"/>
                   </a:solidFill>
@@ -7408,7 +7408,7 @@
             </a:ln>
             <a:extLst>
               <a:ext uri="{91240B29-F687-4f45-9708-019B960494DF}">
-                <a14:hiddenLine xmlns:a14="http://schemas.microsoft.com/office/drawing/2010/main" xmlns="" w="9525">
+                <a14:hiddenLine xmlns="" xmlns:a14="http://schemas.microsoft.com/office/drawing/2010/main" w="9525">
                   <a:solidFill>
                     <a:srgbClr val="000000"/>
                   </a:solidFill>
@@ -7498,7 +7498,7 @@
             </a:ln>
             <a:extLst>
               <a:ext uri="{91240B29-F687-4f45-9708-019B960494DF}">
-                <a14:hiddenLine xmlns:a14="http://schemas.microsoft.com/office/drawing/2010/main" xmlns="" w="9525">
+                <a14:hiddenLine xmlns="" xmlns:a14="http://schemas.microsoft.com/office/drawing/2010/main" w="9525">
                   <a:solidFill>
                     <a:srgbClr val="000000"/>
                   </a:solidFill>
@@ -7560,7 +7560,7 @@
             </a:ln>
             <a:extLst>
               <a:ext uri="{91240B29-F687-4f45-9708-019B960494DF}">
-                <a14:hiddenLine xmlns:a14="http://schemas.microsoft.com/office/drawing/2010/main" xmlns="" w="9525">
+                <a14:hiddenLine xmlns="" xmlns:a14="http://schemas.microsoft.com/office/drawing/2010/main" w="9525">
                   <a:solidFill>
                     <a:srgbClr val="000000"/>
                   </a:solidFill>
@@ -7622,7 +7622,7 @@
             </a:ln>
             <a:extLst>
               <a:ext uri="{91240B29-F687-4f45-9708-019B960494DF}">
-                <a14:hiddenLine xmlns:a14="http://schemas.microsoft.com/office/drawing/2010/main" xmlns="" w="9525">
+                <a14:hiddenLine xmlns="" xmlns:a14="http://schemas.microsoft.com/office/drawing/2010/main" w="9525">
                   <a:solidFill>
                     <a:srgbClr val="000000"/>
                   </a:solidFill>
@@ -7712,7 +7712,7 @@
             </a:ln>
             <a:extLst>
               <a:ext uri="{91240B29-F687-4f45-9708-019B960494DF}">
-                <a14:hiddenLine xmlns:a14="http://schemas.microsoft.com/office/drawing/2010/main" xmlns="" w="9525">
+                <a14:hiddenLine xmlns="" xmlns:a14="http://schemas.microsoft.com/office/drawing/2010/main" w="9525">
                   <a:solidFill>
                     <a:srgbClr val="000000"/>
                   </a:solidFill>
@@ -7780,7 +7780,7 @@
             </a:ln>
             <a:extLst>
               <a:ext uri="{91240B29-F687-4f45-9708-019B960494DF}">
-                <a14:hiddenLine xmlns:a14="http://schemas.microsoft.com/office/drawing/2010/main" xmlns="" w="9525">
+                <a14:hiddenLine xmlns="" xmlns:a14="http://schemas.microsoft.com/office/drawing/2010/main" w="9525">
                   <a:solidFill>
                     <a:srgbClr val="000000"/>
                   </a:solidFill>
@@ -7842,7 +7842,7 @@
             </a:ln>
             <a:extLst>
               <a:ext uri="{91240B29-F687-4f45-9708-019B960494DF}">
-                <a14:hiddenLine xmlns:a14="http://schemas.microsoft.com/office/drawing/2010/main" xmlns="" w="9525">
+                <a14:hiddenLine xmlns="" xmlns:a14="http://schemas.microsoft.com/office/drawing/2010/main" w="9525">
                   <a:solidFill>
                     <a:srgbClr val="000000"/>
                   </a:solidFill>
@@ -7932,7 +7932,7 @@
             </a:ln>
             <a:extLst>
               <a:ext uri="{91240B29-F687-4f45-9708-019B960494DF}">
-                <a14:hiddenLine xmlns:a14="http://schemas.microsoft.com/office/drawing/2010/main" xmlns="" w="9525">
+                <a14:hiddenLine xmlns="" xmlns:a14="http://schemas.microsoft.com/office/drawing/2010/main" w="9525">
                   <a:solidFill>
                     <a:srgbClr val="000000"/>
                   </a:solidFill>
@@ -7994,7 +7994,7 @@
             </a:ln>
             <a:extLst>
               <a:ext uri="{91240B29-F687-4f45-9708-019B960494DF}">
-                <a14:hiddenLine xmlns:a14="http://schemas.microsoft.com/office/drawing/2010/main" xmlns="" w="9525">
+                <a14:hiddenLine xmlns="" xmlns:a14="http://schemas.microsoft.com/office/drawing/2010/main" w="9525">
                   <a:solidFill>
                     <a:srgbClr val="000000"/>
                   </a:solidFill>
@@ -8084,7 +8084,7 @@
             </a:ln>
             <a:extLst>
               <a:ext uri="{91240B29-F687-4f45-9708-019B960494DF}">
-                <a14:hiddenLine xmlns:a14="http://schemas.microsoft.com/office/drawing/2010/main" xmlns="" w="9525">
+                <a14:hiddenLine xmlns="" xmlns:a14="http://schemas.microsoft.com/office/drawing/2010/main" w="9525">
                   <a:solidFill>
                     <a:srgbClr val="000000"/>
                   </a:solidFill>
@@ -8146,7 +8146,7 @@
             </a:ln>
             <a:extLst>
               <a:ext uri="{91240B29-F687-4f45-9708-019B960494DF}">
-                <a14:hiddenLine xmlns:a14="http://schemas.microsoft.com/office/drawing/2010/main" xmlns="" w="9525">
+                <a14:hiddenLine xmlns="" xmlns:a14="http://schemas.microsoft.com/office/drawing/2010/main" w="9525">
                   <a:solidFill>
                     <a:srgbClr val="000000"/>
                   </a:solidFill>
@@ -8236,7 +8236,7 @@
             </a:ln>
             <a:extLst>
               <a:ext uri="{91240B29-F687-4f45-9708-019B960494DF}">
-                <a14:hiddenLine xmlns:a14="http://schemas.microsoft.com/office/drawing/2010/main" xmlns="" w="9525">
+                <a14:hiddenLine xmlns="" xmlns:a14="http://schemas.microsoft.com/office/drawing/2010/main" w="9525">
                   <a:solidFill>
                     <a:srgbClr val="000000"/>
                   </a:solidFill>
@@ -8270,7 +8270,7 @@
             </a:ln>
             <a:extLst>
               <a:ext uri="{91240B29-F687-4f45-9708-019B960494DF}">
-                <a14:hiddenLine xmlns:a14="http://schemas.microsoft.com/office/drawing/2010/main" xmlns="" w="9525">
+                <a14:hiddenLine xmlns="" xmlns:a14="http://schemas.microsoft.com/office/drawing/2010/main" w="9525">
                   <a:solidFill>
                     <a:srgbClr val="000000"/>
                   </a:solidFill>
@@ -8335,7 +8335,7 @@
             </a:ln>
             <a:extLst>
               <a:ext uri="{91240B29-F687-4f45-9708-019B960494DF}">
-                <a14:hiddenLine xmlns:a14="http://schemas.microsoft.com/office/drawing/2010/main" xmlns="" w="9525">
+                <a14:hiddenLine xmlns="" xmlns:a14="http://schemas.microsoft.com/office/drawing/2010/main" w="9525">
                   <a:solidFill>
                     <a:srgbClr val="000000"/>
                   </a:solidFill>
@@ -8425,7 +8425,7 @@
             </a:ln>
             <a:extLst>
               <a:ext uri="{91240B29-F687-4f45-9708-019B960494DF}">
-                <a14:hiddenLine xmlns:a14="http://schemas.microsoft.com/office/drawing/2010/main" xmlns="" w="9525">
+                <a14:hiddenLine xmlns="" xmlns:a14="http://schemas.microsoft.com/office/drawing/2010/main" w="9525">
                   <a:solidFill>
                     <a:srgbClr val="000000"/>
                   </a:solidFill>
@@ -8487,7 +8487,7 @@
             </a:ln>
             <a:extLst>
               <a:ext uri="{91240B29-F687-4f45-9708-019B960494DF}">
-                <a14:hiddenLine xmlns:a14="http://schemas.microsoft.com/office/drawing/2010/main" xmlns="" w="9525">
+                <a14:hiddenLine xmlns="" xmlns:a14="http://schemas.microsoft.com/office/drawing/2010/main" w="9525">
                   <a:solidFill>
                     <a:srgbClr val="000000"/>
                   </a:solidFill>
@@ -8577,7 +8577,7 @@
             </a:ln>
             <a:extLst>
               <a:ext uri="{91240B29-F687-4f45-9708-019B960494DF}">
-                <a14:hiddenLine xmlns:a14="http://schemas.microsoft.com/office/drawing/2010/main" xmlns="" w="9525">
+                <a14:hiddenLine xmlns="" xmlns:a14="http://schemas.microsoft.com/office/drawing/2010/main" w="9525">
                   <a:solidFill>
                     <a:srgbClr val="000000"/>
                   </a:solidFill>
@@ -8667,7 +8667,7 @@
             </a:ln>
             <a:extLst>
               <a:ext uri="{91240B29-F687-4f45-9708-019B960494DF}">
-                <a14:hiddenLine xmlns:a14="http://schemas.microsoft.com/office/drawing/2010/main" xmlns="" w="9525">
+                <a14:hiddenLine xmlns="" xmlns:a14="http://schemas.microsoft.com/office/drawing/2010/main" w="9525">
                   <a:solidFill>
                     <a:srgbClr val="000000"/>
                   </a:solidFill>
@@ -8732,7 +8732,7 @@
             </a:ln>
             <a:extLst>
               <a:ext uri="{91240B29-F687-4f45-9708-019B960494DF}">
-                <a14:hiddenLine xmlns:a14="http://schemas.microsoft.com/office/drawing/2010/main" xmlns="" w="9525">
+                <a14:hiddenLine xmlns="" xmlns:a14="http://schemas.microsoft.com/office/drawing/2010/main" w="9525">
                   <a:solidFill>
                     <a:srgbClr val="000000"/>
                   </a:solidFill>
@@ -8794,7 +8794,7 @@
             </a:ln>
             <a:extLst>
               <a:ext uri="{91240B29-F687-4f45-9708-019B960494DF}">
-                <a14:hiddenLine xmlns:a14="http://schemas.microsoft.com/office/drawing/2010/main" xmlns="" w="9525">
+                <a14:hiddenLine xmlns="" xmlns:a14="http://schemas.microsoft.com/office/drawing/2010/main" w="9525">
                   <a:solidFill>
                     <a:srgbClr val="000000"/>
                   </a:solidFill>
@@ -8884,7 +8884,7 @@
             </a:ln>
             <a:extLst>
               <a:ext uri="{91240B29-F687-4f45-9708-019B960494DF}">
-                <a14:hiddenLine xmlns:a14="http://schemas.microsoft.com/office/drawing/2010/main" xmlns="" w="9525">
+                <a14:hiddenLine xmlns="" xmlns:a14="http://schemas.microsoft.com/office/drawing/2010/main" w="9525">
                   <a:solidFill>
                     <a:srgbClr val="000000"/>
                   </a:solidFill>
@@ -8974,7 +8974,7 @@
             </a:ln>
             <a:extLst>
               <a:ext uri="{91240B29-F687-4f45-9708-019B960494DF}">
-                <a14:hiddenLine xmlns:a14="http://schemas.microsoft.com/office/drawing/2010/main" xmlns="" w="9525">
+                <a14:hiddenLine xmlns="" xmlns:a14="http://schemas.microsoft.com/office/drawing/2010/main" w="9525">
                   <a:solidFill>
                     <a:srgbClr val="000000"/>
                   </a:solidFill>
@@ -9036,7 +9036,7 @@
             </a:ln>
             <a:extLst>
               <a:ext uri="{91240B29-F687-4f45-9708-019B960494DF}">
-                <a14:hiddenLine xmlns:a14="http://schemas.microsoft.com/office/drawing/2010/main" xmlns="" w="9525">
+                <a14:hiddenLine xmlns="" xmlns:a14="http://schemas.microsoft.com/office/drawing/2010/main" w="9525">
                   <a:solidFill>
                     <a:srgbClr val="000000"/>
                   </a:solidFill>
@@ -9156,7 +9156,7 @@
             </a:ln>
             <a:extLst>
               <a:ext uri="{91240B29-F687-4f45-9708-019B960494DF}">
-                <a14:hiddenLine xmlns:a14="http://schemas.microsoft.com/office/drawing/2010/main" xmlns="" w="9525">
+                <a14:hiddenLine xmlns="" xmlns:a14="http://schemas.microsoft.com/office/drawing/2010/main" w="9525">
                   <a:solidFill>
                     <a:srgbClr val="000000"/>
                   </a:solidFill>
@@ -9224,7 +9224,7 @@
             </a:ln>
             <a:extLst>
               <a:ext uri="{91240B29-F687-4f45-9708-019B960494DF}">
-                <a14:hiddenLine xmlns:a14="http://schemas.microsoft.com/office/drawing/2010/main" xmlns="" w="9525">
+                <a14:hiddenLine xmlns="" xmlns:a14="http://schemas.microsoft.com/office/drawing/2010/main" w="9525">
                   <a:solidFill>
                     <a:srgbClr val="000000"/>
                   </a:solidFill>
@@ -9314,7 +9314,7 @@
             </a:ln>
             <a:extLst>
               <a:ext uri="{91240B29-F687-4f45-9708-019B960494DF}">
-                <a14:hiddenLine xmlns:a14="http://schemas.microsoft.com/office/drawing/2010/main" xmlns="" w="9525">
+                <a14:hiddenLine xmlns="" xmlns:a14="http://schemas.microsoft.com/office/drawing/2010/main" w="9525">
                   <a:solidFill>
                     <a:srgbClr val="000000"/>
                   </a:solidFill>
@@ -14036,7 +14036,7 @@
           <a:noFill/>
           <a:extLst>
             <a:ext uri="{909E8E84-426E-40dd-AFC4-6F175D3DCCD1}">
-              <a14:hiddenFill xmlns:a14="http://schemas.microsoft.com/office/drawing/2010/main" xmlns="">
+              <a14:hiddenFill xmlns="" xmlns:a14="http://schemas.microsoft.com/office/drawing/2010/main">
                 <a:solidFill>
                   <a:srgbClr val="FFFFFF"/>
                 </a:solidFill>
@@ -14110,7 +14110,7 @@
               </a:ln>
               <a:extLst>
                 <a:ext uri="{91240B29-F687-4f45-9708-019B960494DF}">
-                  <a14:hiddenLine xmlns:a14="http://schemas.microsoft.com/office/drawing/2010/main" xmlns="" w="9525">
+                  <a14:hiddenLine xmlns="" xmlns:a14="http://schemas.microsoft.com/office/drawing/2010/main" w="9525">
                     <a:solidFill>
                       <a:srgbClr val="000000"/>
                     </a:solidFill>
@@ -14200,7 +14200,7 @@
               </a:ln>
               <a:extLst>
                 <a:ext uri="{91240B29-F687-4f45-9708-019B960494DF}">
-                  <a14:hiddenLine xmlns:a14="http://schemas.microsoft.com/office/drawing/2010/main" xmlns="" w="9525">
+                  <a14:hiddenLine xmlns="" xmlns:a14="http://schemas.microsoft.com/office/drawing/2010/main" w="9525">
                     <a:solidFill>
                       <a:srgbClr val="000000"/>
                     </a:solidFill>
@@ -14290,7 +14290,7 @@
               </a:ln>
               <a:extLst>
                 <a:ext uri="{91240B29-F687-4f45-9708-019B960494DF}">
-                  <a14:hiddenLine xmlns:a14="http://schemas.microsoft.com/office/drawing/2010/main" xmlns="" w="9525">
+                  <a14:hiddenLine xmlns="" xmlns:a14="http://schemas.microsoft.com/office/drawing/2010/main" w="9525">
                     <a:solidFill>
                       <a:srgbClr val="000000"/>
                     </a:solidFill>
@@ -14352,7 +14352,7 @@
               </a:ln>
               <a:extLst>
                 <a:ext uri="{91240B29-F687-4f45-9708-019B960494DF}">
-                  <a14:hiddenLine xmlns:a14="http://schemas.microsoft.com/office/drawing/2010/main" xmlns="" w="9525">
+                  <a14:hiddenLine xmlns="" xmlns:a14="http://schemas.microsoft.com/office/drawing/2010/main" w="9525">
                     <a:solidFill>
                       <a:srgbClr val="000000"/>
                     </a:solidFill>
@@ -14442,7 +14442,7 @@
               </a:ln>
               <a:extLst>
                 <a:ext uri="{91240B29-F687-4f45-9708-019B960494DF}">
-                  <a14:hiddenLine xmlns:a14="http://schemas.microsoft.com/office/drawing/2010/main" xmlns="" w="9525">
+                  <a14:hiddenLine xmlns="" xmlns:a14="http://schemas.microsoft.com/office/drawing/2010/main" w="9525">
                     <a:solidFill>
                       <a:srgbClr val="000000"/>
                     </a:solidFill>
@@ -14504,7 +14504,7 @@
               </a:ln>
               <a:extLst>
                 <a:ext uri="{91240B29-F687-4f45-9708-019B960494DF}">
-                  <a14:hiddenLine xmlns:a14="http://schemas.microsoft.com/office/drawing/2010/main" xmlns="" w="9525">
+                  <a14:hiddenLine xmlns="" xmlns:a14="http://schemas.microsoft.com/office/drawing/2010/main" w="9525">
                     <a:solidFill>
                       <a:srgbClr val="000000"/>
                     </a:solidFill>
@@ -14566,7 +14566,7 @@
               </a:ln>
               <a:extLst>
                 <a:ext uri="{91240B29-F687-4f45-9708-019B960494DF}">
-                  <a14:hiddenLine xmlns:a14="http://schemas.microsoft.com/office/drawing/2010/main" xmlns="" w="9525">
+                  <a14:hiddenLine xmlns="" xmlns:a14="http://schemas.microsoft.com/office/drawing/2010/main" w="9525">
                     <a:solidFill>
                       <a:srgbClr val="000000"/>
                     </a:solidFill>
@@ -14656,7 +14656,7 @@
               </a:ln>
               <a:extLst>
                 <a:ext uri="{91240B29-F687-4f45-9708-019B960494DF}">
-                  <a14:hiddenLine xmlns:a14="http://schemas.microsoft.com/office/drawing/2010/main" xmlns="" w="9525">
+                  <a14:hiddenLine xmlns="" xmlns:a14="http://schemas.microsoft.com/office/drawing/2010/main" w="9525">
                     <a:solidFill>
                       <a:srgbClr val="000000"/>
                     </a:solidFill>
@@ -14746,7 +14746,7 @@
               </a:ln>
               <a:extLst>
                 <a:ext uri="{91240B29-F687-4f45-9708-019B960494DF}">
-                  <a14:hiddenLine xmlns:a14="http://schemas.microsoft.com/office/drawing/2010/main" xmlns="" w="9525">
+                  <a14:hiddenLine xmlns="" xmlns:a14="http://schemas.microsoft.com/office/drawing/2010/main" w="9525">
                     <a:solidFill>
                       <a:srgbClr val="000000"/>
                     </a:solidFill>
@@ -14808,7 +14808,7 @@
               </a:ln>
               <a:extLst>
                 <a:ext uri="{91240B29-F687-4f45-9708-019B960494DF}">
-                  <a14:hiddenLine xmlns:a14="http://schemas.microsoft.com/office/drawing/2010/main" xmlns="" w="9525">
+                  <a14:hiddenLine xmlns="" xmlns:a14="http://schemas.microsoft.com/office/drawing/2010/main" w="9525">
                     <a:solidFill>
                       <a:srgbClr val="000000"/>
                     </a:solidFill>
@@ -14918,7 +14918,7 @@
               </a:ln>
               <a:extLst>
                 <a:ext uri="{91240B29-F687-4f45-9708-019B960494DF}">
-                  <a14:hiddenLine xmlns:a14="http://schemas.microsoft.com/office/drawing/2010/main" xmlns="" w="9525">
+                  <a14:hiddenLine xmlns="" xmlns:a14="http://schemas.microsoft.com/office/drawing/2010/main" w="9525">
                     <a:solidFill>
                       <a:srgbClr val="000000"/>
                     </a:solidFill>
@@ -15002,7 +15002,7 @@
               </a:ln>
               <a:extLst>
                 <a:ext uri="{91240B29-F687-4f45-9708-019B960494DF}">
-                  <a14:hiddenLine xmlns:a14="http://schemas.microsoft.com/office/drawing/2010/main" xmlns="" w="9525">
+                  <a14:hiddenLine xmlns="" xmlns:a14="http://schemas.microsoft.com/office/drawing/2010/main" w="9525">
                     <a:solidFill>
                       <a:srgbClr val="000000"/>
                     </a:solidFill>
@@ -15064,7 +15064,7 @@
               </a:ln>
               <a:extLst>
                 <a:ext uri="{91240B29-F687-4f45-9708-019B960494DF}">
-                  <a14:hiddenLine xmlns:a14="http://schemas.microsoft.com/office/drawing/2010/main" xmlns="" w="9525">
+                  <a14:hiddenLine xmlns="" xmlns:a14="http://schemas.microsoft.com/office/drawing/2010/main" w="9525">
                     <a:solidFill>
                       <a:srgbClr val="000000"/>
                     </a:solidFill>
@@ -15126,7 +15126,7 @@
               </a:ln>
               <a:extLst>
                 <a:ext uri="{91240B29-F687-4f45-9708-019B960494DF}">
-                  <a14:hiddenLine xmlns:a14="http://schemas.microsoft.com/office/drawing/2010/main" xmlns="" w="9525">
+                  <a14:hiddenLine xmlns="" xmlns:a14="http://schemas.microsoft.com/office/drawing/2010/main" w="9525">
                     <a:solidFill>
                       <a:srgbClr val="000000"/>
                     </a:solidFill>
@@ -15216,7 +15216,7 @@
               </a:ln>
               <a:extLst>
                 <a:ext uri="{91240B29-F687-4f45-9708-019B960494DF}">
-                  <a14:hiddenLine xmlns:a14="http://schemas.microsoft.com/office/drawing/2010/main" xmlns="" w="9525">
+                  <a14:hiddenLine xmlns="" xmlns:a14="http://schemas.microsoft.com/office/drawing/2010/main" w="9525">
                     <a:solidFill>
                       <a:srgbClr val="000000"/>
                     </a:solidFill>
@@ -15250,7 +15250,7 @@
               </a:ln>
               <a:extLst>
                 <a:ext uri="{91240B29-F687-4f45-9708-019B960494DF}">
-                  <a14:hiddenLine xmlns:a14="http://schemas.microsoft.com/office/drawing/2010/main" xmlns="" w="9525">
+                  <a14:hiddenLine xmlns="" xmlns:a14="http://schemas.microsoft.com/office/drawing/2010/main" w="9525">
                     <a:solidFill>
                       <a:srgbClr val="000000"/>
                     </a:solidFill>
@@ -15315,7 +15315,7 @@
               </a:ln>
               <a:extLst>
                 <a:ext uri="{91240B29-F687-4f45-9708-019B960494DF}">
-                  <a14:hiddenLine xmlns:a14="http://schemas.microsoft.com/office/drawing/2010/main" xmlns="" w="9525">
+                  <a14:hiddenLine xmlns="" xmlns:a14="http://schemas.microsoft.com/office/drawing/2010/main" w="9525">
                     <a:solidFill>
                       <a:srgbClr val="000000"/>
                     </a:solidFill>
@@ -15405,7 +15405,7 @@
               </a:ln>
               <a:extLst>
                 <a:ext uri="{91240B29-F687-4f45-9708-019B960494DF}">
-                  <a14:hiddenLine xmlns:a14="http://schemas.microsoft.com/office/drawing/2010/main" xmlns="" w="9525">
+                  <a14:hiddenLine xmlns="" xmlns:a14="http://schemas.microsoft.com/office/drawing/2010/main" w="9525">
                     <a:solidFill>
                       <a:srgbClr val="000000"/>
                     </a:solidFill>
@@ -15467,7 +15467,7 @@
               </a:ln>
               <a:extLst>
                 <a:ext uri="{91240B29-F687-4f45-9708-019B960494DF}">
-                  <a14:hiddenLine xmlns:a14="http://schemas.microsoft.com/office/drawing/2010/main" xmlns="" w="9525">
+                  <a14:hiddenLine xmlns="" xmlns:a14="http://schemas.microsoft.com/office/drawing/2010/main" w="9525">
                     <a:solidFill>
                       <a:srgbClr val="000000"/>
                     </a:solidFill>
@@ -15557,7 +15557,7 @@
               </a:ln>
               <a:extLst>
                 <a:ext uri="{91240B29-F687-4f45-9708-019B960494DF}">
-                  <a14:hiddenLine xmlns:a14="http://schemas.microsoft.com/office/drawing/2010/main" xmlns="" w="9525">
+                  <a14:hiddenLine xmlns="" xmlns:a14="http://schemas.microsoft.com/office/drawing/2010/main" w="9525">
                     <a:solidFill>
                       <a:srgbClr val="000000"/>
                     </a:solidFill>
@@ -15622,7 +15622,7 @@
               </a:ln>
               <a:extLst>
                 <a:ext uri="{91240B29-F687-4f45-9708-019B960494DF}">
-                  <a14:hiddenLine xmlns:a14="http://schemas.microsoft.com/office/drawing/2010/main" xmlns="" w="9525">
+                  <a14:hiddenLine xmlns="" xmlns:a14="http://schemas.microsoft.com/office/drawing/2010/main" w="9525">
                     <a:solidFill>
                       <a:srgbClr val="000000"/>
                     </a:solidFill>
@@ -15684,7 +15684,7 @@
               </a:ln>
               <a:extLst>
                 <a:ext uri="{91240B29-F687-4f45-9708-019B960494DF}">
-                  <a14:hiddenLine xmlns:a14="http://schemas.microsoft.com/office/drawing/2010/main" xmlns="" w="9525">
+                  <a14:hiddenLine xmlns="" xmlns:a14="http://schemas.microsoft.com/office/drawing/2010/main" w="9525">
                     <a:solidFill>
                       <a:srgbClr val="000000"/>
                     </a:solidFill>
@@ -15774,7 +15774,7 @@
               </a:ln>
               <a:extLst>
                 <a:ext uri="{91240B29-F687-4f45-9708-019B960494DF}">
-                  <a14:hiddenLine xmlns:a14="http://schemas.microsoft.com/office/drawing/2010/main" xmlns="" w="9525">
+                  <a14:hiddenLine xmlns="" xmlns:a14="http://schemas.microsoft.com/office/drawing/2010/main" w="9525">
                     <a:solidFill>
                       <a:srgbClr val="000000"/>
                     </a:solidFill>
@@ -15864,7 +15864,7 @@
               </a:ln>
               <a:extLst>
                 <a:ext uri="{91240B29-F687-4f45-9708-019B960494DF}">
-                  <a14:hiddenLine xmlns:a14="http://schemas.microsoft.com/office/drawing/2010/main" xmlns="" w="9525">
+                  <a14:hiddenLine xmlns="" xmlns:a14="http://schemas.microsoft.com/office/drawing/2010/main" w="9525">
                     <a:solidFill>
                       <a:srgbClr val="000000"/>
                     </a:solidFill>
@@ -15929,7 +15929,7 @@
               </a:ln>
               <a:extLst>
                 <a:ext uri="{91240B29-F687-4f45-9708-019B960494DF}">
-                  <a14:hiddenLine xmlns:a14="http://schemas.microsoft.com/office/drawing/2010/main" xmlns="" w="9525">
+                  <a14:hiddenLine xmlns="" xmlns:a14="http://schemas.microsoft.com/office/drawing/2010/main" w="9525">
                     <a:solidFill>
                       <a:srgbClr val="000000"/>
                     </a:solidFill>
@@ -16049,7 +16049,7 @@
               </a:ln>
               <a:extLst>
                 <a:ext uri="{91240B29-F687-4f45-9708-019B960494DF}">
-                  <a14:hiddenLine xmlns:a14="http://schemas.microsoft.com/office/drawing/2010/main" xmlns="" w="9525">
+                  <a14:hiddenLine xmlns="" xmlns:a14="http://schemas.microsoft.com/office/drawing/2010/main" w="9525">
                     <a:solidFill>
                       <a:srgbClr val="000000"/>
                     </a:solidFill>
@@ -16147,7 +16147,7 @@
               </a:ln>
               <a:extLst>
                 <a:ext uri="{91240B29-F687-4f45-9708-019B960494DF}">
-                  <a14:hiddenLine xmlns:a14="http://schemas.microsoft.com/office/drawing/2010/main" xmlns="" w="9525">
+                  <a14:hiddenLine xmlns="" xmlns:a14="http://schemas.microsoft.com/office/drawing/2010/main" w="9525">
                     <a:solidFill>
                       <a:srgbClr val="000000"/>
                     </a:solidFill>
@@ -16262,7 +16262,7 @@
               </a:ln>
               <a:extLst>
                 <a:ext uri="{91240B29-F687-4f45-9708-019B960494DF}">
-                  <a14:hiddenLine xmlns:a14="http://schemas.microsoft.com/office/drawing/2010/main" xmlns="" w="9525">
+                  <a14:hiddenLine xmlns="" xmlns:a14="http://schemas.microsoft.com/office/drawing/2010/main" w="9525">
                     <a:solidFill>
                       <a:srgbClr val="000000"/>
                     </a:solidFill>
@@ -16352,7 +16352,7 @@
               </a:ln>
               <a:extLst>
                 <a:ext uri="{91240B29-F687-4f45-9708-019B960494DF}">
-                  <a14:hiddenLine xmlns:a14="http://schemas.microsoft.com/office/drawing/2010/main" xmlns="" w="9525">
+                  <a14:hiddenLine xmlns="" xmlns:a14="http://schemas.microsoft.com/office/drawing/2010/main" w="9525">
                     <a:solidFill>
                       <a:srgbClr val="000000"/>
                     </a:solidFill>
@@ -16417,7 +16417,7 @@
               </a:ln>
               <a:extLst>
                 <a:ext uri="{91240B29-F687-4f45-9708-019B960494DF}">
-                  <a14:hiddenLine xmlns:a14="http://schemas.microsoft.com/office/drawing/2010/main" xmlns="" w="9525">
+                  <a14:hiddenLine xmlns="" xmlns:a14="http://schemas.microsoft.com/office/drawing/2010/main" w="9525">
                     <a:solidFill>
                       <a:srgbClr val="000000"/>
                     </a:solidFill>
@@ -16507,7 +16507,7 @@
               </a:ln>
               <a:extLst>
                 <a:ext uri="{91240B29-F687-4f45-9708-019B960494DF}">
-                  <a14:hiddenLine xmlns:a14="http://schemas.microsoft.com/office/drawing/2010/main" xmlns="" w="9525">
+                  <a14:hiddenLine xmlns="" xmlns:a14="http://schemas.microsoft.com/office/drawing/2010/main" w="9525">
                     <a:solidFill>
                       <a:srgbClr val="000000"/>
                     </a:solidFill>
@@ -16575,7 +16575,7 @@
               </a:ln>
               <a:extLst>
                 <a:ext uri="{91240B29-F687-4f45-9708-019B960494DF}">
-                  <a14:hiddenLine xmlns:a14="http://schemas.microsoft.com/office/drawing/2010/main" xmlns="" w="9525">
+                  <a14:hiddenLine xmlns="" xmlns:a14="http://schemas.microsoft.com/office/drawing/2010/main" w="9525">
                     <a:solidFill>
                       <a:srgbClr val="000000"/>
                     </a:solidFill>
@@ -16665,7 +16665,7 @@
               </a:ln>
               <a:extLst>
                 <a:ext uri="{91240B29-F687-4f45-9708-019B960494DF}">
-                  <a14:hiddenLine xmlns:a14="http://schemas.microsoft.com/office/drawing/2010/main" xmlns="" w="9525">
+                  <a14:hiddenLine xmlns="" xmlns:a14="http://schemas.microsoft.com/office/drawing/2010/main" w="9525">
                     <a:solidFill>
                       <a:srgbClr val="000000"/>
                     </a:solidFill>
@@ -16733,7 +16733,7 @@
               </a:ln>
               <a:extLst>
                 <a:ext uri="{91240B29-F687-4f45-9708-019B960494DF}">
-                  <a14:hiddenLine xmlns:a14="http://schemas.microsoft.com/office/drawing/2010/main" xmlns="" w="9525">
+                  <a14:hiddenLine xmlns="" xmlns:a14="http://schemas.microsoft.com/office/drawing/2010/main" w="9525">
                     <a:solidFill>
                       <a:srgbClr val="000000"/>
                     </a:solidFill>
@@ -16823,7 +16823,7 @@
               </a:ln>
               <a:extLst>
                 <a:ext uri="{91240B29-F687-4f45-9708-019B960494DF}">
-                  <a14:hiddenLine xmlns:a14="http://schemas.microsoft.com/office/drawing/2010/main" xmlns="" w="9525">
+                  <a14:hiddenLine xmlns="" xmlns:a14="http://schemas.microsoft.com/office/drawing/2010/main" w="9525">
                     <a:solidFill>
                       <a:srgbClr val="000000"/>
                     </a:solidFill>
@@ -16857,7 +16857,7 @@
               </a:ln>
               <a:extLst>
                 <a:ext uri="{91240B29-F687-4f45-9708-019B960494DF}">
-                  <a14:hiddenLine xmlns:a14="http://schemas.microsoft.com/office/drawing/2010/main" xmlns="" w="9525">
+                  <a14:hiddenLine xmlns="" xmlns:a14="http://schemas.microsoft.com/office/drawing/2010/main" w="9525">
                     <a:solidFill>
                       <a:srgbClr val="000000"/>
                     </a:solidFill>
@@ -17591,7 +17591,7 @@
           </a:sp3d>
         </p:spPr>
         <p:txBody>
-          <a:bodyPr vert="horz" lIns="91440" tIns="45720" rIns="91440" bIns="45720" rtlCol="0" anchor="ctr">
+          <a:bodyPr vert="horz" lIns="91440" tIns="45720" rIns="91440" bIns="45720" rtlCol="0" anchor="b">
             <a:noAutofit/>
           </a:bodyPr>
           <a:lstStyle>
@@ -18240,7 +18240,7 @@
           </a:sp3d>
         </p:spPr>
         <p:txBody>
-          <a:bodyPr vert="horz" lIns="91440" tIns="45720" rIns="91440" bIns="45720" rtlCol="0" anchor="ctr">
+          <a:bodyPr vert="horz" lIns="91440" tIns="45720" rIns="91440" bIns="45720" rtlCol="0" anchor="b">
             <a:noAutofit/>
           </a:bodyPr>
           <a:lstStyle>
@@ -18804,7 +18804,7 @@
           </a:sp3d>
         </p:spPr>
         <p:txBody>
-          <a:bodyPr vert="horz" lIns="91440" tIns="45720" rIns="91440" bIns="45720" rtlCol="0" anchor="ctr">
+          <a:bodyPr vert="horz" lIns="91440" tIns="45720" rIns="91440" bIns="45720" rtlCol="0" anchor="b">
             <a:noAutofit/>
           </a:bodyPr>
           <a:lstStyle>
@@ -19256,7 +19256,7 @@
           </a:sp3d>
         </p:spPr>
         <p:txBody>
-          <a:bodyPr vert="horz" lIns="91440" tIns="45720" rIns="91440" bIns="45720" rtlCol="0" anchor="ctr">
+          <a:bodyPr vert="horz" lIns="91440" tIns="45720" rIns="91440" bIns="45720" rtlCol="0" anchor="b">
             <a:noAutofit/>
           </a:bodyPr>
           <a:lstStyle>

--- a/นิเทศก์/นิเทศก์ชุมพร.pptx
+++ b/นิเทศก์/นิเทศก์ชุมพร.pptx
@@ -5,7 +5,7 @@
     <p:sldMasterId id="2147483648" r:id="rId1"/>
   </p:sldMasterIdLst>
   <p:notesMasterIdLst>
-    <p:notesMasterId r:id="rId17"/>
+    <p:notesMasterId r:id="rId18"/>
   </p:notesMasterIdLst>
   <p:sldIdLst>
     <p:sldId id="256" r:id="rId2"/>
@@ -23,9 +23,10 @@
     <p:sldId id="1815" r:id="rId14"/>
     <p:sldId id="1814" r:id="rId15"/>
     <p:sldId id="1816" r:id="rId16"/>
+    <p:sldId id="1817" r:id="rId17"/>
   </p:sldIdLst>
   <p:sldSz cx="12192000" cy="6858000"/>
-  <p:notesSz cx="6858000" cy="9144000"/>
+  <p:notesSz cx="7102475" cy="9388475"/>
   <p:defaultTextStyle>
     <a:defPPr>
       <a:defRPr lang="en-US"/>
@@ -10335,14 +10336,14 @@
         <p:spPr>
           <a:xfrm>
             <a:off x="0" y="0"/>
-            <a:ext cx="2971800" cy="458788"/>
+            <a:ext cx="3077739" cy="471054"/>
           </a:xfrm>
           <a:prstGeom prst="rect">
             <a:avLst/>
           </a:prstGeom>
         </p:spPr>
         <p:txBody>
-          <a:bodyPr vert="horz" lIns="91440" tIns="45720" rIns="91440" bIns="45720" rtlCol="0"/>
+          <a:bodyPr vert="horz" lIns="94229" tIns="47114" rIns="94229" bIns="47114" rtlCol="0"/>
           <a:lstStyle>
             <a:lvl1pPr algn="l">
               <a:defRPr sz="1200"/>
@@ -10365,15 +10366,15 @@
         </p:nvSpPr>
         <p:spPr>
           <a:xfrm>
-            <a:off x="3884613" y="0"/>
-            <a:ext cx="2971800" cy="458788"/>
+            <a:off x="4023092" y="0"/>
+            <a:ext cx="3077739" cy="471054"/>
           </a:xfrm>
           <a:prstGeom prst="rect">
             <a:avLst/>
           </a:prstGeom>
         </p:spPr>
         <p:txBody>
-          <a:bodyPr vert="horz" lIns="91440" tIns="45720" rIns="91440" bIns="45720" rtlCol="0"/>
+          <a:bodyPr vert="horz" lIns="94229" tIns="47114" rIns="94229" bIns="47114" rtlCol="0"/>
           <a:lstStyle>
             <a:lvl1pPr algn="r">
               <a:defRPr sz="1200"/>
@@ -10400,8 +10401,8 @@
         </p:nvSpPr>
         <p:spPr>
           <a:xfrm>
-            <a:off x="685800" y="1143000"/>
-            <a:ext cx="5486400" cy="3086100"/>
+            <a:off x="735013" y="1173163"/>
+            <a:ext cx="5632450" cy="3168650"/>
           </a:xfrm>
           <a:prstGeom prst="rect">
             <a:avLst/>
@@ -10414,7 +10415,7 @@
           </a:ln>
         </p:spPr>
         <p:txBody>
-          <a:bodyPr vert="horz" lIns="91440" tIns="45720" rIns="91440" bIns="45720" rtlCol="0" anchor="ctr"/>
+          <a:bodyPr vert="horz" lIns="94229" tIns="47114" rIns="94229" bIns="47114" rtlCol="0" anchor="ctr"/>
           <a:lstStyle/>
           <a:p>
             <a:endParaRPr lang="en-US"/>
@@ -10433,15 +10434,15 @@
         </p:nvSpPr>
         <p:spPr>
           <a:xfrm>
-            <a:off x="685800" y="4400550"/>
-            <a:ext cx="5486400" cy="3600450"/>
+            <a:off x="710248" y="4518204"/>
+            <a:ext cx="5681980" cy="3696712"/>
           </a:xfrm>
           <a:prstGeom prst="rect">
             <a:avLst/>
           </a:prstGeom>
         </p:spPr>
         <p:txBody>
-          <a:bodyPr vert="horz" lIns="91440" tIns="45720" rIns="91440" bIns="45720" rtlCol="0"/>
+          <a:bodyPr vert="horz" lIns="94229" tIns="47114" rIns="94229" bIns="47114" rtlCol="0"/>
           <a:lstStyle/>
           <a:p>
             <a:pPr lvl="0"/>
@@ -10492,15 +10493,15 @@
         </p:nvSpPr>
         <p:spPr>
           <a:xfrm>
-            <a:off x="0" y="8685213"/>
-            <a:ext cx="2971800" cy="458787"/>
+            <a:off x="0" y="8917422"/>
+            <a:ext cx="3077739" cy="471053"/>
           </a:xfrm>
           <a:prstGeom prst="rect">
             <a:avLst/>
           </a:prstGeom>
         </p:spPr>
         <p:txBody>
-          <a:bodyPr vert="horz" lIns="91440" tIns="45720" rIns="91440" bIns="45720" rtlCol="0" anchor="b"/>
+          <a:bodyPr vert="horz" lIns="94229" tIns="47114" rIns="94229" bIns="47114" rtlCol="0" anchor="b"/>
           <a:lstStyle>
             <a:lvl1pPr algn="l">
               <a:defRPr sz="1200"/>
@@ -10523,15 +10524,15 @@
         </p:nvSpPr>
         <p:spPr>
           <a:xfrm>
-            <a:off x="3884613" y="8685213"/>
-            <a:ext cx="2971800" cy="458787"/>
+            <a:off x="4023092" y="8917422"/>
+            <a:ext cx="3077739" cy="471053"/>
           </a:xfrm>
           <a:prstGeom prst="rect">
             <a:avLst/>
           </a:prstGeom>
         </p:spPr>
         <p:txBody>
-          <a:bodyPr vert="horz" lIns="91440" tIns="45720" rIns="91440" bIns="45720" rtlCol="0" anchor="b"/>
+          <a:bodyPr vert="horz" lIns="94229" tIns="47114" rIns="94229" bIns="47114" rtlCol="0" anchor="b"/>
           <a:lstStyle>
             <a:lvl1pPr algn="r">
               <a:defRPr sz="1200"/>
@@ -10676,8 +10677,8 @@
         </p:nvSpPr>
         <p:spPr bwMode="auto">
           <a:xfrm>
-            <a:off x="3851027" y="9428029"/>
-            <a:ext cx="2945084" cy="497040"/>
+            <a:off x="3988309" y="9680098"/>
+            <a:ext cx="3050071" cy="510329"/>
           </a:xfrm>
           <a:prstGeom prst="rect">
             <a:avLst/>
@@ -10691,33 +10692,18 @@
           </a:ln>
         </p:spPr>
         <p:txBody>
-          <a:bodyPr lIns="95539" tIns="47769" rIns="95539" bIns="47769" anchor="b"/>
+          <a:bodyPr lIns="98453" tIns="49226" rIns="98453" bIns="49226" anchor="b"/>
           <a:lstStyle/>
           <a:p>
-            <a:pPr algn="r" defTabSz="954715" fontAlgn="auto">
-              <a:spcBef>
-                <a:spcPts val="0"/>
-              </a:spcBef>
-              <a:spcAft>
-                <a:spcPts val="0"/>
-              </a:spcAft>
-            </a:pPr>
+            <a:pPr algn="r" defTabSz="983834"/>
             <a:fld id="{566912E9-B104-4D83-A173-BBE03D96A239}" type="slidenum">
               <a:rPr lang="en-US" sz="1300">
                 <a:solidFill>
                   <a:prstClr val="black"/>
                 </a:solidFill>
                 <a:latin typeface="Calibri"/>
-                <a:cs typeface="+mn-cs"/>
               </a:rPr>
-              <a:pPr algn="r" defTabSz="954715" fontAlgn="auto">
-                <a:spcBef>
-                  <a:spcPts val="0"/>
-                </a:spcBef>
-                <a:spcAft>
-                  <a:spcPts val="0"/>
-                </a:spcAft>
-              </a:pPr>
+              <a:pPr algn="r" defTabSz="983834"/>
               <a:t>14</a:t>
             </a:fld>
             <a:endParaRPr lang="th-TH" sz="1300" dirty="0">
@@ -10742,8 +10728,8 @@
         </p:nvSpPr>
         <p:spPr>
           <a:xfrm>
-            <a:off x="88900" y="744538"/>
-            <a:ext cx="6619875" cy="3724275"/>
+            <a:off x="122238" y="765175"/>
+            <a:ext cx="6796087" cy="3822700"/>
           </a:xfrm>
           <a:ln/>
         </p:spPr>
@@ -10811,8 +10797,8 @@
         </p:nvSpPr>
         <p:spPr bwMode="auto">
           <a:xfrm>
-            <a:off x="3851027" y="9428029"/>
-            <a:ext cx="2945084" cy="497040"/>
+            <a:off x="3988309" y="9680098"/>
+            <a:ext cx="3050071" cy="510329"/>
           </a:xfrm>
           <a:prstGeom prst="rect">
             <a:avLst/>
@@ -10826,33 +10812,18 @@
           </a:ln>
         </p:spPr>
         <p:txBody>
-          <a:bodyPr lIns="95539" tIns="47769" rIns="95539" bIns="47769" anchor="b"/>
+          <a:bodyPr lIns="98453" tIns="49226" rIns="98453" bIns="49226" anchor="b"/>
           <a:lstStyle/>
           <a:p>
-            <a:pPr algn="r" defTabSz="954715" fontAlgn="auto">
-              <a:spcBef>
-                <a:spcPts val="0"/>
-              </a:spcBef>
-              <a:spcAft>
-                <a:spcPts val="0"/>
-              </a:spcAft>
-            </a:pPr>
+            <a:pPr algn="r" defTabSz="983834"/>
             <a:fld id="{566912E9-B104-4D83-A173-BBE03D96A239}" type="slidenum">
               <a:rPr lang="en-US" sz="1300">
                 <a:solidFill>
                   <a:prstClr val="black"/>
                 </a:solidFill>
                 <a:latin typeface="Calibri"/>
-                <a:cs typeface="+mn-cs"/>
               </a:rPr>
-              <a:pPr algn="r" defTabSz="954715" fontAlgn="auto">
-                <a:spcBef>
-                  <a:spcPts val="0"/>
-                </a:spcBef>
-                <a:spcAft>
-                  <a:spcPts val="0"/>
-                </a:spcAft>
-              </a:pPr>
+              <a:pPr algn="r" defTabSz="983834"/>
               <a:t>15</a:t>
             </a:fld>
             <a:endParaRPr lang="th-TH" sz="1300" dirty="0">
@@ -10877,8 +10848,8 @@
         </p:nvSpPr>
         <p:spPr>
           <a:xfrm>
-            <a:off x="88900" y="744538"/>
-            <a:ext cx="6619875" cy="3724275"/>
+            <a:off x="122238" y="765175"/>
+            <a:ext cx="6796087" cy="3822700"/>
           </a:xfrm>
           <a:ln/>
         </p:spPr>
@@ -23179,7 +23150,7 @@
         </p:spPr>
         <p:txBody>
           <a:bodyPr anchor="ctr">
-            <a:normAutofit/>
+            <a:normAutofit fontScale="90000"/>
           </a:bodyPr>
           <a:lstStyle/>
           <a:p>
@@ -23217,7 +23188,7 @@
                   </a:outerShdw>
                 </a:effectLst>
               </a:rPr>
-              <a:t>นพ.วันชัย  เหล่าเสถียรกิจ</a:t>
+              <a:t>นายแพทย์พิทักษ์พล. บุญญมาลิก</a:t>
             </a:r>
             <a:br>
               <a:rPr lang="th-TH" sz="6000" b="1" dirty="0">
@@ -23240,7 +23211,30 @@
                   </a:outerShdw>
                 </a:effectLst>
               </a:rPr>
-              <a:t>สาธารณสุขนิเทศก์ เขตสุขภาพที่ 11 และคณะ</a:t>
+              <a:t>ผุ็ตรวจราชการกระทรวงสาธารณสุข </a:t>
+            </a:r>
+            <a:br>
+              <a:rPr lang="th-TH" sz="6000" b="1" dirty="0">
+                <a:effectLst>
+                  <a:outerShdw blurRad="38100" dist="38100" dir="2700000" algn="tl">
+                    <a:srgbClr val="000000">
+                      <a:alpha val="43137"/>
+                    </a:srgbClr>
+                  </a:outerShdw>
+                </a:effectLst>
+              </a:rPr>
+            </a:br>
+            <a:r>
+              <a:rPr lang="th-TH" sz="6000" b="1" dirty="0">
+                <a:effectLst>
+                  <a:outerShdw blurRad="38100" dist="38100" dir="2700000" algn="tl">
+                    <a:srgbClr val="000000">
+                      <a:alpha val="43137"/>
+                    </a:srgbClr>
+                  </a:outerShdw>
+                </a:effectLst>
+              </a:rPr>
+              <a:t>เขตบริการสุขภาพที่ 11</a:t>
             </a:r>
             <a:endParaRPr lang="en-US" sz="6000" b="1" dirty="0">
               <a:effectLst>
@@ -32057,12 +32051,17 @@
         </p:blipFill>
         <p:spPr>
           <a:xfrm>
-            <a:off x="4003514" y="1026027"/>
-            <a:ext cx="2318906" cy="1654973"/>
+            <a:off x="4315812" y="1026027"/>
+            <a:ext cx="2436264" cy="1990529"/>
           </a:xfrm>
           <a:prstGeom prst="rect">
             <a:avLst/>
           </a:prstGeom>
+          <a:effectLst>
+            <a:innerShdw blurRad="63500" dist="1270000" dir="10800000">
+              <a:srgbClr val="FF0000"/>
+            </a:innerShdw>
+          </a:effectLst>
         </p:spPr>
       </p:pic>
       <p:pic>
@@ -32101,12 +32100,17 @@
         </p:blipFill>
         <p:spPr>
           <a:xfrm>
-            <a:off x="4973559" y="1051625"/>
-            <a:ext cx="1832185" cy="1639324"/>
+            <a:off x="5323544" y="1099593"/>
+            <a:ext cx="1968645" cy="1761081"/>
           </a:xfrm>
           <a:prstGeom prst="rect">
             <a:avLst/>
           </a:prstGeom>
+          <a:effectLst>
+            <a:innerShdw blurRad="63500" dist="1270000" dir="10800000">
+              <a:srgbClr val="FFFF00"/>
+            </a:innerShdw>
+          </a:effectLst>
         </p:spPr>
       </p:pic>
       <p:pic>
@@ -32145,12 +32149,17 @@
         </p:blipFill>
         <p:spPr>
           <a:xfrm>
-            <a:off x="3794777" y="2308445"/>
-            <a:ext cx="2357563" cy="1340708"/>
+            <a:off x="4386373" y="2606128"/>
+            <a:ext cx="2178366" cy="1238802"/>
           </a:xfrm>
           <a:prstGeom prst="rect">
             <a:avLst/>
           </a:prstGeom>
+          <a:effectLst>
+            <a:innerShdw blurRad="63500" dist="1270000" dir="10800000">
+              <a:srgbClr val="00B050"/>
+            </a:innerShdw>
+          </a:effectLst>
         </p:spPr>
       </p:pic>
       <p:pic>
@@ -32189,12 +32198,19 @@
         </p:blipFill>
         <p:spPr>
           <a:xfrm>
-            <a:off x="3373618" y="2794550"/>
+            <a:off x="3988961" y="3048457"/>
             <a:ext cx="2318906" cy="1521045"/>
           </a:xfrm>
           <a:prstGeom prst="rect">
             <a:avLst/>
           </a:prstGeom>
+          <a:effectLst>
+            <a:innerShdw blurRad="63500" dist="1270000" dir="10800000">
+              <a:schemeClr val="accent2">
+                <a:lumMod val="75000"/>
+              </a:schemeClr>
+            </a:innerShdw>
+          </a:effectLst>
         </p:spPr>
       </p:pic>
       <p:pic>
@@ -32233,12 +32249,17 @@
         </p:blipFill>
         <p:spPr>
           <a:xfrm>
-            <a:off x="3823321" y="3535809"/>
-            <a:ext cx="1648887" cy="892963"/>
+            <a:off x="4245832" y="3815745"/>
+            <a:ext cx="1881129" cy="892963"/>
           </a:xfrm>
           <a:prstGeom prst="rect">
             <a:avLst/>
           </a:prstGeom>
+          <a:effectLst>
+            <a:innerShdw blurRad="63500" dist="1270000" dir="10800000">
+              <a:srgbClr val="00B0F0"/>
+            </a:innerShdw>
+          </a:effectLst>
         </p:spPr>
       </p:pic>
       <p:pic>
@@ -32277,12 +32298,17 @@
         </p:blipFill>
         <p:spPr>
           <a:xfrm>
-            <a:off x="3101587" y="3880407"/>
-            <a:ext cx="2832169" cy="1656402"/>
+            <a:off x="3623536" y="4275417"/>
+            <a:ext cx="3128540" cy="1326169"/>
           </a:xfrm>
           <a:prstGeom prst="rect">
             <a:avLst/>
           </a:prstGeom>
+          <a:effectLst>
+            <a:innerShdw blurRad="63500" dist="1270000" dir="10800000">
+              <a:srgbClr val="FFFF00"/>
+            </a:innerShdw>
+          </a:effectLst>
         </p:spPr>
       </p:pic>
       <p:pic>
@@ -32321,12 +32347,17 @@
         </p:blipFill>
         <p:spPr>
           <a:xfrm>
-            <a:off x="3435794" y="4883867"/>
+            <a:off x="3938507" y="5077708"/>
             <a:ext cx="2192553" cy="1380989"/>
           </a:xfrm>
           <a:prstGeom prst="rect">
             <a:avLst/>
           </a:prstGeom>
+          <a:effectLst>
+            <a:innerShdw blurRad="63500" dist="1270000" dir="16200000">
+              <a:srgbClr val="00B050"/>
+            </a:innerShdw>
+          </a:effectLst>
         </p:spPr>
       </p:pic>
       <p:pic>
@@ -32365,12 +32396,17 @@
         </p:blipFill>
         <p:spPr>
           <a:xfrm>
-            <a:off x="1854060" y="4108832"/>
-            <a:ext cx="3419508" cy="2103581"/>
+            <a:off x="2730884" y="4468717"/>
+            <a:ext cx="2986830" cy="1837410"/>
           </a:xfrm>
           <a:prstGeom prst="rect">
             <a:avLst/>
           </a:prstGeom>
+          <a:effectLst>
+            <a:innerShdw blurRad="63500" dist="1270000" dir="10800000">
+              <a:srgbClr val="FF0000"/>
+            </a:innerShdw>
+          </a:effectLst>
         </p:spPr>
       </p:pic>
     </p:spTree>
@@ -32386,6 +32422,109 @@
   <p:transition>
     <p:fade/>
   </p:transition>
+</p:sld>
+</file>
+
+<file path=ppt/slides/slide16.xml><?xml version="1.0" encoding="utf-8"?>
+<p:sld xmlns:a="http://schemas.openxmlformats.org/drawingml/2006/main" xmlns:r="http://schemas.openxmlformats.org/officeDocument/2006/relationships" xmlns:p="http://schemas.openxmlformats.org/presentationml/2006/main">
+  <p:cSld>
+    <p:spTree>
+      <p:nvGrpSpPr>
+        <p:cNvPr id="1" name=""/>
+        <p:cNvGrpSpPr/>
+        <p:nvPr/>
+      </p:nvGrpSpPr>
+      <p:grpSpPr>
+        <a:xfrm>
+          <a:off x="0" y="0"/>
+          <a:ext cx="0" cy="0"/>
+          <a:chOff x="0" y="0"/>
+          <a:chExt cx="0" cy="0"/>
+        </a:xfrm>
+      </p:grpSpPr>
+      <p:pic>
+        <p:nvPicPr>
+          <p:cNvPr id="2" name="Picture 1">
+            <a:extLst>
+              <a:ext uri="{FF2B5EF4-FFF2-40B4-BE49-F238E27FC236}">
+                <a16:creationId xmlns:a16="http://schemas.microsoft.com/office/drawing/2014/main" id="{FC947ED0-C726-4C4B-95A8-9A4B1093216B}"/>
+              </a:ext>
+            </a:extLst>
+          </p:cNvPr>
+          <p:cNvPicPr>
+            <a:picLocks noChangeAspect="1"/>
+          </p:cNvPicPr>
+          <p:nvPr/>
+        </p:nvPicPr>
+        <p:blipFill rotWithShape="1">
+          <a:blip r:embed="rId2"/>
+          <a:srcRect l="41538"/>
+          <a:stretch/>
+        </p:blipFill>
+        <p:spPr>
+          <a:xfrm>
+            <a:off x="0" y="0"/>
+            <a:ext cx="12192000" cy="6854265"/>
+          </a:xfrm>
+          <a:prstGeom prst="rect">
+            <a:avLst/>
+          </a:prstGeom>
+        </p:spPr>
+      </p:pic>
+      <p:sp>
+        <p:nvSpPr>
+          <p:cNvPr id="4" name="TextBox 3">
+            <a:extLst>
+              <a:ext uri="{FF2B5EF4-FFF2-40B4-BE49-F238E27FC236}">
+                <a16:creationId xmlns:a16="http://schemas.microsoft.com/office/drawing/2014/main" id="{4932C0B8-6560-4119-A888-0F9199F4A6CF}"/>
+              </a:ext>
+            </a:extLst>
+          </p:cNvPr>
+          <p:cNvSpPr txBox="1"/>
+          <p:nvPr/>
+        </p:nvSpPr>
+        <p:spPr>
+          <a:xfrm>
+            <a:off x="3319975" y="1463040"/>
+            <a:ext cx="1575582" cy="830997"/>
+          </a:xfrm>
+          <a:prstGeom prst="rect">
+            <a:avLst/>
+          </a:prstGeom>
+          <a:noFill/>
+        </p:spPr>
+        <p:txBody>
+          <a:bodyPr wrap="square" rtlCol="0">
+            <a:spAutoFit/>
+          </a:bodyPr>
+          <a:lstStyle/>
+          <a:p>
+            <a:r>
+              <a:rPr lang="th-TH" sz="4800" dirty="0">
+                <a:solidFill>
+                  <a:srgbClr val="FF0000"/>
+                </a:solidFill>
+              </a:rPr>
+              <a:t>ตัวอย่าง</a:t>
+            </a:r>
+            <a:endParaRPr lang="en-US" sz="4800" dirty="0">
+              <a:solidFill>
+                <a:srgbClr val="FF0000"/>
+              </a:solidFill>
+            </a:endParaRPr>
+          </a:p>
+        </p:txBody>
+      </p:sp>
+    </p:spTree>
+    <p:extLst>
+      <p:ext uri="{BB962C8B-B14F-4D97-AF65-F5344CB8AC3E}">
+        <p14:creationId xmlns:p14="http://schemas.microsoft.com/office/powerpoint/2010/main" val="2012439338"/>
+      </p:ext>
+    </p:extLst>
+  </p:cSld>
+  <p:clrMapOvr>
+    <a:masterClrMapping/>
+  </p:clrMapOvr>
 </p:sld>
 </file>
 

--- a/นิเทศก์/นิเทศก์ชุมพร.pptx
+++ b/นิเทศก์/นิเทศก์ชุมพร.pptx
@@ -5,7 +5,7 @@
     <p:sldMasterId id="2147483648" r:id="rId1"/>
   </p:sldMasterIdLst>
   <p:notesMasterIdLst>
-    <p:notesMasterId r:id="rId18"/>
+    <p:notesMasterId r:id="rId20"/>
   </p:notesMasterIdLst>
   <p:sldIdLst>
     <p:sldId id="256" r:id="rId2"/>
@@ -20,10 +20,12 @@
     <p:sldId id="264" r:id="rId11"/>
     <p:sldId id="267" r:id="rId12"/>
     <p:sldId id="268" r:id="rId13"/>
-    <p:sldId id="1815" r:id="rId14"/>
-    <p:sldId id="1814" r:id="rId15"/>
-    <p:sldId id="1816" r:id="rId16"/>
-    <p:sldId id="1817" r:id="rId17"/>
+    <p:sldId id="1818" r:id="rId14"/>
+    <p:sldId id="1819" r:id="rId15"/>
+    <p:sldId id="1815" r:id="rId16"/>
+    <p:sldId id="1814" r:id="rId17"/>
+    <p:sldId id="1816" r:id="rId18"/>
+    <p:sldId id="1817" r:id="rId19"/>
   </p:sldIdLst>
   <p:sldSz cx="12192000" cy="6858000"/>
   <p:notesSz cx="7102475" cy="9388475"/>
@@ -3536,6 +3538,1760 @@
   <c:roundedCorners val="0"/>
   <mc:AlternateContent xmlns:mc="http://schemas.openxmlformats.org/markup-compatibility/2006">
     <mc:Choice xmlns:c14="http://schemas.microsoft.com/office/drawing/2007/8/2/chart" Requires="c14">
+      <c14:style val="102"/>
+    </mc:Choice>
+    <mc:Fallback>
+      <c:style val="2"/>
+    </mc:Fallback>
+  </mc:AlternateContent>
+  <c:chart>
+    <c:title>
+      <c:tx>
+        <c:rich>
+          <a:bodyPr rot="0" spcFirstLastPara="1" vertOverflow="ellipsis" vert="horz" wrap="square" anchor="ctr" anchorCtr="1"/>
+          <a:lstStyle/>
+          <a:p>
+            <a:pPr>
+              <a:defRPr sz="3200" b="1" i="0" u="none" strike="noStrike" kern="1200" baseline="0">
+                <a:solidFill>
+                  <a:schemeClr val="dk1">
+                    <a:lumMod val="75000"/>
+                    <a:lumOff val="25000"/>
+                  </a:schemeClr>
+                </a:solidFill>
+                <a:latin typeface="+mn-lt"/>
+                <a:ea typeface="+mn-ea"/>
+                <a:cs typeface="+mj-cs"/>
+              </a:defRPr>
+            </a:pPr>
+            <a:r>
+              <a:rPr lang="th-TH" sz="3200">
+                <a:cs typeface="+mj-cs"/>
+              </a:rPr>
+              <a:t>สาเหตุการตาย</a:t>
+            </a:r>
+            <a:endParaRPr lang="en-US" sz="3200">
+              <a:cs typeface="+mj-cs"/>
+            </a:endParaRPr>
+          </a:p>
+        </c:rich>
+      </c:tx>
+      <c:overlay val="0"/>
+      <c:spPr>
+        <a:noFill/>
+        <a:ln>
+          <a:noFill/>
+        </a:ln>
+        <a:effectLst/>
+      </c:spPr>
+      <c:txPr>
+        <a:bodyPr rot="0" spcFirstLastPara="1" vertOverflow="ellipsis" vert="horz" wrap="square" anchor="ctr" anchorCtr="1"/>
+        <a:lstStyle/>
+        <a:p>
+          <a:pPr>
+            <a:defRPr sz="3200" b="1" i="0" u="none" strike="noStrike" kern="1200" baseline="0">
+              <a:solidFill>
+                <a:schemeClr val="dk1">
+                  <a:lumMod val="75000"/>
+                  <a:lumOff val="25000"/>
+                </a:schemeClr>
+              </a:solidFill>
+              <a:latin typeface="+mn-lt"/>
+              <a:ea typeface="+mn-ea"/>
+              <a:cs typeface="+mj-cs"/>
+            </a:defRPr>
+          </a:pPr>
+          <a:endParaRPr lang="en-US"/>
+        </a:p>
+      </c:txPr>
+    </c:title>
+    <c:autoTitleDeleted val="0"/>
+    <c:plotArea>
+      <c:layout/>
+      <c:lineChart>
+        <c:grouping val="standard"/>
+        <c:varyColors val="0"/>
+        <c:ser>
+          <c:idx val="0"/>
+          <c:order val="0"/>
+          <c:tx>
+            <c:strRef>
+              <c:f>Sheet1!$B$1</c:f>
+              <c:strCache>
+                <c:ptCount val="1"/>
+                <c:pt idx="0">
+                  <c:v>เนื้องอก</c:v>
+                </c:pt>
+              </c:strCache>
+            </c:strRef>
+          </c:tx>
+          <c:spPr>
+            <a:ln w="31750" cap="rnd">
+              <a:solidFill>
+                <a:schemeClr val="accent1"/>
+              </a:solidFill>
+              <a:round/>
+            </a:ln>
+            <a:effectLst/>
+          </c:spPr>
+          <c:marker>
+            <c:symbol val="circle"/>
+            <c:size val="17"/>
+            <c:spPr>
+              <a:solidFill>
+                <a:schemeClr val="accent1"/>
+              </a:solidFill>
+              <a:ln>
+                <a:noFill/>
+              </a:ln>
+              <a:effectLst/>
+            </c:spPr>
+          </c:marker>
+          <c:dLbls>
+            <c:spPr>
+              <a:noFill/>
+              <a:ln>
+                <a:noFill/>
+              </a:ln>
+              <a:effectLst/>
+            </c:spPr>
+            <c:txPr>
+              <a:bodyPr rot="0" spcFirstLastPara="1" vertOverflow="ellipsis" vert="horz" wrap="square" lIns="38100" tIns="19050" rIns="38100" bIns="19050" anchor="ctr" anchorCtr="1">
+                <a:spAutoFit/>
+              </a:bodyPr>
+              <a:lstStyle/>
+              <a:p>
+                <a:pPr>
+                  <a:defRPr sz="1197" b="1" i="0" u="none" strike="noStrike" kern="1200" baseline="0">
+                    <a:solidFill>
+                      <a:schemeClr val="bg1"/>
+                    </a:solidFill>
+                    <a:latin typeface="Angsana New" panose="02020603050405020304" pitchFamily="18" charset="-34"/>
+                    <a:ea typeface="+mn-ea"/>
+                    <a:cs typeface="Angsana New" panose="02020603050405020304" pitchFamily="18" charset="-34"/>
+                  </a:defRPr>
+                </a:pPr>
+                <a:endParaRPr lang="en-US"/>
+              </a:p>
+            </c:txPr>
+            <c:dLblPos val="ctr"/>
+            <c:showLegendKey val="0"/>
+            <c:showVal val="1"/>
+            <c:showCatName val="0"/>
+            <c:showSerName val="0"/>
+            <c:showPercent val="0"/>
+            <c:showBubbleSize val="0"/>
+            <c:showLeaderLines val="0"/>
+            <c:extLst>
+              <c:ext xmlns:c15="http://schemas.microsoft.com/office/drawing/2012/chart" uri="{CE6537A1-D6FC-4f65-9D91-7224C49458BB}">
+                <c15:showLeaderLines val="1"/>
+                <c15:leaderLines>
+                  <c:spPr>
+                    <a:ln w="9525">
+                      <a:solidFill>
+                        <a:schemeClr val="dk1">
+                          <a:lumMod val="50000"/>
+                          <a:lumOff val="50000"/>
+                        </a:schemeClr>
+                      </a:solidFill>
+                    </a:ln>
+                    <a:effectLst/>
+                  </c:spPr>
+                </c15:leaderLines>
+              </c:ext>
+            </c:extLst>
+          </c:dLbls>
+          <c:cat>
+            <c:numRef>
+              <c:f>Sheet1!$A$2:$A$6</c:f>
+              <c:numCache>
+                <c:formatCode>General</c:formatCode>
+                <c:ptCount val="5"/>
+                <c:pt idx="0">
+                  <c:v>2557</c:v>
+                </c:pt>
+                <c:pt idx="1">
+                  <c:v>2558</c:v>
+                </c:pt>
+                <c:pt idx="2">
+                  <c:v>2559</c:v>
+                </c:pt>
+                <c:pt idx="3">
+                  <c:v>2560</c:v>
+                </c:pt>
+                <c:pt idx="4">
+                  <c:v>2561</c:v>
+                </c:pt>
+              </c:numCache>
+            </c:numRef>
+          </c:cat>
+          <c:val>
+            <c:numRef>
+              <c:f>Sheet1!$B$2:$B$6</c:f>
+              <c:numCache>
+                <c:formatCode>General</c:formatCode>
+                <c:ptCount val="5"/>
+                <c:pt idx="0">
+                  <c:v>93.24</c:v>
+                </c:pt>
+                <c:pt idx="1">
+                  <c:v>103.72</c:v>
+                </c:pt>
+                <c:pt idx="2">
+                  <c:v>102.11</c:v>
+                </c:pt>
+                <c:pt idx="3">
+                  <c:v>89.64</c:v>
+                </c:pt>
+                <c:pt idx="4">
+                  <c:v>100.85</c:v>
+                </c:pt>
+              </c:numCache>
+            </c:numRef>
+          </c:val>
+          <c:smooth val="0"/>
+          <c:extLst>
+            <c:ext xmlns:c16="http://schemas.microsoft.com/office/drawing/2014/chart" uri="{C3380CC4-5D6E-409C-BE32-E72D297353CC}">
+              <c16:uniqueId val="{00000000-31CA-4BC7-B40E-FD04F67BFEE6}"/>
+            </c:ext>
+          </c:extLst>
+        </c:ser>
+        <c:ser>
+          <c:idx val="1"/>
+          <c:order val="1"/>
+          <c:tx>
+            <c:strRef>
+              <c:f>Sheet1!$C$1</c:f>
+              <c:strCache>
+                <c:ptCount val="1"/>
+                <c:pt idx="0">
+                  <c:v>โลหิตเป็นพิษ</c:v>
+                </c:pt>
+              </c:strCache>
+            </c:strRef>
+          </c:tx>
+          <c:spPr>
+            <a:ln w="31750" cap="rnd">
+              <a:solidFill>
+                <a:schemeClr val="accent2"/>
+              </a:solidFill>
+              <a:round/>
+            </a:ln>
+            <a:effectLst/>
+          </c:spPr>
+          <c:marker>
+            <c:symbol val="circle"/>
+            <c:size val="17"/>
+            <c:spPr>
+              <a:solidFill>
+                <a:schemeClr val="accent2"/>
+              </a:solidFill>
+              <a:ln>
+                <a:noFill/>
+              </a:ln>
+              <a:effectLst/>
+            </c:spPr>
+          </c:marker>
+          <c:dLbls>
+            <c:spPr>
+              <a:noFill/>
+              <a:ln>
+                <a:noFill/>
+              </a:ln>
+              <a:effectLst/>
+            </c:spPr>
+            <c:txPr>
+              <a:bodyPr rot="0" spcFirstLastPara="1" vertOverflow="ellipsis" vert="horz" wrap="square" lIns="38100" tIns="19050" rIns="38100" bIns="19050" anchor="ctr" anchorCtr="1">
+                <a:spAutoFit/>
+              </a:bodyPr>
+              <a:lstStyle/>
+              <a:p>
+                <a:pPr>
+                  <a:defRPr sz="1197" b="1" i="0" u="none" strike="noStrike" kern="1200" baseline="0">
+                    <a:solidFill>
+                      <a:schemeClr val="bg1"/>
+                    </a:solidFill>
+                    <a:latin typeface="Angsana New" panose="02020603050405020304" pitchFamily="18" charset="-34"/>
+                    <a:ea typeface="+mn-ea"/>
+                    <a:cs typeface="Angsana New" panose="02020603050405020304" pitchFamily="18" charset="-34"/>
+                  </a:defRPr>
+                </a:pPr>
+                <a:endParaRPr lang="en-US"/>
+              </a:p>
+            </c:txPr>
+            <c:dLblPos val="ctr"/>
+            <c:showLegendKey val="0"/>
+            <c:showVal val="1"/>
+            <c:showCatName val="0"/>
+            <c:showSerName val="0"/>
+            <c:showPercent val="0"/>
+            <c:showBubbleSize val="0"/>
+            <c:showLeaderLines val="0"/>
+            <c:extLst>
+              <c:ext xmlns:c15="http://schemas.microsoft.com/office/drawing/2012/chart" uri="{CE6537A1-D6FC-4f65-9D91-7224C49458BB}">
+                <c15:showLeaderLines val="1"/>
+                <c15:leaderLines>
+                  <c:spPr>
+                    <a:ln w="9525">
+                      <a:solidFill>
+                        <a:schemeClr val="dk1">
+                          <a:lumMod val="50000"/>
+                          <a:lumOff val="50000"/>
+                        </a:schemeClr>
+                      </a:solidFill>
+                    </a:ln>
+                    <a:effectLst/>
+                  </c:spPr>
+                </c15:leaderLines>
+              </c:ext>
+            </c:extLst>
+          </c:dLbls>
+          <c:cat>
+            <c:numRef>
+              <c:f>Sheet1!$A$2:$A$6</c:f>
+              <c:numCache>
+                <c:formatCode>General</c:formatCode>
+                <c:ptCount val="5"/>
+                <c:pt idx="0">
+                  <c:v>2557</c:v>
+                </c:pt>
+                <c:pt idx="1">
+                  <c:v>2558</c:v>
+                </c:pt>
+                <c:pt idx="2">
+                  <c:v>2559</c:v>
+                </c:pt>
+                <c:pt idx="3">
+                  <c:v>2560</c:v>
+                </c:pt>
+                <c:pt idx="4">
+                  <c:v>2561</c:v>
+                </c:pt>
+              </c:numCache>
+            </c:numRef>
+          </c:cat>
+          <c:val>
+            <c:numRef>
+              <c:f>Sheet1!$C$2:$C$6</c:f>
+              <c:numCache>
+                <c:formatCode>General</c:formatCode>
+                <c:ptCount val="5"/>
+                <c:pt idx="0">
+                  <c:v>52.76</c:v>
+                </c:pt>
+                <c:pt idx="1">
+                  <c:v>36.43</c:v>
+                </c:pt>
+                <c:pt idx="2">
+                  <c:v>60.44</c:v>
+                </c:pt>
+                <c:pt idx="3">
+                  <c:v>50.04</c:v>
+                </c:pt>
+                <c:pt idx="4">
+                  <c:v>52.78</c:v>
+                </c:pt>
+              </c:numCache>
+            </c:numRef>
+          </c:val>
+          <c:smooth val="0"/>
+          <c:extLst>
+            <c:ext xmlns:c16="http://schemas.microsoft.com/office/drawing/2014/chart" uri="{C3380CC4-5D6E-409C-BE32-E72D297353CC}">
+              <c16:uniqueId val="{00000001-31CA-4BC7-B40E-FD04F67BFEE6}"/>
+            </c:ext>
+          </c:extLst>
+        </c:ser>
+        <c:ser>
+          <c:idx val="2"/>
+          <c:order val="2"/>
+          <c:tx>
+            <c:strRef>
+              <c:f>Sheet1!$D$1</c:f>
+              <c:strCache>
+                <c:ptCount val="1"/>
+                <c:pt idx="0">
+                  <c:v>ปอดบวม</c:v>
+                </c:pt>
+              </c:strCache>
+            </c:strRef>
+          </c:tx>
+          <c:spPr>
+            <a:ln w="31750" cap="rnd">
+              <a:solidFill>
+                <a:schemeClr val="accent3"/>
+              </a:solidFill>
+              <a:round/>
+            </a:ln>
+            <a:effectLst/>
+          </c:spPr>
+          <c:marker>
+            <c:symbol val="circle"/>
+            <c:size val="17"/>
+            <c:spPr>
+              <a:solidFill>
+                <a:schemeClr val="accent3"/>
+              </a:solidFill>
+              <a:ln>
+                <a:noFill/>
+              </a:ln>
+              <a:effectLst/>
+            </c:spPr>
+          </c:marker>
+          <c:dLbls>
+            <c:spPr>
+              <a:noFill/>
+              <a:ln>
+                <a:noFill/>
+              </a:ln>
+              <a:effectLst/>
+            </c:spPr>
+            <c:txPr>
+              <a:bodyPr rot="0" spcFirstLastPara="1" vertOverflow="ellipsis" vert="horz" wrap="square" lIns="38100" tIns="19050" rIns="38100" bIns="19050" anchor="ctr" anchorCtr="1">
+                <a:spAutoFit/>
+              </a:bodyPr>
+              <a:lstStyle/>
+              <a:p>
+                <a:pPr>
+                  <a:defRPr sz="1197" b="1" i="0" u="none" strike="noStrike" kern="1200" baseline="0">
+                    <a:solidFill>
+                      <a:schemeClr val="bg1"/>
+                    </a:solidFill>
+                    <a:latin typeface="Angsana New" panose="02020603050405020304" pitchFamily="18" charset="-34"/>
+                    <a:ea typeface="+mn-ea"/>
+                    <a:cs typeface="Angsana New" panose="02020603050405020304" pitchFamily="18" charset="-34"/>
+                  </a:defRPr>
+                </a:pPr>
+                <a:endParaRPr lang="en-US"/>
+              </a:p>
+            </c:txPr>
+            <c:dLblPos val="ctr"/>
+            <c:showLegendKey val="0"/>
+            <c:showVal val="1"/>
+            <c:showCatName val="0"/>
+            <c:showSerName val="0"/>
+            <c:showPercent val="0"/>
+            <c:showBubbleSize val="0"/>
+            <c:showLeaderLines val="0"/>
+            <c:extLst>
+              <c:ext xmlns:c15="http://schemas.microsoft.com/office/drawing/2012/chart" uri="{CE6537A1-D6FC-4f65-9D91-7224C49458BB}">
+                <c15:showLeaderLines val="1"/>
+                <c15:leaderLines>
+                  <c:spPr>
+                    <a:ln w="9525">
+                      <a:solidFill>
+                        <a:schemeClr val="dk1">
+                          <a:lumMod val="50000"/>
+                          <a:lumOff val="50000"/>
+                        </a:schemeClr>
+                      </a:solidFill>
+                    </a:ln>
+                    <a:effectLst/>
+                  </c:spPr>
+                </c15:leaderLines>
+              </c:ext>
+            </c:extLst>
+          </c:dLbls>
+          <c:cat>
+            <c:numRef>
+              <c:f>Sheet1!$A$2:$A$6</c:f>
+              <c:numCache>
+                <c:formatCode>General</c:formatCode>
+                <c:ptCount val="5"/>
+                <c:pt idx="0">
+                  <c:v>2557</c:v>
+                </c:pt>
+                <c:pt idx="1">
+                  <c:v>2558</c:v>
+                </c:pt>
+                <c:pt idx="2">
+                  <c:v>2559</c:v>
+                </c:pt>
+                <c:pt idx="3">
+                  <c:v>2560</c:v>
+                </c:pt>
+                <c:pt idx="4">
+                  <c:v>2561</c:v>
+                </c:pt>
+              </c:numCache>
+            </c:numRef>
+          </c:cat>
+          <c:val>
+            <c:numRef>
+              <c:f>Sheet1!$D$2:$D$6</c:f>
+              <c:numCache>
+                <c:formatCode>General</c:formatCode>
+                <c:ptCount val="5"/>
+                <c:pt idx="0">
+                  <c:v>32.369999999999997</c:v>
+                </c:pt>
+                <c:pt idx="1">
+                  <c:v>38.42</c:v>
+                </c:pt>
+                <c:pt idx="2">
+                  <c:v>51.16</c:v>
+                </c:pt>
+                <c:pt idx="3">
+                  <c:v>48.66</c:v>
+                </c:pt>
+                <c:pt idx="4">
+                  <c:v>62.2</c:v>
+                </c:pt>
+              </c:numCache>
+            </c:numRef>
+          </c:val>
+          <c:smooth val="0"/>
+          <c:extLst>
+            <c:ext xmlns:c16="http://schemas.microsoft.com/office/drawing/2014/chart" uri="{C3380CC4-5D6E-409C-BE32-E72D297353CC}">
+              <c16:uniqueId val="{00000002-31CA-4BC7-B40E-FD04F67BFEE6}"/>
+            </c:ext>
+          </c:extLst>
+        </c:ser>
+        <c:ser>
+          <c:idx val="3"/>
+          <c:order val="3"/>
+          <c:tx>
+            <c:strRef>
+              <c:f>Sheet1!$E$1</c:f>
+              <c:strCache>
+                <c:ptCount val="1"/>
+                <c:pt idx="0">
+                  <c:v>หลอดเลือดสมอง</c:v>
+                </c:pt>
+              </c:strCache>
+            </c:strRef>
+          </c:tx>
+          <c:spPr>
+            <a:ln w="31750" cap="rnd">
+              <a:solidFill>
+                <a:schemeClr val="accent4"/>
+              </a:solidFill>
+              <a:round/>
+            </a:ln>
+            <a:effectLst/>
+          </c:spPr>
+          <c:marker>
+            <c:symbol val="circle"/>
+            <c:size val="17"/>
+            <c:spPr>
+              <a:solidFill>
+                <a:schemeClr val="accent4"/>
+              </a:solidFill>
+              <a:ln>
+                <a:noFill/>
+              </a:ln>
+              <a:effectLst/>
+            </c:spPr>
+          </c:marker>
+          <c:dLbls>
+            <c:spPr>
+              <a:noFill/>
+              <a:ln>
+                <a:noFill/>
+              </a:ln>
+              <a:effectLst/>
+            </c:spPr>
+            <c:txPr>
+              <a:bodyPr rot="0" spcFirstLastPara="1" vertOverflow="ellipsis" vert="horz" wrap="square" lIns="38100" tIns="19050" rIns="38100" bIns="19050" anchor="ctr" anchorCtr="1">
+                <a:spAutoFit/>
+              </a:bodyPr>
+              <a:lstStyle/>
+              <a:p>
+                <a:pPr>
+                  <a:defRPr sz="1197" b="1" i="0" u="none" strike="noStrike" kern="1200" baseline="0">
+                    <a:solidFill>
+                      <a:schemeClr val="bg1"/>
+                    </a:solidFill>
+                    <a:latin typeface="Angsana New" panose="02020603050405020304" pitchFamily="18" charset="-34"/>
+                    <a:ea typeface="+mn-ea"/>
+                    <a:cs typeface="Angsana New" panose="02020603050405020304" pitchFamily="18" charset="-34"/>
+                  </a:defRPr>
+                </a:pPr>
+                <a:endParaRPr lang="en-US"/>
+              </a:p>
+            </c:txPr>
+            <c:dLblPos val="ctr"/>
+            <c:showLegendKey val="0"/>
+            <c:showVal val="1"/>
+            <c:showCatName val="0"/>
+            <c:showSerName val="0"/>
+            <c:showPercent val="0"/>
+            <c:showBubbleSize val="0"/>
+            <c:showLeaderLines val="0"/>
+            <c:extLst>
+              <c:ext xmlns:c15="http://schemas.microsoft.com/office/drawing/2012/chart" uri="{CE6537A1-D6FC-4f65-9D91-7224C49458BB}">
+                <c15:showLeaderLines val="1"/>
+                <c15:leaderLines>
+                  <c:spPr>
+                    <a:ln w="9525">
+                      <a:solidFill>
+                        <a:schemeClr val="dk1">
+                          <a:lumMod val="50000"/>
+                          <a:lumOff val="50000"/>
+                        </a:schemeClr>
+                      </a:solidFill>
+                    </a:ln>
+                    <a:effectLst/>
+                  </c:spPr>
+                </c15:leaderLines>
+              </c:ext>
+            </c:extLst>
+          </c:dLbls>
+          <c:cat>
+            <c:numRef>
+              <c:f>Sheet1!$A$2:$A$6</c:f>
+              <c:numCache>
+                <c:formatCode>General</c:formatCode>
+                <c:ptCount val="5"/>
+                <c:pt idx="0">
+                  <c:v>2557</c:v>
+                </c:pt>
+                <c:pt idx="1">
+                  <c:v>2558</c:v>
+                </c:pt>
+                <c:pt idx="2">
+                  <c:v>2559</c:v>
+                </c:pt>
+                <c:pt idx="3">
+                  <c:v>2560</c:v>
+                </c:pt>
+                <c:pt idx="4">
+                  <c:v>2561</c:v>
+                </c:pt>
+              </c:numCache>
+            </c:numRef>
+          </c:cat>
+          <c:val>
+            <c:numRef>
+              <c:f>Sheet1!$E$2:$E$6</c:f>
+              <c:numCache>
+                <c:formatCode>General</c:formatCode>
+                <c:ptCount val="5"/>
+                <c:pt idx="0">
+                  <c:v>37.22</c:v>
+                </c:pt>
+                <c:pt idx="1">
+                  <c:v>36.43</c:v>
+                </c:pt>
+                <c:pt idx="2">
+                  <c:v>42.46</c:v>
+                </c:pt>
+                <c:pt idx="3">
+                  <c:v>40.78</c:v>
+                </c:pt>
+                <c:pt idx="4">
+                  <c:v>43.75</c:v>
+                </c:pt>
+              </c:numCache>
+            </c:numRef>
+          </c:val>
+          <c:smooth val="0"/>
+          <c:extLst>
+            <c:ext xmlns:c16="http://schemas.microsoft.com/office/drawing/2014/chart" uri="{C3380CC4-5D6E-409C-BE32-E72D297353CC}">
+              <c16:uniqueId val="{00000003-31CA-4BC7-B40E-FD04F67BFEE6}"/>
+            </c:ext>
+          </c:extLst>
+        </c:ser>
+        <c:ser>
+          <c:idx val="4"/>
+          <c:order val="4"/>
+          <c:tx>
+            <c:strRef>
+              <c:f>Sheet1!$F$1</c:f>
+              <c:strCache>
+                <c:ptCount val="1"/>
+                <c:pt idx="0">
+                  <c:v>ระบบประสาท</c:v>
+                </c:pt>
+              </c:strCache>
+            </c:strRef>
+          </c:tx>
+          <c:spPr>
+            <a:ln w="31750" cap="rnd">
+              <a:solidFill>
+                <a:schemeClr val="accent5"/>
+              </a:solidFill>
+              <a:round/>
+            </a:ln>
+            <a:effectLst/>
+          </c:spPr>
+          <c:marker>
+            <c:symbol val="circle"/>
+            <c:size val="17"/>
+            <c:spPr>
+              <a:solidFill>
+                <a:schemeClr val="accent5"/>
+              </a:solidFill>
+              <a:ln>
+                <a:noFill/>
+              </a:ln>
+              <a:effectLst/>
+            </c:spPr>
+          </c:marker>
+          <c:dLbls>
+            <c:spPr>
+              <a:noFill/>
+              <a:ln>
+                <a:noFill/>
+              </a:ln>
+              <a:effectLst/>
+            </c:spPr>
+            <c:txPr>
+              <a:bodyPr rot="0" spcFirstLastPara="1" vertOverflow="ellipsis" vert="horz" wrap="square" lIns="38100" tIns="19050" rIns="38100" bIns="19050" anchor="ctr" anchorCtr="1">
+                <a:spAutoFit/>
+              </a:bodyPr>
+              <a:lstStyle/>
+              <a:p>
+                <a:pPr>
+                  <a:defRPr sz="1197" b="1" i="0" u="none" strike="noStrike" kern="1200" baseline="0">
+                    <a:solidFill>
+                      <a:schemeClr val="bg1"/>
+                    </a:solidFill>
+                    <a:latin typeface="Angsana New" panose="02020603050405020304" pitchFamily="18" charset="-34"/>
+                    <a:ea typeface="+mn-ea"/>
+                    <a:cs typeface="Angsana New" panose="02020603050405020304" pitchFamily="18" charset="-34"/>
+                  </a:defRPr>
+                </a:pPr>
+                <a:endParaRPr lang="en-US"/>
+              </a:p>
+            </c:txPr>
+            <c:dLblPos val="ctr"/>
+            <c:showLegendKey val="0"/>
+            <c:showVal val="1"/>
+            <c:showCatName val="0"/>
+            <c:showSerName val="0"/>
+            <c:showPercent val="0"/>
+            <c:showBubbleSize val="0"/>
+            <c:showLeaderLines val="0"/>
+            <c:extLst>
+              <c:ext xmlns:c15="http://schemas.microsoft.com/office/drawing/2012/chart" uri="{CE6537A1-D6FC-4f65-9D91-7224C49458BB}">
+                <c15:showLeaderLines val="1"/>
+                <c15:leaderLines>
+                  <c:spPr>
+                    <a:ln w="9525">
+                      <a:solidFill>
+                        <a:schemeClr val="dk1">
+                          <a:lumMod val="50000"/>
+                          <a:lumOff val="50000"/>
+                        </a:schemeClr>
+                      </a:solidFill>
+                    </a:ln>
+                    <a:effectLst/>
+                  </c:spPr>
+                </c15:leaderLines>
+              </c:ext>
+            </c:extLst>
+          </c:dLbls>
+          <c:cat>
+            <c:numRef>
+              <c:f>Sheet1!$A$2:$A$6</c:f>
+              <c:numCache>
+                <c:formatCode>General</c:formatCode>
+                <c:ptCount val="5"/>
+                <c:pt idx="0">
+                  <c:v>2557</c:v>
+                </c:pt>
+                <c:pt idx="1">
+                  <c:v>2558</c:v>
+                </c:pt>
+                <c:pt idx="2">
+                  <c:v>2559</c:v>
+                </c:pt>
+                <c:pt idx="3">
+                  <c:v>2560</c:v>
+                </c:pt>
+                <c:pt idx="4">
+                  <c:v>2561</c:v>
+                </c:pt>
+              </c:numCache>
+            </c:numRef>
+          </c:cat>
+          <c:val>
+            <c:numRef>
+              <c:f>Sheet1!$F$2:$F$6</c:f>
+              <c:numCache>
+                <c:formatCode>General</c:formatCode>
+                <c:ptCount val="5"/>
+                <c:pt idx="0">
+                  <c:v>49.88</c:v>
+                </c:pt>
+                <c:pt idx="1">
+                  <c:v>19.11</c:v>
+                </c:pt>
+                <c:pt idx="2">
+                  <c:v>18.170000000000002</c:v>
+                </c:pt>
+                <c:pt idx="3">
+                  <c:v>26.2</c:v>
+                </c:pt>
+                <c:pt idx="4">
+                  <c:v>58.27</c:v>
+                </c:pt>
+              </c:numCache>
+            </c:numRef>
+          </c:val>
+          <c:smooth val="0"/>
+          <c:extLst>
+            <c:ext xmlns:c16="http://schemas.microsoft.com/office/drawing/2014/chart" uri="{C3380CC4-5D6E-409C-BE32-E72D297353CC}">
+              <c16:uniqueId val="{00000004-31CA-4BC7-B40E-FD04F67BFEE6}"/>
+            </c:ext>
+          </c:extLst>
+        </c:ser>
+        <c:ser>
+          <c:idx val="5"/>
+          <c:order val="5"/>
+          <c:tx>
+            <c:strRef>
+              <c:f>Sheet1!$G$1</c:f>
+              <c:strCache>
+                <c:ptCount val="1"/>
+                <c:pt idx="0">
+                  <c:v>อุบัติเหตุ</c:v>
+                </c:pt>
+              </c:strCache>
+            </c:strRef>
+          </c:tx>
+          <c:spPr>
+            <a:ln w="31750" cap="rnd">
+              <a:solidFill>
+                <a:schemeClr val="accent6"/>
+              </a:solidFill>
+              <a:round/>
+            </a:ln>
+            <a:effectLst/>
+          </c:spPr>
+          <c:marker>
+            <c:symbol val="circle"/>
+            <c:size val="17"/>
+            <c:spPr>
+              <a:solidFill>
+                <a:schemeClr val="accent6"/>
+              </a:solidFill>
+              <a:ln>
+                <a:noFill/>
+              </a:ln>
+              <a:effectLst/>
+            </c:spPr>
+          </c:marker>
+          <c:dLbls>
+            <c:spPr>
+              <a:noFill/>
+              <a:ln>
+                <a:noFill/>
+              </a:ln>
+              <a:effectLst/>
+            </c:spPr>
+            <c:txPr>
+              <a:bodyPr rot="0" spcFirstLastPara="1" vertOverflow="ellipsis" vert="horz" wrap="square" lIns="38100" tIns="19050" rIns="38100" bIns="19050" anchor="ctr" anchorCtr="1">
+                <a:spAutoFit/>
+              </a:bodyPr>
+              <a:lstStyle/>
+              <a:p>
+                <a:pPr>
+                  <a:defRPr sz="1197" b="1" i="0" u="none" strike="noStrike" kern="1200" baseline="0">
+                    <a:solidFill>
+                      <a:schemeClr val="bg1"/>
+                    </a:solidFill>
+                    <a:latin typeface="Angsana New" panose="02020603050405020304" pitchFamily="18" charset="-34"/>
+                    <a:ea typeface="+mn-ea"/>
+                    <a:cs typeface="Angsana New" panose="02020603050405020304" pitchFamily="18" charset="-34"/>
+                  </a:defRPr>
+                </a:pPr>
+                <a:endParaRPr lang="en-US"/>
+              </a:p>
+            </c:txPr>
+            <c:dLblPos val="ctr"/>
+            <c:showLegendKey val="0"/>
+            <c:showVal val="1"/>
+            <c:showCatName val="0"/>
+            <c:showSerName val="0"/>
+            <c:showPercent val="0"/>
+            <c:showBubbleSize val="0"/>
+            <c:showLeaderLines val="0"/>
+            <c:extLst>
+              <c:ext xmlns:c15="http://schemas.microsoft.com/office/drawing/2012/chart" uri="{CE6537A1-D6FC-4f65-9D91-7224C49458BB}">
+                <c15:showLeaderLines val="1"/>
+                <c15:leaderLines>
+                  <c:spPr>
+                    <a:ln w="9525">
+                      <a:solidFill>
+                        <a:schemeClr val="dk1">
+                          <a:lumMod val="50000"/>
+                          <a:lumOff val="50000"/>
+                        </a:schemeClr>
+                      </a:solidFill>
+                    </a:ln>
+                    <a:effectLst/>
+                  </c:spPr>
+                </c15:leaderLines>
+              </c:ext>
+            </c:extLst>
+          </c:dLbls>
+          <c:cat>
+            <c:numRef>
+              <c:f>Sheet1!$A$2:$A$6</c:f>
+              <c:numCache>
+                <c:formatCode>General</c:formatCode>
+                <c:ptCount val="5"/>
+                <c:pt idx="0">
+                  <c:v>2557</c:v>
+                </c:pt>
+                <c:pt idx="1">
+                  <c:v>2558</c:v>
+                </c:pt>
+                <c:pt idx="2">
+                  <c:v>2559</c:v>
+                </c:pt>
+                <c:pt idx="3">
+                  <c:v>2560</c:v>
+                </c:pt>
+                <c:pt idx="4">
+                  <c:v>2561</c:v>
+                </c:pt>
+              </c:numCache>
+            </c:numRef>
+          </c:cat>
+          <c:val>
+            <c:numRef>
+              <c:f>Sheet1!$G$2:$G$6</c:f>
+              <c:numCache>
+                <c:formatCode>General</c:formatCode>
+                <c:ptCount val="5"/>
+                <c:pt idx="0">
+                  <c:v>31.46</c:v>
+                </c:pt>
+                <c:pt idx="1">
+                  <c:v>25.68</c:v>
+                </c:pt>
+                <c:pt idx="2">
+                  <c:v>26.07</c:v>
+                </c:pt>
+                <c:pt idx="3">
+                  <c:v>22.85</c:v>
+                </c:pt>
+                <c:pt idx="4">
+                  <c:v>23.54</c:v>
+                </c:pt>
+              </c:numCache>
+            </c:numRef>
+          </c:val>
+          <c:smooth val="0"/>
+          <c:extLst>
+            <c:ext xmlns:c16="http://schemas.microsoft.com/office/drawing/2014/chart" uri="{C3380CC4-5D6E-409C-BE32-E72D297353CC}">
+              <c16:uniqueId val="{00000005-31CA-4BC7-B40E-FD04F67BFEE6}"/>
+            </c:ext>
+          </c:extLst>
+        </c:ser>
+        <c:ser>
+          <c:idx val="6"/>
+          <c:order val="6"/>
+          <c:tx>
+            <c:strRef>
+              <c:f>Sheet1!$H$1</c:f>
+              <c:strCache>
+                <c:ptCount val="1"/>
+                <c:pt idx="0">
+                  <c:v>ระบบสืบพันธุ์</c:v>
+                </c:pt>
+              </c:strCache>
+            </c:strRef>
+          </c:tx>
+          <c:spPr>
+            <a:ln w="31750" cap="rnd">
+              <a:solidFill>
+                <a:schemeClr val="accent1">
+                  <a:lumMod val="60000"/>
+                </a:schemeClr>
+              </a:solidFill>
+              <a:round/>
+            </a:ln>
+            <a:effectLst/>
+          </c:spPr>
+          <c:marker>
+            <c:symbol val="circle"/>
+            <c:size val="17"/>
+            <c:spPr>
+              <a:solidFill>
+                <a:schemeClr val="accent1">
+                  <a:lumMod val="60000"/>
+                </a:schemeClr>
+              </a:solidFill>
+              <a:ln>
+                <a:noFill/>
+              </a:ln>
+              <a:effectLst/>
+            </c:spPr>
+          </c:marker>
+          <c:dLbls>
+            <c:spPr>
+              <a:noFill/>
+              <a:ln>
+                <a:noFill/>
+              </a:ln>
+              <a:effectLst/>
+            </c:spPr>
+            <c:txPr>
+              <a:bodyPr rot="0" spcFirstLastPara="1" vertOverflow="ellipsis" vert="horz" wrap="square" lIns="38100" tIns="19050" rIns="38100" bIns="19050" anchor="ctr" anchorCtr="1">
+                <a:spAutoFit/>
+              </a:bodyPr>
+              <a:lstStyle/>
+              <a:p>
+                <a:pPr>
+                  <a:defRPr sz="1197" b="1" i="0" u="none" strike="noStrike" kern="1200" baseline="0">
+                    <a:solidFill>
+                      <a:schemeClr val="bg1"/>
+                    </a:solidFill>
+                    <a:latin typeface="Angsana New" panose="02020603050405020304" pitchFamily="18" charset="-34"/>
+                    <a:ea typeface="+mn-ea"/>
+                    <a:cs typeface="Angsana New" panose="02020603050405020304" pitchFamily="18" charset="-34"/>
+                  </a:defRPr>
+                </a:pPr>
+                <a:endParaRPr lang="en-US"/>
+              </a:p>
+            </c:txPr>
+            <c:dLblPos val="ctr"/>
+            <c:showLegendKey val="0"/>
+            <c:showVal val="1"/>
+            <c:showCatName val="0"/>
+            <c:showSerName val="0"/>
+            <c:showPercent val="0"/>
+            <c:showBubbleSize val="0"/>
+            <c:showLeaderLines val="0"/>
+            <c:extLst>
+              <c:ext xmlns:c15="http://schemas.microsoft.com/office/drawing/2012/chart" uri="{CE6537A1-D6FC-4f65-9D91-7224C49458BB}">
+                <c15:showLeaderLines val="1"/>
+                <c15:leaderLines>
+                  <c:spPr>
+                    <a:ln w="9525">
+                      <a:solidFill>
+                        <a:schemeClr val="dk1">
+                          <a:lumMod val="50000"/>
+                          <a:lumOff val="50000"/>
+                        </a:schemeClr>
+                      </a:solidFill>
+                    </a:ln>
+                    <a:effectLst/>
+                  </c:spPr>
+                </c15:leaderLines>
+              </c:ext>
+            </c:extLst>
+          </c:dLbls>
+          <c:cat>
+            <c:numRef>
+              <c:f>Sheet1!$A$2:$A$6</c:f>
+              <c:numCache>
+                <c:formatCode>General</c:formatCode>
+                <c:ptCount val="5"/>
+                <c:pt idx="0">
+                  <c:v>2557</c:v>
+                </c:pt>
+                <c:pt idx="1">
+                  <c:v>2558</c:v>
+                </c:pt>
+                <c:pt idx="2">
+                  <c:v>2559</c:v>
+                </c:pt>
+                <c:pt idx="3">
+                  <c:v>2560</c:v>
+                </c:pt>
+                <c:pt idx="4">
+                  <c:v>2561</c:v>
+                </c:pt>
+              </c:numCache>
+            </c:numRef>
+          </c:cat>
+          <c:val>
+            <c:numRef>
+              <c:f>Sheet1!$H$2:$H$6</c:f>
+              <c:numCache>
+                <c:formatCode>General</c:formatCode>
+                <c:ptCount val="5"/>
+                <c:pt idx="0">
+                  <c:v>14.39</c:v>
+                </c:pt>
+                <c:pt idx="1">
+                  <c:v>15.52</c:v>
+                </c:pt>
+                <c:pt idx="2">
+                  <c:v>15.21</c:v>
+                </c:pt>
+                <c:pt idx="3">
+                  <c:v>13</c:v>
+                </c:pt>
+                <c:pt idx="4">
+                  <c:v>13.54</c:v>
+                </c:pt>
+              </c:numCache>
+            </c:numRef>
+          </c:val>
+          <c:smooth val="0"/>
+          <c:extLst>
+            <c:ext xmlns:c16="http://schemas.microsoft.com/office/drawing/2014/chart" uri="{C3380CC4-5D6E-409C-BE32-E72D297353CC}">
+              <c16:uniqueId val="{00000006-31CA-4BC7-B40E-FD04F67BFEE6}"/>
+            </c:ext>
+          </c:extLst>
+        </c:ser>
+        <c:ser>
+          <c:idx val="7"/>
+          <c:order val="7"/>
+          <c:tx>
+            <c:strRef>
+              <c:f>Sheet1!$I$1</c:f>
+              <c:strCache>
+                <c:ptCount val="1"/>
+                <c:pt idx="0">
+                  <c:v>ระบบย่อยอาหาร</c:v>
+                </c:pt>
+              </c:strCache>
+            </c:strRef>
+          </c:tx>
+          <c:spPr>
+            <a:ln w="31750" cap="rnd">
+              <a:solidFill>
+                <a:schemeClr val="accent2">
+                  <a:lumMod val="60000"/>
+                </a:schemeClr>
+              </a:solidFill>
+              <a:round/>
+            </a:ln>
+            <a:effectLst/>
+          </c:spPr>
+          <c:marker>
+            <c:symbol val="circle"/>
+            <c:size val="17"/>
+            <c:spPr>
+              <a:solidFill>
+                <a:schemeClr val="accent2">
+                  <a:lumMod val="60000"/>
+                </a:schemeClr>
+              </a:solidFill>
+              <a:ln>
+                <a:noFill/>
+              </a:ln>
+              <a:effectLst/>
+            </c:spPr>
+          </c:marker>
+          <c:dLbls>
+            <c:spPr>
+              <a:noFill/>
+              <a:ln>
+                <a:noFill/>
+              </a:ln>
+              <a:effectLst/>
+            </c:spPr>
+            <c:txPr>
+              <a:bodyPr rot="0" spcFirstLastPara="1" vertOverflow="ellipsis" vert="horz" wrap="square" lIns="38100" tIns="19050" rIns="38100" bIns="19050" anchor="ctr" anchorCtr="1">
+                <a:spAutoFit/>
+              </a:bodyPr>
+              <a:lstStyle/>
+              <a:p>
+                <a:pPr>
+                  <a:defRPr sz="1197" b="1" i="0" u="none" strike="noStrike" kern="1200" baseline="0">
+                    <a:solidFill>
+                      <a:schemeClr val="bg1"/>
+                    </a:solidFill>
+                    <a:latin typeface="Angsana New" panose="02020603050405020304" pitchFamily="18" charset="-34"/>
+                    <a:ea typeface="+mn-ea"/>
+                    <a:cs typeface="Angsana New" panose="02020603050405020304" pitchFamily="18" charset="-34"/>
+                  </a:defRPr>
+                </a:pPr>
+                <a:endParaRPr lang="en-US"/>
+              </a:p>
+            </c:txPr>
+            <c:dLblPos val="ctr"/>
+            <c:showLegendKey val="0"/>
+            <c:showVal val="1"/>
+            <c:showCatName val="0"/>
+            <c:showSerName val="0"/>
+            <c:showPercent val="0"/>
+            <c:showBubbleSize val="0"/>
+            <c:showLeaderLines val="0"/>
+            <c:extLst>
+              <c:ext xmlns:c15="http://schemas.microsoft.com/office/drawing/2012/chart" uri="{CE6537A1-D6FC-4f65-9D91-7224C49458BB}">
+                <c15:showLeaderLines val="1"/>
+                <c15:leaderLines>
+                  <c:spPr>
+                    <a:ln w="9525">
+                      <a:solidFill>
+                        <a:schemeClr val="dk1">
+                          <a:lumMod val="50000"/>
+                          <a:lumOff val="50000"/>
+                        </a:schemeClr>
+                      </a:solidFill>
+                    </a:ln>
+                    <a:effectLst/>
+                  </c:spPr>
+                </c15:leaderLines>
+              </c:ext>
+            </c:extLst>
+          </c:dLbls>
+          <c:cat>
+            <c:numRef>
+              <c:f>Sheet1!$A$2:$A$6</c:f>
+              <c:numCache>
+                <c:formatCode>General</c:formatCode>
+                <c:ptCount val="5"/>
+                <c:pt idx="0">
+                  <c:v>2557</c:v>
+                </c:pt>
+                <c:pt idx="1">
+                  <c:v>2558</c:v>
+                </c:pt>
+                <c:pt idx="2">
+                  <c:v>2559</c:v>
+                </c:pt>
+                <c:pt idx="3">
+                  <c:v>2560</c:v>
+                </c:pt>
+                <c:pt idx="4">
+                  <c:v>2561</c:v>
+                </c:pt>
+              </c:numCache>
+            </c:numRef>
+          </c:cat>
+          <c:val>
+            <c:numRef>
+              <c:f>Sheet1!$I$2:$I$6</c:f>
+              <c:numCache>
+                <c:formatCode>General</c:formatCode>
+                <c:ptCount val="5"/>
+                <c:pt idx="0">
+                  <c:v>18.61</c:v>
+                </c:pt>
+                <c:pt idx="1">
+                  <c:v>16.52</c:v>
+                </c:pt>
+                <c:pt idx="2">
+                  <c:v>16.39</c:v>
+                </c:pt>
+                <c:pt idx="3">
+                  <c:v>12.21</c:v>
+                </c:pt>
+                <c:pt idx="4">
+                  <c:v>17.07</c:v>
+                </c:pt>
+              </c:numCache>
+            </c:numRef>
+          </c:val>
+          <c:smooth val="0"/>
+          <c:extLst>
+            <c:ext xmlns:c16="http://schemas.microsoft.com/office/drawing/2014/chart" uri="{C3380CC4-5D6E-409C-BE32-E72D297353CC}">
+              <c16:uniqueId val="{00000007-31CA-4BC7-B40E-FD04F67BFEE6}"/>
+            </c:ext>
+          </c:extLst>
+        </c:ser>
+        <c:ser>
+          <c:idx val="8"/>
+          <c:order val="8"/>
+          <c:tx>
+            <c:strRef>
+              <c:f>Sheet1!$J$1</c:f>
+              <c:strCache>
+                <c:ptCount val="1"/>
+                <c:pt idx="0">
+                  <c:v>หัวใจ</c:v>
+                </c:pt>
+              </c:strCache>
+            </c:strRef>
+          </c:tx>
+          <c:spPr>
+            <a:ln w="31750" cap="rnd">
+              <a:solidFill>
+                <a:schemeClr val="accent3">
+                  <a:lumMod val="60000"/>
+                </a:schemeClr>
+              </a:solidFill>
+              <a:round/>
+            </a:ln>
+            <a:effectLst/>
+          </c:spPr>
+          <c:marker>
+            <c:symbol val="circle"/>
+            <c:size val="17"/>
+            <c:spPr>
+              <a:solidFill>
+                <a:schemeClr val="accent3">
+                  <a:lumMod val="60000"/>
+                </a:schemeClr>
+              </a:solidFill>
+              <a:ln>
+                <a:noFill/>
+              </a:ln>
+              <a:effectLst/>
+            </c:spPr>
+          </c:marker>
+          <c:dLbls>
+            <c:spPr>
+              <a:noFill/>
+              <a:ln>
+                <a:noFill/>
+              </a:ln>
+              <a:effectLst/>
+            </c:spPr>
+            <c:txPr>
+              <a:bodyPr rot="0" spcFirstLastPara="1" vertOverflow="ellipsis" vert="horz" wrap="square" lIns="38100" tIns="19050" rIns="38100" bIns="19050" anchor="ctr" anchorCtr="1">
+                <a:spAutoFit/>
+              </a:bodyPr>
+              <a:lstStyle/>
+              <a:p>
+                <a:pPr>
+                  <a:defRPr sz="1197" b="1" i="0" u="none" strike="noStrike" kern="1200" baseline="0">
+                    <a:solidFill>
+                      <a:schemeClr val="bg1"/>
+                    </a:solidFill>
+                    <a:latin typeface="Angsana New" panose="02020603050405020304" pitchFamily="18" charset="-34"/>
+                    <a:ea typeface="+mn-ea"/>
+                    <a:cs typeface="Angsana New" panose="02020603050405020304" pitchFamily="18" charset="-34"/>
+                  </a:defRPr>
+                </a:pPr>
+                <a:endParaRPr lang="en-US"/>
+              </a:p>
+            </c:txPr>
+            <c:dLblPos val="ctr"/>
+            <c:showLegendKey val="0"/>
+            <c:showVal val="1"/>
+            <c:showCatName val="0"/>
+            <c:showSerName val="0"/>
+            <c:showPercent val="0"/>
+            <c:showBubbleSize val="0"/>
+            <c:showLeaderLines val="0"/>
+            <c:extLst>
+              <c:ext xmlns:c15="http://schemas.microsoft.com/office/drawing/2012/chart" uri="{CE6537A1-D6FC-4f65-9D91-7224C49458BB}">
+                <c15:showLeaderLines val="1"/>
+                <c15:leaderLines>
+                  <c:spPr>
+                    <a:ln w="9525">
+                      <a:solidFill>
+                        <a:schemeClr val="dk1">
+                          <a:lumMod val="50000"/>
+                          <a:lumOff val="50000"/>
+                        </a:schemeClr>
+                      </a:solidFill>
+                    </a:ln>
+                    <a:effectLst/>
+                  </c:spPr>
+                </c15:leaderLines>
+              </c:ext>
+            </c:extLst>
+          </c:dLbls>
+          <c:cat>
+            <c:numRef>
+              <c:f>Sheet1!$A$2:$A$6</c:f>
+              <c:numCache>
+                <c:formatCode>General</c:formatCode>
+                <c:ptCount val="5"/>
+                <c:pt idx="0">
+                  <c:v>2557</c:v>
+                </c:pt>
+                <c:pt idx="1">
+                  <c:v>2558</c:v>
+                </c:pt>
+                <c:pt idx="2">
+                  <c:v>2559</c:v>
+                </c:pt>
+                <c:pt idx="3">
+                  <c:v>2560</c:v>
+                </c:pt>
+                <c:pt idx="4">
+                  <c:v>2561</c:v>
+                </c:pt>
+              </c:numCache>
+            </c:numRef>
+          </c:cat>
+          <c:val>
+            <c:numRef>
+              <c:f>Sheet1!$J$2:$J$6</c:f>
+              <c:numCache>
+                <c:formatCode>General</c:formatCode>
+                <c:ptCount val="5"/>
+                <c:pt idx="0">
+                  <c:v>29.31</c:v>
+                </c:pt>
+                <c:pt idx="1">
+                  <c:v>30.66</c:v>
+                </c:pt>
+                <c:pt idx="2">
+                  <c:v>33.18</c:v>
+                </c:pt>
+                <c:pt idx="3">
+                  <c:v>12.02</c:v>
+                </c:pt>
+                <c:pt idx="4">
+                  <c:v>34.53</c:v>
+                </c:pt>
+              </c:numCache>
+            </c:numRef>
+          </c:val>
+          <c:smooth val="0"/>
+          <c:extLst>
+            <c:ext xmlns:c16="http://schemas.microsoft.com/office/drawing/2014/chart" uri="{C3380CC4-5D6E-409C-BE32-E72D297353CC}">
+              <c16:uniqueId val="{00000008-31CA-4BC7-B40E-FD04F67BFEE6}"/>
+            </c:ext>
+          </c:extLst>
+        </c:ser>
+        <c:ser>
+          <c:idx val="9"/>
+          <c:order val="9"/>
+          <c:tx>
+            <c:strRef>
+              <c:f>Sheet1!$K$1</c:f>
+              <c:strCache>
+                <c:ptCount val="1"/>
+                <c:pt idx="0">
+                  <c:v>ทางเดินหายใจเรื้อรัง</c:v>
+                </c:pt>
+              </c:strCache>
+            </c:strRef>
+          </c:tx>
+          <c:spPr>
+            <a:ln w="31750" cap="rnd">
+              <a:solidFill>
+                <a:schemeClr val="accent4">
+                  <a:lumMod val="60000"/>
+                </a:schemeClr>
+              </a:solidFill>
+              <a:round/>
+            </a:ln>
+            <a:effectLst/>
+          </c:spPr>
+          <c:marker>
+            <c:symbol val="circle"/>
+            <c:size val="17"/>
+            <c:spPr>
+              <a:solidFill>
+                <a:schemeClr val="accent4">
+                  <a:lumMod val="60000"/>
+                </a:schemeClr>
+              </a:solidFill>
+              <a:ln>
+                <a:noFill/>
+              </a:ln>
+              <a:effectLst/>
+            </c:spPr>
+          </c:marker>
+          <c:dLbls>
+            <c:spPr>
+              <a:noFill/>
+              <a:ln>
+                <a:noFill/>
+              </a:ln>
+              <a:effectLst/>
+            </c:spPr>
+            <c:txPr>
+              <a:bodyPr rot="0" spcFirstLastPara="1" vertOverflow="ellipsis" vert="horz" wrap="square" lIns="38100" tIns="19050" rIns="38100" bIns="19050" anchor="ctr" anchorCtr="1">
+                <a:spAutoFit/>
+              </a:bodyPr>
+              <a:lstStyle/>
+              <a:p>
+                <a:pPr>
+                  <a:defRPr sz="1197" b="1" i="0" u="none" strike="noStrike" kern="1200" baseline="0">
+                    <a:solidFill>
+                      <a:schemeClr val="bg1"/>
+                    </a:solidFill>
+                    <a:latin typeface="Angsana New" panose="02020603050405020304" pitchFamily="18" charset="-34"/>
+                    <a:ea typeface="+mn-ea"/>
+                    <a:cs typeface="Angsana New" panose="02020603050405020304" pitchFamily="18" charset="-34"/>
+                  </a:defRPr>
+                </a:pPr>
+                <a:endParaRPr lang="en-US"/>
+              </a:p>
+            </c:txPr>
+            <c:dLblPos val="ctr"/>
+            <c:showLegendKey val="0"/>
+            <c:showVal val="1"/>
+            <c:showCatName val="0"/>
+            <c:showSerName val="0"/>
+            <c:showPercent val="0"/>
+            <c:showBubbleSize val="0"/>
+            <c:showLeaderLines val="0"/>
+            <c:extLst>
+              <c:ext xmlns:c15="http://schemas.microsoft.com/office/drawing/2012/chart" uri="{CE6537A1-D6FC-4f65-9D91-7224C49458BB}">
+                <c15:showLeaderLines val="1"/>
+                <c15:leaderLines>
+                  <c:spPr>
+                    <a:ln w="9525">
+                      <a:solidFill>
+                        <a:schemeClr val="dk1">
+                          <a:lumMod val="50000"/>
+                          <a:lumOff val="50000"/>
+                        </a:schemeClr>
+                      </a:solidFill>
+                    </a:ln>
+                    <a:effectLst/>
+                  </c:spPr>
+                </c15:leaderLines>
+              </c:ext>
+            </c:extLst>
+          </c:dLbls>
+          <c:cat>
+            <c:numRef>
+              <c:f>Sheet1!$A$2:$A$6</c:f>
+              <c:numCache>
+                <c:formatCode>General</c:formatCode>
+                <c:ptCount val="5"/>
+                <c:pt idx="0">
+                  <c:v>2557</c:v>
+                </c:pt>
+                <c:pt idx="1">
+                  <c:v>2558</c:v>
+                </c:pt>
+                <c:pt idx="2">
+                  <c:v>2559</c:v>
+                </c:pt>
+                <c:pt idx="3">
+                  <c:v>2560</c:v>
+                </c:pt>
+                <c:pt idx="4">
+                  <c:v>2561</c:v>
+                </c:pt>
+              </c:numCache>
+            </c:numRef>
+          </c:cat>
+          <c:val>
+            <c:numRef>
+              <c:f>Sheet1!$K$2:$K$6</c:f>
+              <c:numCache>
+                <c:formatCode>General</c:formatCode>
+                <c:ptCount val="5"/>
+                <c:pt idx="0">
+                  <c:v>16.09</c:v>
+                </c:pt>
+                <c:pt idx="1">
+                  <c:v>12.34</c:v>
+                </c:pt>
+                <c:pt idx="2">
+                  <c:v>12.44</c:v>
+                </c:pt>
+                <c:pt idx="3">
+                  <c:v>10.24</c:v>
+                </c:pt>
+                <c:pt idx="4">
+                  <c:v>14.32</c:v>
+                </c:pt>
+              </c:numCache>
+            </c:numRef>
+          </c:val>
+          <c:smooth val="0"/>
+          <c:extLst>
+            <c:ext xmlns:c16="http://schemas.microsoft.com/office/drawing/2014/chart" uri="{C3380CC4-5D6E-409C-BE32-E72D297353CC}">
+              <c16:uniqueId val="{00000009-31CA-4BC7-B40E-FD04F67BFEE6}"/>
+            </c:ext>
+          </c:extLst>
+        </c:ser>
+        <c:dLbls>
+          <c:dLblPos val="ctr"/>
+          <c:showLegendKey val="0"/>
+          <c:showVal val="1"/>
+          <c:showCatName val="0"/>
+          <c:showSerName val="0"/>
+          <c:showPercent val="0"/>
+          <c:showBubbleSize val="0"/>
+        </c:dLbls>
+        <c:marker val="1"/>
+        <c:smooth val="0"/>
+        <c:axId val="713950016"/>
+        <c:axId val="713960184"/>
+      </c:lineChart>
+      <c:catAx>
+        <c:axId val="713950016"/>
+        <c:scaling>
+          <c:orientation val="minMax"/>
+        </c:scaling>
+        <c:delete val="0"/>
+        <c:axPos val="b"/>
+        <c:numFmt formatCode="General" sourceLinked="1"/>
+        <c:majorTickMark val="none"/>
+        <c:minorTickMark val="none"/>
+        <c:tickLblPos val="nextTo"/>
+        <c:spPr>
+          <a:noFill/>
+          <a:ln w="19050" cap="flat" cmpd="sng" algn="ctr">
+            <a:solidFill>
+              <a:schemeClr val="dk1">
+                <a:lumMod val="75000"/>
+                <a:lumOff val="25000"/>
+              </a:schemeClr>
+            </a:solidFill>
+            <a:round/>
+          </a:ln>
+          <a:effectLst/>
+        </c:spPr>
+        <c:txPr>
+          <a:bodyPr rot="-60000000" spcFirstLastPara="1" vertOverflow="ellipsis" vert="horz" wrap="square" anchor="ctr" anchorCtr="1"/>
+          <a:lstStyle/>
+          <a:p>
+            <a:pPr>
+              <a:defRPr sz="1197" b="0" i="0" u="none" strike="noStrike" kern="1200" cap="all" baseline="0">
+                <a:solidFill>
+                  <a:schemeClr val="dk1">
+                    <a:lumMod val="75000"/>
+                    <a:lumOff val="25000"/>
+                  </a:schemeClr>
+                </a:solidFill>
+                <a:latin typeface="+mn-lt"/>
+                <a:ea typeface="+mn-ea"/>
+                <a:cs typeface="+mn-cs"/>
+              </a:defRPr>
+            </a:pPr>
+            <a:endParaRPr lang="en-US"/>
+          </a:p>
+        </c:txPr>
+        <c:crossAx val="713960184"/>
+        <c:crosses val="autoZero"/>
+        <c:auto val="1"/>
+        <c:lblAlgn val="ctr"/>
+        <c:lblOffset val="100"/>
+        <c:noMultiLvlLbl val="0"/>
+      </c:catAx>
+      <c:valAx>
+        <c:axId val="713960184"/>
+        <c:scaling>
+          <c:orientation val="minMax"/>
+        </c:scaling>
+        <c:delete val="1"/>
+        <c:axPos val="l"/>
+        <c:majorGridlines>
+          <c:spPr>
+            <a:ln w="9525" cap="flat" cmpd="sng" algn="ctr">
+              <a:gradFill>
+                <a:gsLst>
+                  <a:gs pos="100000">
+                    <a:schemeClr val="dk1">
+                      <a:lumMod val="95000"/>
+                      <a:lumOff val="5000"/>
+                      <a:alpha val="42000"/>
+                    </a:schemeClr>
+                  </a:gs>
+                  <a:gs pos="0">
+                    <a:schemeClr val="lt1">
+                      <a:lumMod val="75000"/>
+                      <a:alpha val="36000"/>
+                    </a:schemeClr>
+                  </a:gs>
+                </a:gsLst>
+                <a:lin ang="5400000" scaled="0"/>
+              </a:gradFill>
+              <a:round/>
+            </a:ln>
+            <a:effectLst/>
+          </c:spPr>
+        </c:majorGridlines>
+        <c:numFmt formatCode="General" sourceLinked="1"/>
+        <c:majorTickMark val="none"/>
+        <c:minorTickMark val="none"/>
+        <c:tickLblPos val="nextTo"/>
+        <c:crossAx val="713950016"/>
+        <c:crosses val="autoZero"/>
+        <c:crossBetween val="between"/>
+      </c:valAx>
+      <c:spPr>
+        <a:noFill/>
+        <a:ln>
+          <a:noFill/>
+        </a:ln>
+        <a:effectLst/>
+      </c:spPr>
+    </c:plotArea>
+    <c:legend>
+      <c:legendPos val="b"/>
+      <c:overlay val="0"/>
+      <c:spPr>
+        <a:solidFill>
+          <a:schemeClr val="lt1">
+            <a:lumMod val="95000"/>
+            <a:alpha val="39000"/>
+          </a:schemeClr>
+        </a:solidFill>
+        <a:ln>
+          <a:noFill/>
+        </a:ln>
+        <a:effectLst/>
+      </c:spPr>
+      <c:txPr>
+        <a:bodyPr rot="0" spcFirstLastPara="1" vertOverflow="ellipsis" vert="horz" wrap="square" anchor="ctr" anchorCtr="1"/>
+        <a:lstStyle/>
+        <a:p>
+          <a:pPr>
+            <a:defRPr sz="1197" b="0" i="0" u="none" strike="noStrike" kern="1200" baseline="0">
+              <a:solidFill>
+                <a:schemeClr val="dk1">
+                  <a:lumMod val="75000"/>
+                  <a:lumOff val="25000"/>
+                </a:schemeClr>
+              </a:solidFill>
+              <a:latin typeface="+mn-lt"/>
+              <a:ea typeface="+mn-ea"/>
+              <a:cs typeface="+mn-cs"/>
+            </a:defRPr>
+          </a:pPr>
+          <a:endParaRPr lang="en-US"/>
+        </a:p>
+      </c:txPr>
+    </c:legend>
+    <c:plotVisOnly val="1"/>
+    <c:dispBlanksAs val="gap"/>
+    <c:extLst>
+      <c:ext xmlns:c16r3="http://schemas.microsoft.com/office/drawing/2017/03/chart" uri="{56B9EC1D-385E-4148-901F-78D8002777C0}">
+        <c16r3:dataDisplayOptions16>
+          <c16r3:dispNaAsBlank val="1"/>
+        </c16r3:dataDisplayOptions16>
+      </c:ext>
+    </c:extLst>
+    <c:showDLblsOverMax val="0"/>
+  </c:chart>
+  <c:spPr>
+    <a:gradFill flip="none" rotWithShape="1">
+      <a:gsLst>
+        <a:gs pos="0">
+          <a:schemeClr val="lt1"/>
+        </a:gs>
+        <a:gs pos="39000">
+          <a:schemeClr val="lt1"/>
+        </a:gs>
+        <a:gs pos="100000">
+          <a:schemeClr val="lt1">
+            <a:lumMod val="75000"/>
+          </a:schemeClr>
+        </a:gs>
+      </a:gsLst>
+      <a:path path="circle">
+        <a:fillToRect l="50000" t="-80000" r="50000" b="180000"/>
+      </a:path>
+      <a:tileRect/>
+    </a:gradFill>
+    <a:ln w="9525" cap="flat" cmpd="sng" algn="ctr">
+      <a:solidFill>
+        <a:schemeClr val="dk1">
+          <a:lumMod val="25000"/>
+          <a:lumOff val="75000"/>
+        </a:schemeClr>
+      </a:solidFill>
+      <a:round/>
+    </a:ln>
+    <a:effectLst/>
+  </c:spPr>
+  <c:txPr>
+    <a:bodyPr/>
+    <a:lstStyle/>
+    <a:p>
+      <a:pPr>
+        <a:defRPr/>
+      </a:pPr>
+      <a:endParaRPr lang="en-US"/>
+    </a:p>
+  </c:txPr>
+  <c:externalData r:id="rId3">
+    <c:autoUpdate val="0"/>
+  </c:externalData>
+</c:chartSpace>
+</file>
+
+<file path=ppt/charts/chart7.xml><?xml version="1.0" encoding="utf-8"?>
+<c:chartSpace xmlns:c="http://schemas.openxmlformats.org/drawingml/2006/chart" xmlns:a="http://schemas.openxmlformats.org/drawingml/2006/main" xmlns:r="http://schemas.openxmlformats.org/officeDocument/2006/relationships" xmlns:c16r2="http://schemas.microsoft.com/office/drawing/2015/06/chart">
+  <c:date1904 val="0"/>
+  <c:lang val="en-US"/>
+  <c:roundedCorners val="0"/>
+  <mc:AlternateContent xmlns:mc="http://schemas.openxmlformats.org/markup-compatibility/2006">
+    <mc:Choice xmlns:c14="http://schemas.microsoft.com/office/drawing/2007/8/2/chart" Requires="c14">
       <c14:style val="126"/>
     </mc:Choice>
     <mc:Fallback>
@@ -3716,7 +5472,7 @@
 </c:chartSpace>
 </file>
 
-<file path=ppt/charts/chart7.xml><?xml version="1.0" encoding="utf-8"?>
+<file path=ppt/charts/chart8.xml><?xml version="1.0" encoding="utf-8"?>
 <c:chartSpace xmlns:c="http://schemas.openxmlformats.org/drawingml/2006/chart" xmlns:a="http://schemas.openxmlformats.org/drawingml/2006/main" xmlns:r="http://schemas.openxmlformats.org/officeDocument/2006/relationships" xmlns:c16r2="http://schemas.microsoft.com/office/drawing/2015/06/chart">
   <c:date1904 val="0"/>
   <c:lang val="en-US"/>
@@ -3903,7 +5659,7 @@
 </c:chartSpace>
 </file>
 
-<file path=ppt/charts/chart8.xml><?xml version="1.0" encoding="utf-8"?>
+<file path=ppt/charts/chart9.xml><?xml version="1.0" encoding="utf-8"?>
 <c:chartSpace xmlns:c="http://schemas.openxmlformats.org/drawingml/2006/chart" xmlns:a="http://schemas.openxmlformats.org/drawingml/2006/main" xmlns:r="http://schemas.openxmlformats.org/officeDocument/2006/relationships" xmlns:c16r2="http://schemas.microsoft.com/office/drawing/2015/06/chart">
   <c:date1904 val="0"/>
   <c:lang val="en-US"/>
@@ -4167,6 +5923,46 @@
 </file>
 
 <file path=ppt/charts/colors2.xml><?xml version="1.0" encoding="utf-8"?>
+<cs:colorStyle xmlns:cs="http://schemas.microsoft.com/office/drawing/2012/chartStyle" xmlns:a="http://schemas.openxmlformats.org/drawingml/2006/main" meth="cycle" id="10">
+  <a:schemeClr val="accent1"/>
+  <a:schemeClr val="accent2"/>
+  <a:schemeClr val="accent3"/>
+  <a:schemeClr val="accent4"/>
+  <a:schemeClr val="accent5"/>
+  <a:schemeClr val="accent6"/>
+  <cs:variation/>
+  <cs:variation>
+    <a:lumMod val="60000"/>
+  </cs:variation>
+  <cs:variation>
+    <a:lumMod val="80000"/>
+    <a:lumOff val="20000"/>
+  </cs:variation>
+  <cs:variation>
+    <a:lumMod val="80000"/>
+  </cs:variation>
+  <cs:variation>
+    <a:lumMod val="60000"/>
+    <a:lumOff val="40000"/>
+  </cs:variation>
+  <cs:variation>
+    <a:lumMod val="50000"/>
+  </cs:variation>
+  <cs:variation>
+    <a:lumMod val="70000"/>
+    <a:lumOff val="30000"/>
+  </cs:variation>
+  <cs:variation>
+    <a:lumMod val="70000"/>
+  </cs:variation>
+  <cs:variation>
+    <a:lumMod val="50000"/>
+    <a:lumOff val="50000"/>
+  </cs:variation>
+</cs:colorStyle>
+</file>
+
+<file path=ppt/charts/colors3.xml><?xml version="1.0" encoding="utf-8"?>
 <cs:colorStyle xmlns:cs="http://schemas.microsoft.com/office/drawing/2012/chartStyle" xmlns:a="http://schemas.openxmlformats.org/drawingml/2006/main" meth="cycle" id="10">
   <a:schemeClr val="accent1"/>
   <a:schemeClr val="accent2"/>
@@ -5234,6 +7030,574 @@
         <a:noFill/>
       </a:ln>
     </cs:spPr>
+  </cs:wall>
+</cs:chartStyle>
+</file>
+
+<file path=ppt/charts/style3.xml><?xml version="1.0" encoding="utf-8"?>
+<cs:chartStyle xmlns:cs="http://schemas.microsoft.com/office/drawing/2012/chartStyle" xmlns:a="http://schemas.openxmlformats.org/drawingml/2006/main" id="228">
+  <cs:axisTitle>
+    <cs:lnRef idx="0"/>
+    <cs:fillRef idx="0"/>
+    <cs:effectRef idx="0"/>
+    <cs:fontRef idx="minor">
+      <a:schemeClr val="dk1">
+        <a:lumMod val="75000"/>
+        <a:lumOff val="25000"/>
+      </a:schemeClr>
+    </cs:fontRef>
+    <cs:defRPr sz="1197" b="1" kern="1200"/>
+  </cs:axisTitle>
+  <cs:categoryAxis>
+    <cs:lnRef idx="0"/>
+    <cs:fillRef idx="0"/>
+    <cs:effectRef idx="0"/>
+    <cs:fontRef idx="minor">
+      <a:schemeClr val="dk1">
+        <a:lumMod val="75000"/>
+        <a:lumOff val="25000"/>
+      </a:schemeClr>
+    </cs:fontRef>
+    <cs:spPr>
+      <a:ln w="19050" cap="flat" cmpd="sng" algn="ctr">
+        <a:solidFill>
+          <a:schemeClr val="dk1">
+            <a:lumMod val="75000"/>
+            <a:lumOff val="25000"/>
+          </a:schemeClr>
+        </a:solidFill>
+        <a:round/>
+      </a:ln>
+    </cs:spPr>
+    <cs:defRPr sz="1197" kern="1200" cap="all" baseline="0"/>
+  </cs:categoryAxis>
+  <cs:chartArea>
+    <cs:lnRef idx="0"/>
+    <cs:fillRef idx="0"/>
+    <cs:effectRef idx="0"/>
+    <cs:fontRef idx="minor">
+      <a:schemeClr val="dk1"/>
+    </cs:fontRef>
+    <cs:spPr>
+      <a:gradFill flip="none" rotWithShape="1">
+        <a:gsLst>
+          <a:gs pos="0">
+            <a:schemeClr val="lt1"/>
+          </a:gs>
+          <a:gs pos="39000">
+            <a:schemeClr val="lt1"/>
+          </a:gs>
+          <a:gs pos="100000">
+            <a:schemeClr val="lt1">
+              <a:lumMod val="75000"/>
+            </a:schemeClr>
+          </a:gs>
+        </a:gsLst>
+        <a:path path="circle">
+          <a:fillToRect l="50000" t="-80000" r="50000" b="180000"/>
+        </a:path>
+        <a:tileRect/>
+      </a:gradFill>
+      <a:ln w="9525" cap="flat" cmpd="sng" algn="ctr">
+        <a:solidFill>
+          <a:schemeClr val="dk1">
+            <a:lumMod val="25000"/>
+            <a:lumOff val="75000"/>
+          </a:schemeClr>
+        </a:solidFill>
+        <a:round/>
+      </a:ln>
+    </cs:spPr>
+    <cs:defRPr sz="1197" kern="1200"/>
+  </cs:chartArea>
+  <cs:dataLabel>
+    <cs:lnRef idx="0"/>
+    <cs:fillRef idx="0">
+      <cs:styleClr val="auto"/>
+    </cs:fillRef>
+    <cs:effectRef idx="0"/>
+    <cs:fontRef idx="minor">
+      <a:schemeClr val="lt1"/>
+    </cs:fontRef>
+    <cs:defRPr sz="1197" b="1" i="0" u="none" strike="noStrike" kern="1200" baseline="0"/>
+  </cs:dataLabel>
+  <cs:dataLabelCallout>
+    <cs:lnRef idx="0"/>
+    <cs:fillRef idx="0"/>
+    <cs:effectRef idx="0"/>
+    <cs:fontRef idx="minor">
+      <a:schemeClr val="lt1"/>
+    </cs:fontRef>
+    <cs:spPr>
+      <a:solidFill>
+        <a:schemeClr val="dk1">
+          <a:lumMod val="65000"/>
+          <a:lumOff val="35000"/>
+          <a:alpha val="75000"/>
+        </a:schemeClr>
+      </a:solidFill>
+    </cs:spPr>
+    <cs:defRPr sz="1197" b="1" kern="1200"/>
+    <cs:bodyPr rot="0" spcFirstLastPara="1" vertOverflow="clip" horzOverflow="clip" vert="horz" wrap="square" lIns="36576" tIns="18288" rIns="36576" bIns="18288" anchor="ctr" anchorCtr="1">
+      <a:spAutoFit/>
+    </cs:bodyPr>
+  </cs:dataLabelCallout>
+  <cs:dataPoint>
+    <cs:lnRef idx="0"/>
+    <cs:fillRef idx="0">
+      <cs:styleClr val="auto"/>
+    </cs:fillRef>
+    <cs:effectRef idx="0"/>
+    <cs:fontRef idx="minor">
+      <a:schemeClr val="dk1"/>
+    </cs:fontRef>
+    <cs:spPr>
+      <a:solidFill>
+        <a:schemeClr val="phClr">
+          <a:alpha val="85000"/>
+        </a:schemeClr>
+      </a:solidFill>
+      <a:ln w="9525" cap="flat" cmpd="sng" algn="ctr">
+        <a:solidFill>
+          <a:schemeClr val="lt1">
+            <a:alpha val="50000"/>
+          </a:schemeClr>
+        </a:solidFill>
+        <a:round/>
+      </a:ln>
+    </cs:spPr>
+  </cs:dataPoint>
+  <cs:dataPoint3D>
+    <cs:lnRef idx="0"/>
+    <cs:fillRef idx="0">
+      <cs:styleClr val="auto"/>
+    </cs:fillRef>
+    <cs:effectRef idx="0"/>
+    <cs:fontRef idx="minor">
+      <a:schemeClr val="dk1"/>
+    </cs:fontRef>
+    <cs:spPr>
+      <a:solidFill>
+        <a:schemeClr val="phClr">
+          <a:alpha val="85000"/>
+        </a:schemeClr>
+      </a:solidFill>
+      <a:ln w="9525" cap="flat" cmpd="sng" algn="ctr">
+        <a:solidFill>
+          <a:schemeClr val="lt1">
+            <a:alpha val="50000"/>
+          </a:schemeClr>
+        </a:solidFill>
+        <a:round/>
+      </a:ln>
+    </cs:spPr>
+  </cs:dataPoint3D>
+  <cs:dataPointLine>
+    <cs:lnRef idx="0">
+      <cs:styleClr val="auto"/>
+    </cs:lnRef>
+    <cs:fillRef idx="0"/>
+    <cs:effectRef idx="0"/>
+    <cs:fontRef idx="minor">
+      <a:schemeClr val="dk1"/>
+    </cs:fontRef>
+    <cs:spPr>
+      <a:ln w="31750" cap="rnd">
+        <a:solidFill>
+          <a:schemeClr val="phClr"/>
+        </a:solidFill>
+        <a:round/>
+      </a:ln>
+    </cs:spPr>
+  </cs:dataPointLine>
+  <cs:dataPointMarker>
+    <cs:lnRef idx="0"/>
+    <cs:fillRef idx="0">
+      <cs:styleClr val="auto"/>
+    </cs:fillRef>
+    <cs:effectRef idx="0"/>
+    <cs:fontRef idx="minor">
+      <a:schemeClr val="dk1"/>
+    </cs:fontRef>
+    <cs:spPr>
+      <a:solidFill>
+        <a:schemeClr val="phClr"/>
+      </a:solidFill>
+    </cs:spPr>
+  </cs:dataPointMarker>
+  <cs:dataPointMarkerLayout symbol="circle" size="17"/>
+  <cs:dataPointWireframe>
+    <cs:lnRef idx="0">
+      <cs:styleClr val="auto"/>
+    </cs:lnRef>
+    <cs:fillRef idx="0"/>
+    <cs:effectRef idx="0"/>
+    <cs:fontRef idx="minor">
+      <a:schemeClr val="dk1"/>
+    </cs:fontRef>
+    <cs:spPr>
+      <a:ln w="9525" cap="rnd">
+        <a:solidFill>
+          <a:schemeClr val="phClr"/>
+        </a:solidFill>
+        <a:round/>
+      </a:ln>
+    </cs:spPr>
+  </cs:dataPointWireframe>
+  <cs:dataTable>
+    <cs:lnRef idx="0"/>
+    <cs:fillRef idx="0"/>
+    <cs:effectRef idx="0"/>
+    <cs:fontRef idx="minor">
+      <a:schemeClr val="dk1">
+        <a:lumMod val="75000"/>
+        <a:lumOff val="25000"/>
+      </a:schemeClr>
+    </cs:fontRef>
+    <cs:spPr>
+      <a:ln w="9525">
+        <a:solidFill>
+          <a:schemeClr val="dk1">
+            <a:lumMod val="35000"/>
+            <a:lumOff val="65000"/>
+          </a:schemeClr>
+        </a:solidFill>
+      </a:ln>
+    </cs:spPr>
+    <cs:defRPr sz="1197" kern="1200"/>
+  </cs:dataTable>
+  <cs:downBar>
+    <cs:lnRef idx="0"/>
+    <cs:fillRef idx="0"/>
+    <cs:effectRef idx="0"/>
+    <cs:fontRef idx="minor">
+      <a:schemeClr val="dk1"/>
+    </cs:fontRef>
+    <cs:spPr>
+      <a:solidFill>
+        <a:schemeClr val="dk1">
+          <a:lumMod val="50000"/>
+          <a:lumOff val="50000"/>
+        </a:schemeClr>
+      </a:solidFill>
+      <a:ln w="9525">
+        <a:solidFill>
+          <a:schemeClr val="dk1">
+            <a:lumMod val="65000"/>
+            <a:lumOff val="35000"/>
+          </a:schemeClr>
+        </a:solidFill>
+      </a:ln>
+    </cs:spPr>
+  </cs:downBar>
+  <cs:dropLine>
+    <cs:lnRef idx="0"/>
+    <cs:fillRef idx="0"/>
+    <cs:effectRef idx="0"/>
+    <cs:fontRef idx="minor">
+      <a:schemeClr val="dk1"/>
+    </cs:fontRef>
+    <cs:spPr>
+      <a:ln w="9525">
+        <a:solidFill>
+          <a:schemeClr val="dk1">
+            <a:lumMod val="35000"/>
+            <a:lumOff val="65000"/>
+          </a:schemeClr>
+        </a:solidFill>
+        <a:prstDash val="dash"/>
+      </a:ln>
+    </cs:spPr>
+  </cs:dropLine>
+  <cs:errorBar>
+    <cs:lnRef idx="0"/>
+    <cs:fillRef idx="0"/>
+    <cs:effectRef idx="0"/>
+    <cs:fontRef idx="minor">
+      <a:schemeClr val="dk1"/>
+    </cs:fontRef>
+    <cs:spPr>
+      <a:ln w="9525">
+        <a:solidFill>
+          <a:schemeClr val="dk1">
+            <a:lumMod val="65000"/>
+            <a:lumOff val="35000"/>
+          </a:schemeClr>
+        </a:solidFill>
+        <a:round/>
+      </a:ln>
+    </cs:spPr>
+  </cs:errorBar>
+  <cs:floor>
+    <cs:lnRef idx="0"/>
+    <cs:fillRef idx="0"/>
+    <cs:effectRef idx="0"/>
+    <cs:fontRef idx="minor">
+      <a:schemeClr val="dk1"/>
+    </cs:fontRef>
+  </cs:floor>
+  <cs:gridlineMajor>
+    <cs:lnRef idx="0"/>
+    <cs:fillRef idx="0"/>
+    <cs:effectRef idx="0"/>
+    <cs:fontRef idx="minor">
+      <a:schemeClr val="dk1"/>
+    </cs:fontRef>
+    <cs:spPr>
+      <a:ln w="9525" cap="flat" cmpd="sng" algn="ctr">
+        <a:gradFill>
+          <a:gsLst>
+            <a:gs pos="100000">
+              <a:schemeClr val="dk1">
+                <a:lumMod val="95000"/>
+                <a:lumOff val="5000"/>
+                <a:alpha val="42000"/>
+              </a:schemeClr>
+            </a:gs>
+            <a:gs pos="0">
+              <a:schemeClr val="lt1">
+                <a:lumMod val="75000"/>
+                <a:alpha val="36000"/>
+              </a:schemeClr>
+            </a:gs>
+          </a:gsLst>
+          <a:lin ang="5400000" scaled="0"/>
+        </a:gradFill>
+        <a:round/>
+      </a:ln>
+    </cs:spPr>
+  </cs:gridlineMajor>
+  <cs:gridlineMinor>
+    <cs:lnRef idx="0"/>
+    <cs:fillRef idx="0"/>
+    <cs:effectRef idx="0"/>
+    <cs:fontRef idx="minor">
+      <a:schemeClr val="dk1"/>
+    </cs:fontRef>
+    <cs:spPr>
+      <a:ln>
+        <a:gradFill>
+          <a:gsLst>
+            <a:gs pos="100000">
+              <a:schemeClr val="dk1">
+                <a:lumMod val="95000"/>
+                <a:lumOff val="5000"/>
+                <a:alpha val="42000"/>
+              </a:schemeClr>
+            </a:gs>
+            <a:gs pos="0">
+              <a:schemeClr val="lt1">
+                <a:lumMod val="75000"/>
+                <a:alpha val="36000"/>
+              </a:schemeClr>
+            </a:gs>
+          </a:gsLst>
+          <a:lin ang="5400000" scaled="0"/>
+        </a:gradFill>
+      </a:ln>
+    </cs:spPr>
+  </cs:gridlineMinor>
+  <cs:hiLoLine>
+    <cs:lnRef idx="0"/>
+    <cs:fillRef idx="0"/>
+    <cs:effectRef idx="0"/>
+    <cs:fontRef idx="minor">
+      <a:schemeClr val="dk1"/>
+    </cs:fontRef>
+    <cs:spPr>
+      <a:ln w="9525">
+        <a:solidFill>
+          <a:schemeClr val="dk1">
+            <a:lumMod val="35000"/>
+            <a:lumOff val="65000"/>
+          </a:schemeClr>
+        </a:solidFill>
+        <a:prstDash val="dash"/>
+      </a:ln>
+    </cs:spPr>
+  </cs:hiLoLine>
+  <cs:leaderLine>
+    <cs:lnRef idx="0"/>
+    <cs:fillRef idx="0"/>
+    <cs:effectRef idx="0"/>
+    <cs:fontRef idx="minor">
+      <a:schemeClr val="dk1"/>
+    </cs:fontRef>
+    <cs:spPr>
+      <a:ln w="9525">
+        <a:solidFill>
+          <a:schemeClr val="dk1">
+            <a:lumMod val="50000"/>
+            <a:lumOff val="50000"/>
+          </a:schemeClr>
+        </a:solidFill>
+      </a:ln>
+    </cs:spPr>
+  </cs:leaderLine>
+  <cs:legend>
+    <cs:lnRef idx="0"/>
+    <cs:fillRef idx="0"/>
+    <cs:effectRef idx="0"/>
+    <cs:fontRef idx="minor">
+      <a:schemeClr val="dk1">
+        <a:lumMod val="75000"/>
+        <a:lumOff val="25000"/>
+      </a:schemeClr>
+    </cs:fontRef>
+    <cs:spPr>
+      <a:solidFill>
+        <a:schemeClr val="lt1">
+          <a:lumMod val="95000"/>
+          <a:alpha val="39000"/>
+        </a:schemeClr>
+      </a:solidFill>
+    </cs:spPr>
+    <cs:defRPr sz="1197" kern="1200"/>
+  </cs:legend>
+  <cs:plotArea>
+    <cs:lnRef idx="0"/>
+    <cs:fillRef idx="0"/>
+    <cs:effectRef idx="0"/>
+    <cs:fontRef idx="minor">
+      <a:schemeClr val="dk1"/>
+    </cs:fontRef>
+  </cs:plotArea>
+  <cs:plotArea3D>
+    <cs:lnRef idx="0"/>
+    <cs:fillRef idx="0"/>
+    <cs:effectRef idx="0"/>
+    <cs:fontRef idx="minor">
+      <a:schemeClr val="dk1"/>
+    </cs:fontRef>
+  </cs:plotArea3D>
+  <cs:seriesAxis>
+    <cs:lnRef idx="0"/>
+    <cs:fillRef idx="0"/>
+    <cs:effectRef idx="0"/>
+    <cs:fontRef idx="minor">
+      <a:schemeClr val="dk1">
+        <a:lumMod val="75000"/>
+        <a:lumOff val="25000"/>
+      </a:schemeClr>
+    </cs:fontRef>
+    <cs:spPr>
+      <a:ln w="31750" cap="flat" cmpd="sng" algn="ctr">
+        <a:solidFill>
+          <a:schemeClr val="dk1">
+            <a:lumMod val="75000"/>
+            <a:lumOff val="25000"/>
+          </a:schemeClr>
+        </a:solidFill>
+        <a:round/>
+      </a:ln>
+    </cs:spPr>
+    <cs:defRPr sz="1197" kern="1200"/>
+  </cs:seriesAxis>
+  <cs:seriesLine>
+    <cs:lnRef idx="0"/>
+    <cs:fillRef idx="0"/>
+    <cs:effectRef idx="0"/>
+    <cs:fontRef idx="minor">
+      <a:schemeClr val="dk1"/>
+    </cs:fontRef>
+    <cs:spPr>
+      <a:ln w="9525">
+        <a:solidFill>
+          <a:schemeClr val="dk1">
+            <a:lumMod val="50000"/>
+            <a:lumOff val="50000"/>
+          </a:schemeClr>
+        </a:solidFill>
+        <a:round/>
+      </a:ln>
+    </cs:spPr>
+  </cs:seriesLine>
+  <cs:title>
+    <cs:lnRef idx="0"/>
+    <cs:fillRef idx="0"/>
+    <cs:effectRef idx="0"/>
+    <cs:fontRef idx="minor">
+      <a:schemeClr val="dk1">
+        <a:lumMod val="75000"/>
+        <a:lumOff val="25000"/>
+      </a:schemeClr>
+    </cs:fontRef>
+    <cs:defRPr sz="2200" b="1" kern="1200" baseline="0"/>
+  </cs:title>
+  <cs:trendline>
+    <cs:lnRef idx="0">
+      <cs:styleClr val="auto"/>
+    </cs:lnRef>
+    <cs:fillRef idx="0"/>
+    <cs:effectRef idx="0"/>
+    <cs:fontRef idx="minor">
+      <a:schemeClr val="dk1"/>
+    </cs:fontRef>
+    <cs:spPr>
+      <a:ln w="19050" cap="rnd">
+        <a:solidFill>
+          <a:schemeClr val="phClr"/>
+        </a:solidFill>
+      </a:ln>
+    </cs:spPr>
+  </cs:trendline>
+  <cs:trendlineLabel>
+    <cs:lnRef idx="0"/>
+    <cs:fillRef idx="0"/>
+    <cs:effectRef idx="0"/>
+    <cs:fontRef idx="minor">
+      <a:schemeClr val="dk1">
+        <a:lumMod val="75000"/>
+        <a:lumOff val="25000"/>
+      </a:schemeClr>
+    </cs:fontRef>
+    <cs:defRPr sz="1197" kern="1200"/>
+  </cs:trendlineLabel>
+  <cs:upBar>
+    <cs:lnRef idx="0"/>
+    <cs:fillRef idx="0"/>
+    <cs:effectRef idx="0"/>
+    <cs:fontRef idx="minor">
+      <a:schemeClr val="dk1"/>
+    </cs:fontRef>
+    <cs:spPr>
+      <a:solidFill>
+        <a:schemeClr val="lt1"/>
+      </a:solidFill>
+      <a:ln w="9525">
+        <a:solidFill>
+          <a:schemeClr val="dk1">
+            <a:lumMod val="65000"/>
+            <a:lumOff val="35000"/>
+          </a:schemeClr>
+        </a:solidFill>
+      </a:ln>
+    </cs:spPr>
+  </cs:upBar>
+  <cs:valueAxis>
+    <cs:lnRef idx="0"/>
+    <cs:fillRef idx="0"/>
+    <cs:effectRef idx="0"/>
+    <cs:fontRef idx="minor">
+      <a:schemeClr val="dk1">
+        <a:lumMod val="75000"/>
+        <a:lumOff val="25000"/>
+      </a:schemeClr>
+    </cs:fontRef>
+    <cs:spPr>
+      <a:ln>
+        <a:noFill/>
+      </a:ln>
+    </cs:spPr>
+    <cs:defRPr sz="1197" kern="1200"/>
+  </cs:valueAxis>
+  <cs:wall>
+    <cs:lnRef idx="0"/>
+    <cs:fillRef idx="0"/>
+    <cs:effectRef idx="0"/>
+    <cs:fontRef idx="minor">
+      <a:schemeClr val="dk1"/>
+    </cs:fontRef>
   </cs:wall>
 </cs:chartStyle>
 </file>
@@ -10383,7 +12747,7 @@
           <a:p>
             <a:fld id="{05D99CAC-D72C-4A99-9265-72F7D66828E9}" type="datetimeFigureOut">
               <a:rPr lang="en-US" smtClean="0"/>
-              <a:t>2/18/2019</a:t>
+              <a:t>2/23/2019</a:t>
             </a:fld>
             <a:endParaRPr lang="en-US"/>
           </a:p>
@@ -10704,7 +13068,7 @@
                 <a:latin typeface="Calibri"/>
               </a:rPr>
               <a:pPr algn="r" defTabSz="983834"/>
-              <a:t>14</a:t>
+              <a:t>16</a:t>
             </a:fld>
             <a:endParaRPr lang="th-TH" sz="1300" dirty="0">
               <a:solidFill>
@@ -10824,7 +13188,7 @@
                 <a:latin typeface="Calibri"/>
               </a:rPr>
               <a:pPr algn="r" defTabSz="983834"/>
-              <a:t>15</a:t>
+              <a:t>17</a:t>
             </a:fld>
             <a:endParaRPr lang="th-TH" sz="1300" dirty="0">
               <a:solidFill>
@@ -10940,7 +13304,7 @@
           <a:noFill/>
           <a:extLst>
             <a:ext uri="{909E8E84-426E-40dd-AFC4-6F175D3DCCD1}">
-              <a14:hiddenFill xmlns:a14="http://schemas.microsoft.com/office/drawing/2010/main" xmlns="">
+              <a14:hiddenFill xmlns="" xmlns:a14="http://schemas.microsoft.com/office/drawing/2010/main">
                 <a:solidFill>
                   <a:srgbClr val="FFFFFF"/>
                 </a:solidFill>
@@ -11000,7 +13364,7 @@
             </a:ln>
             <a:extLst>
               <a:ext uri="{91240B29-F687-4f45-9708-019B960494DF}">
-                <a14:hiddenLine xmlns:a14="http://schemas.microsoft.com/office/drawing/2010/main" xmlns="" w="9525">
+                <a14:hiddenLine xmlns="" xmlns:a14="http://schemas.microsoft.com/office/drawing/2010/main" w="9525">
                   <a:solidFill>
                     <a:srgbClr val="000000"/>
                   </a:solidFill>
@@ -11090,7 +13454,7 @@
             </a:ln>
             <a:extLst>
               <a:ext uri="{91240B29-F687-4f45-9708-019B960494DF}">
-                <a14:hiddenLine xmlns:a14="http://schemas.microsoft.com/office/drawing/2010/main" xmlns="" w="9525">
+                <a14:hiddenLine xmlns="" xmlns:a14="http://schemas.microsoft.com/office/drawing/2010/main" w="9525">
                   <a:solidFill>
                     <a:srgbClr val="000000"/>
                   </a:solidFill>
@@ -11180,7 +13544,7 @@
             </a:ln>
             <a:extLst>
               <a:ext uri="{91240B29-F687-4f45-9708-019B960494DF}">
-                <a14:hiddenLine xmlns:a14="http://schemas.microsoft.com/office/drawing/2010/main" xmlns="" w="9525">
+                <a14:hiddenLine xmlns="" xmlns:a14="http://schemas.microsoft.com/office/drawing/2010/main" w="9525">
                   <a:solidFill>
                     <a:srgbClr val="000000"/>
                   </a:solidFill>
@@ -11214,7 +13578,7 @@
             </a:ln>
             <a:extLst>
               <a:ext uri="{91240B29-F687-4f45-9708-019B960494DF}">
-                <a14:hiddenLine xmlns:a14="http://schemas.microsoft.com/office/drawing/2010/main" xmlns="" w="9525">
+                <a14:hiddenLine xmlns="" xmlns:a14="http://schemas.microsoft.com/office/drawing/2010/main" w="9525">
                   <a:solidFill>
                     <a:srgbClr val="000000"/>
                   </a:solidFill>
@@ -11304,7 +13668,7 @@
             </a:ln>
             <a:extLst>
               <a:ext uri="{91240B29-F687-4f45-9708-019B960494DF}">
-                <a14:hiddenLine xmlns:a14="http://schemas.microsoft.com/office/drawing/2010/main" xmlns="" w="9525">
+                <a14:hiddenLine xmlns="" xmlns:a14="http://schemas.microsoft.com/office/drawing/2010/main" w="9525">
                   <a:solidFill>
                     <a:srgbClr val="000000"/>
                   </a:solidFill>
@@ -11366,7 +13730,7 @@
             </a:ln>
             <a:extLst>
               <a:ext uri="{91240B29-F687-4f45-9708-019B960494DF}">
-                <a14:hiddenLine xmlns:a14="http://schemas.microsoft.com/office/drawing/2010/main" xmlns="" w="9525">
+                <a14:hiddenLine xmlns="" xmlns:a14="http://schemas.microsoft.com/office/drawing/2010/main" w="9525">
                   <a:solidFill>
                     <a:srgbClr val="000000"/>
                   </a:solidFill>
@@ -11428,7 +13792,7 @@
             </a:ln>
             <a:extLst>
               <a:ext uri="{91240B29-F687-4f45-9708-019B960494DF}">
-                <a14:hiddenLine xmlns:a14="http://schemas.microsoft.com/office/drawing/2010/main" xmlns="" w="9525">
+                <a14:hiddenLine xmlns="" xmlns:a14="http://schemas.microsoft.com/office/drawing/2010/main" w="9525">
                   <a:solidFill>
                     <a:srgbClr val="000000"/>
                   </a:solidFill>
@@ -11518,7 +13882,7 @@
             </a:ln>
             <a:extLst>
               <a:ext uri="{91240B29-F687-4f45-9708-019B960494DF}">
-                <a14:hiddenLine xmlns:a14="http://schemas.microsoft.com/office/drawing/2010/main" xmlns="" w="9525">
+                <a14:hiddenLine xmlns="" xmlns:a14="http://schemas.microsoft.com/office/drawing/2010/main" w="9525">
                   <a:solidFill>
                     <a:srgbClr val="000000"/>
                   </a:solidFill>
@@ -11580,7 +13944,7 @@
             </a:ln>
             <a:extLst>
               <a:ext uri="{91240B29-F687-4f45-9708-019B960494DF}">
-                <a14:hiddenLine xmlns:a14="http://schemas.microsoft.com/office/drawing/2010/main" xmlns="" w="9525">
+                <a14:hiddenLine xmlns="" xmlns:a14="http://schemas.microsoft.com/office/drawing/2010/main" w="9525">
                   <a:solidFill>
                     <a:srgbClr val="000000"/>
                   </a:solidFill>
@@ -11642,7 +14006,7 @@
             </a:ln>
             <a:extLst>
               <a:ext uri="{91240B29-F687-4f45-9708-019B960494DF}">
-                <a14:hiddenLine xmlns:a14="http://schemas.microsoft.com/office/drawing/2010/main" xmlns="" w="9525">
+                <a14:hiddenLine xmlns="" xmlns:a14="http://schemas.microsoft.com/office/drawing/2010/main" w="9525">
                   <a:solidFill>
                     <a:srgbClr val="000000"/>
                   </a:solidFill>
@@ -11732,7 +14096,7 @@
             </a:ln>
             <a:extLst>
               <a:ext uri="{91240B29-F687-4f45-9708-019B960494DF}">
-                <a14:hiddenLine xmlns:a14="http://schemas.microsoft.com/office/drawing/2010/main" xmlns="" w="9525">
+                <a14:hiddenLine xmlns="" xmlns:a14="http://schemas.microsoft.com/office/drawing/2010/main" w="9525">
                   <a:solidFill>
                     <a:srgbClr val="000000"/>
                   </a:solidFill>
@@ -11822,7 +14186,7 @@
             </a:ln>
             <a:extLst>
               <a:ext uri="{91240B29-F687-4f45-9708-019B960494DF}">
-                <a14:hiddenLine xmlns:a14="http://schemas.microsoft.com/office/drawing/2010/main" xmlns="" w="9525">
+                <a14:hiddenLine xmlns="" xmlns:a14="http://schemas.microsoft.com/office/drawing/2010/main" w="9525">
                   <a:solidFill>
                     <a:srgbClr val="000000"/>
                   </a:solidFill>
@@ -11884,7 +14248,7 @@
             </a:ln>
             <a:extLst>
               <a:ext uri="{91240B29-F687-4f45-9708-019B960494DF}">
-                <a14:hiddenLine xmlns:a14="http://schemas.microsoft.com/office/drawing/2010/main" xmlns="" w="9525">
+                <a14:hiddenLine xmlns="" xmlns:a14="http://schemas.microsoft.com/office/drawing/2010/main" w="9525">
                   <a:solidFill>
                     <a:srgbClr val="000000"/>
                   </a:solidFill>
@@ -11994,7 +14358,7 @@
             </a:ln>
             <a:extLst>
               <a:ext uri="{91240B29-F687-4f45-9708-019B960494DF}">
-                <a14:hiddenLine xmlns:a14="http://schemas.microsoft.com/office/drawing/2010/main" xmlns="" w="9525">
+                <a14:hiddenLine xmlns="" xmlns:a14="http://schemas.microsoft.com/office/drawing/2010/main" w="9525">
                   <a:solidFill>
                     <a:srgbClr val="000000"/>
                   </a:solidFill>
@@ -12056,7 +14420,7 @@
             </a:ln>
             <a:extLst>
               <a:ext uri="{91240B29-F687-4f45-9708-019B960494DF}">
-                <a14:hiddenLine xmlns:a14="http://schemas.microsoft.com/office/drawing/2010/main" xmlns="" w="9525">
+                <a14:hiddenLine xmlns="" xmlns:a14="http://schemas.microsoft.com/office/drawing/2010/main" w="9525">
                   <a:solidFill>
                     <a:srgbClr val="000000"/>
                   </a:solidFill>
@@ -12146,7 +14510,7 @@
             </a:ln>
             <a:extLst>
               <a:ext uri="{91240B29-F687-4f45-9708-019B960494DF}">
-                <a14:hiddenLine xmlns:a14="http://schemas.microsoft.com/office/drawing/2010/main" xmlns="" w="9525">
+                <a14:hiddenLine xmlns="" xmlns:a14="http://schemas.microsoft.com/office/drawing/2010/main" w="9525">
                   <a:solidFill>
                     <a:srgbClr val="000000"/>
                   </a:solidFill>
@@ -12236,7 +14600,7 @@
             </a:ln>
             <a:extLst>
               <a:ext uri="{91240B29-F687-4f45-9708-019B960494DF}">
-                <a14:hiddenLine xmlns:a14="http://schemas.microsoft.com/office/drawing/2010/main" xmlns="" w="9525">
+                <a14:hiddenLine xmlns="" xmlns:a14="http://schemas.microsoft.com/office/drawing/2010/main" w="9525">
                   <a:solidFill>
                     <a:srgbClr val="000000"/>
                   </a:solidFill>
@@ -12298,7 +14662,7 @@
             </a:ln>
             <a:extLst>
               <a:ext uri="{91240B29-F687-4f45-9708-019B960494DF}">
-                <a14:hiddenLine xmlns:a14="http://schemas.microsoft.com/office/drawing/2010/main" xmlns="" w="9525">
+                <a14:hiddenLine xmlns="" xmlns:a14="http://schemas.microsoft.com/office/drawing/2010/main" w="9525">
                   <a:solidFill>
                     <a:srgbClr val="000000"/>
                   </a:solidFill>
@@ -12388,7 +14752,7 @@
             </a:ln>
             <a:extLst>
               <a:ext uri="{91240B29-F687-4f45-9708-019B960494DF}">
-                <a14:hiddenLine xmlns:a14="http://schemas.microsoft.com/office/drawing/2010/main" xmlns="" w="9525">
+                <a14:hiddenLine xmlns="" xmlns:a14="http://schemas.microsoft.com/office/drawing/2010/main" w="9525">
                   <a:solidFill>
                     <a:srgbClr val="000000"/>
                   </a:solidFill>
@@ -12478,7 +14842,7 @@
             </a:ln>
             <a:extLst>
               <a:ext uri="{91240B29-F687-4f45-9708-019B960494DF}">
-                <a14:hiddenLine xmlns:a14="http://schemas.microsoft.com/office/drawing/2010/main" xmlns="" w="9525">
+                <a14:hiddenLine xmlns="" xmlns:a14="http://schemas.microsoft.com/office/drawing/2010/main" w="9525">
                   <a:solidFill>
                     <a:srgbClr val="000000"/>
                   </a:solidFill>
@@ -12534,7 +14898,7 @@
             </a:ln>
             <a:extLst>
               <a:ext uri="{91240B29-F687-4f45-9708-019B960494DF}">
-                <a14:hiddenLine xmlns:a14="http://schemas.microsoft.com/office/drawing/2010/main" xmlns="" w="9525">
+                <a14:hiddenLine xmlns="" xmlns:a14="http://schemas.microsoft.com/office/drawing/2010/main" w="9525">
                   <a:solidFill>
                     <a:srgbClr val="000000"/>
                   </a:solidFill>
@@ -12624,7 +14988,7 @@
             </a:ln>
             <a:extLst>
               <a:ext uri="{91240B29-F687-4f45-9708-019B960494DF}">
-                <a14:hiddenLine xmlns:a14="http://schemas.microsoft.com/office/drawing/2010/main" xmlns="" w="9525">
+                <a14:hiddenLine xmlns="" xmlns:a14="http://schemas.microsoft.com/office/drawing/2010/main" w="9525">
                   <a:solidFill>
                     <a:srgbClr val="000000"/>
                   </a:solidFill>
@@ -12680,7 +15044,7 @@
             </a:ln>
             <a:extLst>
               <a:ext uri="{91240B29-F687-4f45-9708-019B960494DF}">
-                <a14:hiddenLine xmlns:a14="http://schemas.microsoft.com/office/drawing/2010/main" xmlns="" w="9525">
+                <a14:hiddenLine xmlns="" xmlns:a14="http://schemas.microsoft.com/office/drawing/2010/main" w="9525">
                   <a:solidFill>
                     <a:srgbClr val="000000"/>
                   </a:solidFill>
@@ -12770,7 +15134,7 @@
             </a:ln>
             <a:extLst>
               <a:ext uri="{91240B29-F687-4f45-9708-019B960494DF}">
-                <a14:hiddenLine xmlns:a14="http://schemas.microsoft.com/office/drawing/2010/main" xmlns="" w="9525">
+                <a14:hiddenLine xmlns="" xmlns:a14="http://schemas.microsoft.com/office/drawing/2010/main" w="9525">
                   <a:solidFill>
                     <a:srgbClr val="000000"/>
                   </a:solidFill>
@@ -12838,7 +15202,7 @@
             </a:ln>
             <a:extLst>
               <a:ext uri="{91240B29-F687-4f45-9708-019B960494DF}">
-                <a14:hiddenLine xmlns:a14="http://schemas.microsoft.com/office/drawing/2010/main" xmlns="" w="9525">
+                <a14:hiddenLine xmlns="" xmlns:a14="http://schemas.microsoft.com/office/drawing/2010/main" w="9525">
                   <a:solidFill>
                     <a:srgbClr val="000000"/>
                   </a:solidFill>
@@ -12928,7 +15292,7 @@
             </a:ln>
             <a:extLst>
               <a:ext uri="{91240B29-F687-4f45-9708-019B960494DF}">
-                <a14:hiddenLine xmlns:a14="http://schemas.microsoft.com/office/drawing/2010/main" xmlns="" w="9525">
+                <a14:hiddenLine xmlns="" xmlns:a14="http://schemas.microsoft.com/office/drawing/2010/main" w="9525">
                   <a:solidFill>
                     <a:srgbClr val="000000"/>
                   </a:solidFill>
@@ -12996,7 +15360,7 @@
             </a:ln>
             <a:extLst>
               <a:ext uri="{91240B29-F687-4f45-9708-019B960494DF}">
-                <a14:hiddenLine xmlns:a14="http://schemas.microsoft.com/office/drawing/2010/main" xmlns="" w="9525">
+                <a14:hiddenLine xmlns="" xmlns:a14="http://schemas.microsoft.com/office/drawing/2010/main" w="9525">
                   <a:solidFill>
                     <a:srgbClr val="000000"/>
                   </a:solidFill>
@@ -13086,7 +15450,7 @@
             </a:ln>
             <a:extLst>
               <a:ext uri="{91240B29-F687-4f45-9708-019B960494DF}">
-                <a14:hiddenLine xmlns:a14="http://schemas.microsoft.com/office/drawing/2010/main" xmlns="" w="9525">
+                <a14:hiddenLine xmlns="" xmlns:a14="http://schemas.microsoft.com/office/drawing/2010/main" w="9525">
                   <a:solidFill>
                     <a:srgbClr val="000000"/>
                   </a:solidFill>
@@ -13120,7 +15484,7 @@
             </a:ln>
             <a:extLst>
               <a:ext uri="{91240B29-F687-4f45-9708-019B960494DF}">
-                <a14:hiddenLine xmlns:a14="http://schemas.microsoft.com/office/drawing/2010/main" xmlns="" w="9525">
+                <a14:hiddenLine xmlns="" xmlns:a14="http://schemas.microsoft.com/office/drawing/2010/main" w="9525">
                   <a:solidFill>
                     <a:srgbClr val="000000"/>
                   </a:solidFill>
@@ -13210,7 +15574,7 @@
             </a:ln>
             <a:extLst>
               <a:ext uri="{91240B29-F687-4f45-9708-019B960494DF}">
-                <a14:hiddenLine xmlns:a14="http://schemas.microsoft.com/office/drawing/2010/main" xmlns="" w="9525">
+                <a14:hiddenLine xmlns="" xmlns:a14="http://schemas.microsoft.com/office/drawing/2010/main" w="9525">
                   <a:solidFill>
                     <a:srgbClr val="000000"/>
                   </a:solidFill>
@@ -13272,7 +15636,7 @@
             </a:ln>
             <a:extLst>
               <a:ext uri="{91240B29-F687-4f45-9708-019B960494DF}">
-                <a14:hiddenLine xmlns:a14="http://schemas.microsoft.com/office/drawing/2010/main" xmlns="" w="9525">
+                <a14:hiddenLine xmlns="" xmlns:a14="http://schemas.microsoft.com/office/drawing/2010/main" w="9525">
                   <a:solidFill>
                     <a:srgbClr val="000000"/>
                   </a:solidFill>
@@ -13334,7 +15698,7 @@
             </a:ln>
             <a:extLst>
               <a:ext uri="{91240B29-F687-4f45-9708-019B960494DF}">
-                <a14:hiddenLine xmlns:a14="http://schemas.microsoft.com/office/drawing/2010/main" xmlns="" w="9525">
+                <a14:hiddenLine xmlns="" xmlns:a14="http://schemas.microsoft.com/office/drawing/2010/main" w="9525">
                   <a:solidFill>
                     <a:srgbClr val="000000"/>
                   </a:solidFill>
@@ -13424,7 +15788,7 @@
             </a:ln>
             <a:extLst>
               <a:ext uri="{91240B29-F687-4f45-9708-019B960494DF}">
-                <a14:hiddenLine xmlns:a14="http://schemas.microsoft.com/office/drawing/2010/main" xmlns="" w="9525">
+                <a14:hiddenLine xmlns="" xmlns:a14="http://schemas.microsoft.com/office/drawing/2010/main" w="9525">
                   <a:solidFill>
                     <a:srgbClr val="000000"/>
                   </a:solidFill>
@@ -13492,7 +15856,7 @@
             </a:ln>
             <a:extLst>
               <a:ext uri="{91240B29-F687-4f45-9708-019B960494DF}">
-                <a14:hiddenLine xmlns:a14="http://schemas.microsoft.com/office/drawing/2010/main" xmlns="" w="9525">
+                <a14:hiddenLine xmlns="" xmlns:a14="http://schemas.microsoft.com/office/drawing/2010/main" w="9525">
                   <a:solidFill>
                     <a:srgbClr val="000000"/>
                   </a:solidFill>
@@ -13554,7 +15918,7 @@
             </a:ln>
             <a:extLst>
               <a:ext uri="{91240B29-F687-4f45-9708-019B960494DF}">
-                <a14:hiddenLine xmlns:a14="http://schemas.microsoft.com/office/drawing/2010/main" xmlns="" w="9525">
+                <a14:hiddenLine xmlns="" xmlns:a14="http://schemas.microsoft.com/office/drawing/2010/main" w="9525">
                   <a:solidFill>
                     <a:srgbClr val="000000"/>
                   </a:solidFill>
@@ -13644,7 +16008,7 @@
             </a:ln>
             <a:extLst>
               <a:ext uri="{91240B29-F687-4f45-9708-019B960494DF}">
-                <a14:hiddenLine xmlns:a14="http://schemas.microsoft.com/office/drawing/2010/main" xmlns="" w="9525">
+                <a14:hiddenLine xmlns="" xmlns:a14="http://schemas.microsoft.com/office/drawing/2010/main" w="9525">
                   <a:solidFill>
                     <a:srgbClr val="000000"/>
                   </a:solidFill>
@@ -13706,7 +16070,7 @@
             </a:ln>
             <a:extLst>
               <a:ext uri="{91240B29-F687-4f45-9708-019B960494DF}">
-                <a14:hiddenLine xmlns:a14="http://schemas.microsoft.com/office/drawing/2010/main" xmlns="" w="9525">
+                <a14:hiddenLine xmlns="" xmlns:a14="http://schemas.microsoft.com/office/drawing/2010/main" w="9525">
                   <a:solidFill>
                     <a:srgbClr val="000000"/>
                   </a:solidFill>
@@ -13796,7 +16160,7 @@
             </a:ln>
             <a:extLst>
               <a:ext uri="{91240B29-F687-4f45-9708-019B960494DF}">
-                <a14:hiddenLine xmlns:a14="http://schemas.microsoft.com/office/drawing/2010/main" xmlns="" w="9525">
+                <a14:hiddenLine xmlns="" xmlns:a14="http://schemas.microsoft.com/office/drawing/2010/main" w="9525">
                   <a:solidFill>
                     <a:srgbClr val="000000"/>
                   </a:solidFill>
@@ -13858,7 +16222,7 @@
             </a:ln>
             <a:extLst>
               <a:ext uri="{91240B29-F687-4f45-9708-019B960494DF}">
-                <a14:hiddenLine xmlns:a14="http://schemas.microsoft.com/office/drawing/2010/main" xmlns="" w="9525">
+                <a14:hiddenLine xmlns="" xmlns:a14="http://schemas.microsoft.com/office/drawing/2010/main" w="9525">
                   <a:solidFill>
                     <a:srgbClr val="000000"/>
                   </a:solidFill>
@@ -13948,7 +16312,7 @@
             </a:ln>
             <a:extLst>
               <a:ext uri="{91240B29-F687-4f45-9708-019B960494DF}">
-                <a14:hiddenLine xmlns:a14="http://schemas.microsoft.com/office/drawing/2010/main" xmlns="" w="9525">
+                <a14:hiddenLine xmlns="" xmlns:a14="http://schemas.microsoft.com/office/drawing/2010/main" w="9525">
                   <a:solidFill>
                     <a:srgbClr val="000000"/>
                   </a:solidFill>
@@ -13982,7 +16346,7 @@
             </a:ln>
             <a:extLst>
               <a:ext uri="{91240B29-F687-4f45-9708-019B960494DF}">
-                <a14:hiddenLine xmlns:a14="http://schemas.microsoft.com/office/drawing/2010/main" xmlns="" w="9525">
+                <a14:hiddenLine xmlns="" xmlns:a14="http://schemas.microsoft.com/office/drawing/2010/main" w="9525">
                   <a:solidFill>
                     <a:srgbClr val="000000"/>
                   </a:solidFill>
@@ -14047,7 +16411,7 @@
             </a:ln>
             <a:extLst>
               <a:ext uri="{91240B29-F687-4f45-9708-019B960494DF}">
-                <a14:hiddenLine xmlns:a14="http://schemas.microsoft.com/office/drawing/2010/main" xmlns="" w="9525">
+                <a14:hiddenLine xmlns="" xmlns:a14="http://schemas.microsoft.com/office/drawing/2010/main" w="9525">
                   <a:solidFill>
                     <a:srgbClr val="000000"/>
                   </a:solidFill>
@@ -14137,7 +16501,7 @@
             </a:ln>
             <a:extLst>
               <a:ext uri="{91240B29-F687-4f45-9708-019B960494DF}">
-                <a14:hiddenLine xmlns:a14="http://schemas.microsoft.com/office/drawing/2010/main" xmlns="" w="9525">
+                <a14:hiddenLine xmlns="" xmlns:a14="http://schemas.microsoft.com/office/drawing/2010/main" w="9525">
                   <a:solidFill>
                     <a:srgbClr val="000000"/>
                   </a:solidFill>
@@ -14199,7 +16563,7 @@
             </a:ln>
             <a:extLst>
               <a:ext uri="{91240B29-F687-4f45-9708-019B960494DF}">
-                <a14:hiddenLine xmlns:a14="http://schemas.microsoft.com/office/drawing/2010/main" xmlns="" w="9525">
+                <a14:hiddenLine xmlns="" xmlns:a14="http://schemas.microsoft.com/office/drawing/2010/main" w="9525">
                   <a:solidFill>
                     <a:srgbClr val="000000"/>
                   </a:solidFill>
@@ -14289,7 +16653,7 @@
             </a:ln>
             <a:extLst>
               <a:ext uri="{91240B29-F687-4f45-9708-019B960494DF}">
-                <a14:hiddenLine xmlns:a14="http://schemas.microsoft.com/office/drawing/2010/main" xmlns="" w="9525">
+                <a14:hiddenLine xmlns="" xmlns:a14="http://schemas.microsoft.com/office/drawing/2010/main" w="9525">
                   <a:solidFill>
                     <a:srgbClr val="000000"/>
                   </a:solidFill>
@@ -14379,7 +16743,7 @@
             </a:ln>
             <a:extLst>
               <a:ext uri="{91240B29-F687-4f45-9708-019B960494DF}">
-                <a14:hiddenLine xmlns:a14="http://schemas.microsoft.com/office/drawing/2010/main" xmlns="" w="9525">
+                <a14:hiddenLine xmlns="" xmlns:a14="http://schemas.microsoft.com/office/drawing/2010/main" w="9525">
                   <a:solidFill>
                     <a:srgbClr val="000000"/>
                   </a:solidFill>
@@ -14444,7 +16808,7 @@
             </a:ln>
             <a:extLst>
               <a:ext uri="{91240B29-F687-4f45-9708-019B960494DF}">
-                <a14:hiddenLine xmlns:a14="http://schemas.microsoft.com/office/drawing/2010/main" xmlns="" w="9525">
+                <a14:hiddenLine xmlns="" xmlns:a14="http://schemas.microsoft.com/office/drawing/2010/main" w="9525">
                   <a:solidFill>
                     <a:srgbClr val="000000"/>
                   </a:solidFill>
@@ -14506,7 +16870,7 @@
             </a:ln>
             <a:extLst>
               <a:ext uri="{91240B29-F687-4f45-9708-019B960494DF}">
-                <a14:hiddenLine xmlns:a14="http://schemas.microsoft.com/office/drawing/2010/main" xmlns="" w="9525">
+                <a14:hiddenLine xmlns="" xmlns:a14="http://schemas.microsoft.com/office/drawing/2010/main" w="9525">
                   <a:solidFill>
                     <a:srgbClr val="000000"/>
                   </a:solidFill>
@@ -14596,7 +16960,7 @@
             </a:ln>
             <a:extLst>
               <a:ext uri="{91240B29-F687-4f45-9708-019B960494DF}">
-                <a14:hiddenLine xmlns:a14="http://schemas.microsoft.com/office/drawing/2010/main" xmlns="" w="9525">
+                <a14:hiddenLine xmlns="" xmlns:a14="http://schemas.microsoft.com/office/drawing/2010/main" w="9525">
                   <a:solidFill>
                     <a:srgbClr val="000000"/>
                   </a:solidFill>
@@ -14686,7 +17050,7 @@
             </a:ln>
             <a:extLst>
               <a:ext uri="{91240B29-F687-4f45-9708-019B960494DF}">
-                <a14:hiddenLine xmlns:a14="http://schemas.microsoft.com/office/drawing/2010/main" xmlns="" w="9525">
+                <a14:hiddenLine xmlns="" xmlns:a14="http://schemas.microsoft.com/office/drawing/2010/main" w="9525">
                   <a:solidFill>
                     <a:srgbClr val="000000"/>
                   </a:solidFill>
@@ -14748,7 +17112,7 @@
             </a:ln>
             <a:extLst>
               <a:ext uri="{91240B29-F687-4f45-9708-019B960494DF}">
-                <a14:hiddenLine xmlns:a14="http://schemas.microsoft.com/office/drawing/2010/main" xmlns="" w="9525">
+                <a14:hiddenLine xmlns="" xmlns:a14="http://schemas.microsoft.com/office/drawing/2010/main" w="9525">
                   <a:solidFill>
                     <a:srgbClr val="000000"/>
                   </a:solidFill>
@@ -14868,7 +17232,7 @@
             </a:ln>
             <a:extLst>
               <a:ext uri="{91240B29-F687-4f45-9708-019B960494DF}">
-                <a14:hiddenLine xmlns:a14="http://schemas.microsoft.com/office/drawing/2010/main" xmlns="" w="9525">
+                <a14:hiddenLine xmlns="" xmlns:a14="http://schemas.microsoft.com/office/drawing/2010/main" w="9525">
                   <a:solidFill>
                     <a:srgbClr val="000000"/>
                   </a:solidFill>
@@ -14936,7 +17300,7 @@
             </a:ln>
             <a:extLst>
               <a:ext uri="{91240B29-F687-4f45-9708-019B960494DF}">
-                <a14:hiddenLine xmlns:a14="http://schemas.microsoft.com/office/drawing/2010/main" xmlns="" w="9525">
+                <a14:hiddenLine xmlns="" xmlns:a14="http://schemas.microsoft.com/office/drawing/2010/main" w="9525">
                   <a:solidFill>
                     <a:srgbClr val="000000"/>
                   </a:solidFill>
@@ -15026,7 +17390,7 @@
             </a:ln>
             <a:extLst>
               <a:ext uri="{91240B29-F687-4f45-9708-019B960494DF}">
-                <a14:hiddenLine xmlns:a14="http://schemas.microsoft.com/office/drawing/2010/main" xmlns="" w="9525">
+                <a14:hiddenLine xmlns="" xmlns:a14="http://schemas.microsoft.com/office/drawing/2010/main" w="9525">
                   <a:solidFill>
                     <a:srgbClr val="000000"/>
                   </a:solidFill>
@@ -15166,7 +17530,7 @@
           <a:p>
             <a:fld id="{48A87A34-81AB-432B-8DAE-1953F412C126}" type="datetimeFigureOut">
               <a:rPr lang="en-US" dirty="0"/>
-              <a:t>2/18/2019</a:t>
+              <a:t>2/23/2019</a:t>
             </a:fld>
             <a:endParaRPr lang="en-US" dirty="0"/>
           </a:p>
@@ -15428,7 +17792,7 @@
           <a:p>
             <a:fld id="{48A87A34-81AB-432B-8DAE-1953F412C126}" type="datetimeFigureOut">
               <a:rPr lang="en-US" dirty="0"/>
-              <a:t>2/18/2019</a:t>
+              <a:t>2/23/2019</a:t>
             </a:fld>
             <a:endParaRPr lang="en-US" dirty="0"/>
           </a:p>
@@ -15619,7 +17983,7 @@
           <a:p>
             <a:fld id="{48A87A34-81AB-432B-8DAE-1953F412C126}" type="datetimeFigureOut">
               <a:rPr lang="en-US" dirty="0"/>
-              <a:t>2/18/2019</a:t>
+              <a:t>2/23/2019</a:t>
             </a:fld>
             <a:endParaRPr lang="en-US" dirty="0"/>
           </a:p>
@@ -15877,7 +18241,7 @@
           <a:p>
             <a:fld id="{48A87A34-81AB-432B-8DAE-1953F412C126}" type="datetimeFigureOut">
               <a:rPr lang="en-US" dirty="0"/>
-              <a:t>2/18/2019</a:t>
+              <a:t>2/23/2019</a:t>
             </a:fld>
             <a:endParaRPr lang="en-US" dirty="0"/>
           </a:p>
@@ -16306,7 +18670,7 @@
           <a:p>
             <a:fld id="{48A87A34-81AB-432B-8DAE-1953F412C126}" type="datetimeFigureOut">
               <a:rPr lang="en-US" dirty="0"/>
-              <a:t>2/18/2019</a:t>
+              <a:t>2/23/2019</a:t>
             </a:fld>
             <a:endParaRPr lang="en-US" dirty="0"/>
           </a:p>
@@ -16847,7 +19211,7 @@
           <a:p>
             <a:fld id="{48A87A34-81AB-432B-8DAE-1953F412C126}" type="datetimeFigureOut">
               <a:rPr lang="en-US" dirty="0"/>
-              <a:t>2/18/2019</a:t>
+              <a:t>2/23/2019</a:t>
             </a:fld>
             <a:endParaRPr lang="en-US" dirty="0"/>
           </a:p>
@@ -17562,7 +19926,7 @@
           <a:p>
             <a:fld id="{48A87A34-81AB-432B-8DAE-1953F412C126}" type="datetimeFigureOut">
               <a:rPr lang="en-US" dirty="0"/>
-              <a:t>2/18/2019</a:t>
+              <a:t>2/23/2019</a:t>
             </a:fld>
             <a:endParaRPr lang="en-US" dirty="0"/>
           </a:p>
@@ -17727,7 +20091,7 @@
           <a:p>
             <a:fld id="{48A87A34-81AB-432B-8DAE-1953F412C126}" type="datetimeFigureOut">
               <a:rPr lang="en-US" dirty="0"/>
-              <a:t>2/18/2019</a:t>
+              <a:t>2/23/2019</a:t>
             </a:fld>
             <a:endParaRPr lang="en-US" dirty="0"/>
           </a:p>
@@ -17902,7 +20266,7 @@
           <a:p>
             <a:fld id="{48A87A34-81AB-432B-8DAE-1953F412C126}" type="datetimeFigureOut">
               <a:rPr lang="en-US" dirty="0"/>
-              <a:t>2/18/2019</a:t>
+              <a:t>2/23/2019</a:t>
             </a:fld>
             <a:endParaRPr lang="en-US" dirty="0"/>
           </a:p>
@@ -18067,7 +20431,7 @@
           <a:p>
             <a:fld id="{48A87A34-81AB-432B-8DAE-1953F412C126}" type="datetimeFigureOut">
               <a:rPr lang="en-US" dirty="0"/>
-              <a:t>2/18/2019</a:t>
+              <a:t>2/23/2019</a:t>
             </a:fld>
             <a:endParaRPr lang="en-US" dirty="0"/>
           </a:p>
@@ -18312,7 +20676,7 @@
           <a:p>
             <a:fld id="{48A87A34-81AB-432B-8DAE-1953F412C126}" type="datetimeFigureOut">
               <a:rPr lang="en-US" dirty="0"/>
-              <a:t>2/18/2019</a:t>
+              <a:t>2/23/2019</a:t>
             </a:fld>
             <a:endParaRPr lang="en-US" dirty="0"/>
           </a:p>
@@ -18539,7 +20903,7 @@
           <a:p>
             <a:fld id="{48A87A34-81AB-432B-8DAE-1953F412C126}" type="datetimeFigureOut">
               <a:rPr lang="en-US" dirty="0"/>
-              <a:t>2/18/2019</a:t>
+              <a:t>2/23/2019</a:t>
             </a:fld>
             <a:endParaRPr lang="en-US" dirty="0"/>
           </a:p>
@@ -18915,7 +21279,7 @@
           <a:p>
             <a:fld id="{48A87A34-81AB-432B-8DAE-1953F412C126}" type="datetimeFigureOut">
               <a:rPr lang="en-US" dirty="0"/>
-              <a:t>2/18/2019</a:t>
+              <a:t>2/23/2019</a:t>
             </a:fld>
             <a:endParaRPr lang="en-US" dirty="0"/>
           </a:p>
@@ -19028,7 +21392,7 @@
           <a:p>
             <a:fld id="{48A87A34-81AB-432B-8DAE-1953F412C126}" type="datetimeFigureOut">
               <a:rPr lang="en-US" dirty="0"/>
-              <a:t>2/18/2019</a:t>
+              <a:t>2/23/2019</a:t>
             </a:fld>
             <a:endParaRPr lang="en-US" dirty="0"/>
           </a:p>
@@ -19118,7 +21482,7 @@
           <a:p>
             <a:fld id="{48A87A34-81AB-432B-8DAE-1953F412C126}" type="datetimeFigureOut">
               <a:rPr lang="en-US" dirty="0"/>
-              <a:t>2/18/2019</a:t>
+              <a:t>2/23/2019</a:t>
             </a:fld>
             <a:endParaRPr lang="en-US" dirty="0"/>
           </a:p>
@@ -19362,7 +21726,7 @@
           <a:p>
             <a:fld id="{48A87A34-81AB-432B-8DAE-1953F412C126}" type="datetimeFigureOut">
               <a:rPr lang="en-US" dirty="0"/>
-              <a:t>2/18/2019</a:t>
+              <a:t>2/23/2019</a:t>
             </a:fld>
             <a:endParaRPr lang="en-US" dirty="0"/>
           </a:p>
@@ -19637,7 +22001,7 @@
           <a:p>
             <a:fld id="{48A87A34-81AB-432B-8DAE-1953F412C126}" type="datetimeFigureOut">
               <a:rPr lang="en-US" dirty="0"/>
-              <a:t>2/18/2019</a:t>
+              <a:t>2/23/2019</a:t>
             </a:fld>
             <a:endParaRPr lang="en-US" dirty="0"/>
           </a:p>
@@ -19748,7 +22112,7 @@
           <a:noFill/>
           <a:extLst>
             <a:ext uri="{909E8E84-426E-40dd-AFC4-6F175D3DCCD1}">
-              <a14:hiddenFill xmlns:a14="http://schemas.microsoft.com/office/drawing/2010/main" xmlns="">
+              <a14:hiddenFill xmlns="" xmlns:a14="http://schemas.microsoft.com/office/drawing/2010/main">
                 <a:solidFill>
                   <a:srgbClr val="FFFFFF"/>
                 </a:solidFill>
@@ -19822,7 +22186,7 @@
               </a:ln>
               <a:extLst>
                 <a:ext uri="{91240B29-F687-4f45-9708-019B960494DF}">
-                  <a14:hiddenLine xmlns:a14="http://schemas.microsoft.com/office/drawing/2010/main" xmlns="" w="9525">
+                  <a14:hiddenLine xmlns="" xmlns:a14="http://schemas.microsoft.com/office/drawing/2010/main" w="9525">
                     <a:solidFill>
                       <a:srgbClr val="000000"/>
                     </a:solidFill>
@@ -19912,7 +22276,7 @@
               </a:ln>
               <a:extLst>
                 <a:ext uri="{91240B29-F687-4f45-9708-019B960494DF}">
-                  <a14:hiddenLine xmlns:a14="http://schemas.microsoft.com/office/drawing/2010/main" xmlns="" w="9525">
+                  <a14:hiddenLine xmlns="" xmlns:a14="http://schemas.microsoft.com/office/drawing/2010/main" w="9525">
                     <a:solidFill>
                       <a:srgbClr val="000000"/>
                     </a:solidFill>
@@ -20002,7 +22366,7 @@
               </a:ln>
               <a:extLst>
                 <a:ext uri="{91240B29-F687-4f45-9708-019B960494DF}">
-                  <a14:hiddenLine xmlns:a14="http://schemas.microsoft.com/office/drawing/2010/main" xmlns="" w="9525">
+                  <a14:hiddenLine xmlns="" xmlns:a14="http://schemas.microsoft.com/office/drawing/2010/main" w="9525">
                     <a:solidFill>
                       <a:srgbClr val="000000"/>
                     </a:solidFill>
@@ -20064,7 +22428,7 @@
               </a:ln>
               <a:extLst>
                 <a:ext uri="{91240B29-F687-4f45-9708-019B960494DF}">
-                  <a14:hiddenLine xmlns:a14="http://schemas.microsoft.com/office/drawing/2010/main" xmlns="" w="9525">
+                  <a14:hiddenLine xmlns="" xmlns:a14="http://schemas.microsoft.com/office/drawing/2010/main" w="9525">
                     <a:solidFill>
                       <a:srgbClr val="000000"/>
                     </a:solidFill>
@@ -20154,7 +22518,7 @@
               </a:ln>
               <a:extLst>
                 <a:ext uri="{91240B29-F687-4f45-9708-019B960494DF}">
-                  <a14:hiddenLine xmlns:a14="http://schemas.microsoft.com/office/drawing/2010/main" xmlns="" w="9525">
+                  <a14:hiddenLine xmlns="" xmlns:a14="http://schemas.microsoft.com/office/drawing/2010/main" w="9525">
                     <a:solidFill>
                       <a:srgbClr val="000000"/>
                     </a:solidFill>
@@ -20216,7 +22580,7 @@
               </a:ln>
               <a:extLst>
                 <a:ext uri="{91240B29-F687-4f45-9708-019B960494DF}">
-                  <a14:hiddenLine xmlns:a14="http://schemas.microsoft.com/office/drawing/2010/main" xmlns="" w="9525">
+                  <a14:hiddenLine xmlns="" xmlns:a14="http://schemas.microsoft.com/office/drawing/2010/main" w="9525">
                     <a:solidFill>
                       <a:srgbClr val="000000"/>
                     </a:solidFill>
@@ -20278,7 +22642,7 @@
               </a:ln>
               <a:extLst>
                 <a:ext uri="{91240B29-F687-4f45-9708-019B960494DF}">
-                  <a14:hiddenLine xmlns:a14="http://schemas.microsoft.com/office/drawing/2010/main" xmlns="" w="9525">
+                  <a14:hiddenLine xmlns="" xmlns:a14="http://schemas.microsoft.com/office/drawing/2010/main" w="9525">
                     <a:solidFill>
                       <a:srgbClr val="000000"/>
                     </a:solidFill>
@@ -20368,7 +22732,7 @@
               </a:ln>
               <a:extLst>
                 <a:ext uri="{91240B29-F687-4f45-9708-019B960494DF}">
-                  <a14:hiddenLine xmlns:a14="http://schemas.microsoft.com/office/drawing/2010/main" xmlns="" w="9525">
+                  <a14:hiddenLine xmlns="" xmlns:a14="http://schemas.microsoft.com/office/drawing/2010/main" w="9525">
                     <a:solidFill>
                       <a:srgbClr val="000000"/>
                     </a:solidFill>
@@ -20458,7 +22822,7 @@
               </a:ln>
               <a:extLst>
                 <a:ext uri="{91240B29-F687-4f45-9708-019B960494DF}">
-                  <a14:hiddenLine xmlns:a14="http://schemas.microsoft.com/office/drawing/2010/main" xmlns="" w="9525">
+                  <a14:hiddenLine xmlns="" xmlns:a14="http://schemas.microsoft.com/office/drawing/2010/main" w="9525">
                     <a:solidFill>
                       <a:srgbClr val="000000"/>
                     </a:solidFill>
@@ -20520,7 +22884,7 @@
               </a:ln>
               <a:extLst>
                 <a:ext uri="{91240B29-F687-4f45-9708-019B960494DF}">
-                  <a14:hiddenLine xmlns:a14="http://schemas.microsoft.com/office/drawing/2010/main" xmlns="" w="9525">
+                  <a14:hiddenLine xmlns="" xmlns:a14="http://schemas.microsoft.com/office/drawing/2010/main" w="9525">
                     <a:solidFill>
                       <a:srgbClr val="000000"/>
                     </a:solidFill>
@@ -20630,7 +22994,7 @@
               </a:ln>
               <a:extLst>
                 <a:ext uri="{91240B29-F687-4f45-9708-019B960494DF}">
-                  <a14:hiddenLine xmlns:a14="http://schemas.microsoft.com/office/drawing/2010/main" xmlns="" w="9525">
+                  <a14:hiddenLine xmlns="" xmlns:a14="http://schemas.microsoft.com/office/drawing/2010/main" w="9525">
                     <a:solidFill>
                       <a:srgbClr val="000000"/>
                     </a:solidFill>
@@ -20714,7 +23078,7 @@
               </a:ln>
               <a:extLst>
                 <a:ext uri="{91240B29-F687-4f45-9708-019B960494DF}">
-                  <a14:hiddenLine xmlns:a14="http://schemas.microsoft.com/office/drawing/2010/main" xmlns="" w="9525">
+                  <a14:hiddenLine xmlns="" xmlns:a14="http://schemas.microsoft.com/office/drawing/2010/main" w="9525">
                     <a:solidFill>
                       <a:srgbClr val="000000"/>
                     </a:solidFill>
@@ -20776,7 +23140,7 @@
               </a:ln>
               <a:extLst>
                 <a:ext uri="{91240B29-F687-4f45-9708-019B960494DF}">
-                  <a14:hiddenLine xmlns:a14="http://schemas.microsoft.com/office/drawing/2010/main" xmlns="" w="9525">
+                  <a14:hiddenLine xmlns="" xmlns:a14="http://schemas.microsoft.com/office/drawing/2010/main" w="9525">
                     <a:solidFill>
                       <a:srgbClr val="000000"/>
                     </a:solidFill>
@@ -20838,7 +23202,7 @@
               </a:ln>
               <a:extLst>
                 <a:ext uri="{91240B29-F687-4f45-9708-019B960494DF}">
-                  <a14:hiddenLine xmlns:a14="http://schemas.microsoft.com/office/drawing/2010/main" xmlns="" w="9525">
+                  <a14:hiddenLine xmlns="" xmlns:a14="http://schemas.microsoft.com/office/drawing/2010/main" w="9525">
                     <a:solidFill>
                       <a:srgbClr val="000000"/>
                     </a:solidFill>
@@ -20928,7 +23292,7 @@
               </a:ln>
               <a:extLst>
                 <a:ext uri="{91240B29-F687-4f45-9708-019B960494DF}">
-                  <a14:hiddenLine xmlns:a14="http://schemas.microsoft.com/office/drawing/2010/main" xmlns="" w="9525">
+                  <a14:hiddenLine xmlns="" xmlns:a14="http://schemas.microsoft.com/office/drawing/2010/main" w="9525">
                     <a:solidFill>
                       <a:srgbClr val="000000"/>
                     </a:solidFill>
@@ -20962,7 +23326,7 @@
               </a:ln>
               <a:extLst>
                 <a:ext uri="{91240B29-F687-4f45-9708-019B960494DF}">
-                  <a14:hiddenLine xmlns:a14="http://schemas.microsoft.com/office/drawing/2010/main" xmlns="" w="9525">
+                  <a14:hiddenLine xmlns="" xmlns:a14="http://schemas.microsoft.com/office/drawing/2010/main" w="9525">
                     <a:solidFill>
                       <a:srgbClr val="000000"/>
                     </a:solidFill>
@@ -21027,7 +23391,7 @@
               </a:ln>
               <a:extLst>
                 <a:ext uri="{91240B29-F687-4f45-9708-019B960494DF}">
-                  <a14:hiddenLine xmlns:a14="http://schemas.microsoft.com/office/drawing/2010/main" xmlns="" w="9525">
+                  <a14:hiddenLine xmlns="" xmlns:a14="http://schemas.microsoft.com/office/drawing/2010/main" w="9525">
                     <a:solidFill>
                       <a:srgbClr val="000000"/>
                     </a:solidFill>
@@ -21117,7 +23481,7 @@
               </a:ln>
               <a:extLst>
                 <a:ext uri="{91240B29-F687-4f45-9708-019B960494DF}">
-                  <a14:hiddenLine xmlns:a14="http://schemas.microsoft.com/office/drawing/2010/main" xmlns="" w="9525">
+                  <a14:hiddenLine xmlns="" xmlns:a14="http://schemas.microsoft.com/office/drawing/2010/main" w="9525">
                     <a:solidFill>
                       <a:srgbClr val="000000"/>
                     </a:solidFill>
@@ -21179,7 +23543,7 @@
               </a:ln>
               <a:extLst>
                 <a:ext uri="{91240B29-F687-4f45-9708-019B960494DF}">
-                  <a14:hiddenLine xmlns:a14="http://schemas.microsoft.com/office/drawing/2010/main" xmlns="" w="9525">
+                  <a14:hiddenLine xmlns="" xmlns:a14="http://schemas.microsoft.com/office/drawing/2010/main" w="9525">
                     <a:solidFill>
                       <a:srgbClr val="000000"/>
                     </a:solidFill>
@@ -21269,7 +23633,7 @@
               </a:ln>
               <a:extLst>
                 <a:ext uri="{91240B29-F687-4f45-9708-019B960494DF}">
-                  <a14:hiddenLine xmlns:a14="http://schemas.microsoft.com/office/drawing/2010/main" xmlns="" w="9525">
+                  <a14:hiddenLine xmlns="" xmlns:a14="http://schemas.microsoft.com/office/drawing/2010/main" w="9525">
                     <a:solidFill>
                       <a:srgbClr val="000000"/>
                     </a:solidFill>
@@ -21334,7 +23698,7 @@
               </a:ln>
               <a:extLst>
                 <a:ext uri="{91240B29-F687-4f45-9708-019B960494DF}">
-                  <a14:hiddenLine xmlns:a14="http://schemas.microsoft.com/office/drawing/2010/main" xmlns="" w="9525">
+                  <a14:hiddenLine xmlns="" xmlns:a14="http://schemas.microsoft.com/office/drawing/2010/main" w="9525">
                     <a:solidFill>
                       <a:srgbClr val="000000"/>
                     </a:solidFill>
@@ -21396,7 +23760,7 @@
               </a:ln>
               <a:extLst>
                 <a:ext uri="{91240B29-F687-4f45-9708-019B960494DF}">
-                  <a14:hiddenLine xmlns:a14="http://schemas.microsoft.com/office/drawing/2010/main" xmlns="" w="9525">
+                  <a14:hiddenLine xmlns="" xmlns:a14="http://schemas.microsoft.com/office/drawing/2010/main" w="9525">
                     <a:solidFill>
                       <a:srgbClr val="000000"/>
                     </a:solidFill>
@@ -21486,7 +23850,7 @@
               </a:ln>
               <a:extLst>
                 <a:ext uri="{91240B29-F687-4f45-9708-019B960494DF}">
-                  <a14:hiddenLine xmlns:a14="http://schemas.microsoft.com/office/drawing/2010/main" xmlns="" w="9525">
+                  <a14:hiddenLine xmlns="" xmlns:a14="http://schemas.microsoft.com/office/drawing/2010/main" w="9525">
                     <a:solidFill>
                       <a:srgbClr val="000000"/>
                     </a:solidFill>
@@ -21576,7 +23940,7 @@
               </a:ln>
               <a:extLst>
                 <a:ext uri="{91240B29-F687-4f45-9708-019B960494DF}">
-                  <a14:hiddenLine xmlns:a14="http://schemas.microsoft.com/office/drawing/2010/main" xmlns="" w="9525">
+                  <a14:hiddenLine xmlns="" xmlns:a14="http://schemas.microsoft.com/office/drawing/2010/main" w="9525">
                     <a:solidFill>
                       <a:srgbClr val="000000"/>
                     </a:solidFill>
@@ -21641,7 +24005,7 @@
               </a:ln>
               <a:extLst>
                 <a:ext uri="{91240B29-F687-4f45-9708-019B960494DF}">
-                  <a14:hiddenLine xmlns:a14="http://schemas.microsoft.com/office/drawing/2010/main" xmlns="" w="9525">
+                  <a14:hiddenLine xmlns="" xmlns:a14="http://schemas.microsoft.com/office/drawing/2010/main" w="9525">
                     <a:solidFill>
                       <a:srgbClr val="000000"/>
                     </a:solidFill>
@@ -21761,7 +24125,7 @@
               </a:ln>
               <a:extLst>
                 <a:ext uri="{91240B29-F687-4f45-9708-019B960494DF}">
-                  <a14:hiddenLine xmlns:a14="http://schemas.microsoft.com/office/drawing/2010/main" xmlns="" w="9525">
+                  <a14:hiddenLine xmlns="" xmlns:a14="http://schemas.microsoft.com/office/drawing/2010/main" w="9525">
                     <a:solidFill>
                       <a:srgbClr val="000000"/>
                     </a:solidFill>
@@ -21859,7 +24223,7 @@
               </a:ln>
               <a:extLst>
                 <a:ext uri="{91240B29-F687-4f45-9708-019B960494DF}">
-                  <a14:hiddenLine xmlns:a14="http://schemas.microsoft.com/office/drawing/2010/main" xmlns="" w="9525">
+                  <a14:hiddenLine xmlns="" xmlns:a14="http://schemas.microsoft.com/office/drawing/2010/main" w="9525">
                     <a:solidFill>
                       <a:srgbClr val="000000"/>
                     </a:solidFill>
@@ -21974,7 +24338,7 @@
               </a:ln>
               <a:extLst>
                 <a:ext uri="{91240B29-F687-4f45-9708-019B960494DF}">
-                  <a14:hiddenLine xmlns:a14="http://schemas.microsoft.com/office/drawing/2010/main" xmlns="" w="9525">
+                  <a14:hiddenLine xmlns="" xmlns:a14="http://schemas.microsoft.com/office/drawing/2010/main" w="9525">
                     <a:solidFill>
                       <a:srgbClr val="000000"/>
                     </a:solidFill>
@@ -22064,7 +24428,7 @@
               </a:ln>
               <a:extLst>
                 <a:ext uri="{91240B29-F687-4f45-9708-019B960494DF}">
-                  <a14:hiddenLine xmlns:a14="http://schemas.microsoft.com/office/drawing/2010/main" xmlns="" w="9525">
+                  <a14:hiddenLine xmlns="" xmlns:a14="http://schemas.microsoft.com/office/drawing/2010/main" w="9525">
                     <a:solidFill>
                       <a:srgbClr val="000000"/>
                     </a:solidFill>
@@ -22129,7 +24493,7 @@
               </a:ln>
               <a:extLst>
                 <a:ext uri="{91240B29-F687-4f45-9708-019B960494DF}">
-                  <a14:hiddenLine xmlns:a14="http://schemas.microsoft.com/office/drawing/2010/main" xmlns="" w="9525">
+                  <a14:hiddenLine xmlns="" xmlns:a14="http://schemas.microsoft.com/office/drawing/2010/main" w="9525">
                     <a:solidFill>
                       <a:srgbClr val="000000"/>
                     </a:solidFill>
@@ -22219,7 +24583,7 @@
               </a:ln>
               <a:extLst>
                 <a:ext uri="{91240B29-F687-4f45-9708-019B960494DF}">
-                  <a14:hiddenLine xmlns:a14="http://schemas.microsoft.com/office/drawing/2010/main" xmlns="" w="9525">
+                  <a14:hiddenLine xmlns="" xmlns:a14="http://schemas.microsoft.com/office/drawing/2010/main" w="9525">
                     <a:solidFill>
                       <a:srgbClr val="000000"/>
                     </a:solidFill>
@@ -22287,7 +24651,7 @@
               </a:ln>
               <a:extLst>
                 <a:ext uri="{91240B29-F687-4f45-9708-019B960494DF}">
-                  <a14:hiddenLine xmlns:a14="http://schemas.microsoft.com/office/drawing/2010/main" xmlns="" w="9525">
+                  <a14:hiddenLine xmlns="" xmlns:a14="http://schemas.microsoft.com/office/drawing/2010/main" w="9525">
                     <a:solidFill>
                       <a:srgbClr val="000000"/>
                     </a:solidFill>
@@ -22377,7 +24741,7 @@
               </a:ln>
               <a:extLst>
                 <a:ext uri="{91240B29-F687-4f45-9708-019B960494DF}">
-                  <a14:hiddenLine xmlns:a14="http://schemas.microsoft.com/office/drawing/2010/main" xmlns="" w="9525">
+                  <a14:hiddenLine xmlns="" xmlns:a14="http://schemas.microsoft.com/office/drawing/2010/main" w="9525">
                     <a:solidFill>
                       <a:srgbClr val="000000"/>
                     </a:solidFill>
@@ -22445,7 +24809,7 @@
               </a:ln>
               <a:extLst>
                 <a:ext uri="{91240B29-F687-4f45-9708-019B960494DF}">
-                  <a14:hiddenLine xmlns:a14="http://schemas.microsoft.com/office/drawing/2010/main" xmlns="" w="9525">
+                  <a14:hiddenLine xmlns="" xmlns:a14="http://schemas.microsoft.com/office/drawing/2010/main" w="9525">
                     <a:solidFill>
                       <a:srgbClr val="000000"/>
                     </a:solidFill>
@@ -22535,7 +24899,7 @@
               </a:ln>
               <a:extLst>
                 <a:ext uri="{91240B29-F687-4f45-9708-019B960494DF}">
-                  <a14:hiddenLine xmlns:a14="http://schemas.microsoft.com/office/drawing/2010/main" xmlns="" w="9525">
+                  <a14:hiddenLine xmlns="" xmlns:a14="http://schemas.microsoft.com/office/drawing/2010/main" w="9525">
                     <a:solidFill>
                       <a:srgbClr val="000000"/>
                     </a:solidFill>
@@ -22569,7 +24933,7 @@
               </a:ln>
               <a:extLst>
                 <a:ext uri="{91240B29-F687-4f45-9708-019B960494DF}">
-                  <a14:hiddenLine xmlns:a14="http://schemas.microsoft.com/office/drawing/2010/main" xmlns="" w="9525">
+                  <a14:hiddenLine xmlns="" xmlns:a14="http://schemas.microsoft.com/office/drawing/2010/main" w="9525">
                     <a:solidFill>
                       <a:srgbClr val="000000"/>
                     </a:solidFill>
@@ -22710,7 +25074,7 @@
             <a:fld id="{48A87A34-81AB-432B-8DAE-1953F412C126}" type="datetimeFigureOut">
               <a:rPr lang="en-US" dirty="0"/>
               <a:pPr/>
-              <a:t>2/18/2019</a:t>
+              <a:t>2/23/2019</a:t>
             </a:fld>
             <a:endParaRPr lang="en-US" dirty="0"/>
           </a:p>
@@ -24701,7 +27065,7 @@
           <p:nvPr>
             <p:extLst>
               <p:ext uri="{D42A27DB-BD31-4B8C-83A1-F6EECF244321}">
-                <p14:modId xmlns:p14="http://schemas.microsoft.com/office/powerpoint/2010/main" val="3759351837"/>
+                <p14:modId xmlns:p14="http://schemas.microsoft.com/office/powerpoint/2010/main" val="485649652"/>
               </p:ext>
             </p:extLst>
           </p:nvPr>
@@ -24867,44 +27231,6 @@
                           <a:ea typeface="Times New Roman" panose="02020603050405020304" pitchFamily="18" charset="0"/>
                           <a:cs typeface="Angsana New" panose="02020603050405020304" pitchFamily="18" charset="-34"/>
                         </a:rPr>
-                        <a:t>2556</a:t>
-                      </a:r>
-                      <a:endParaRPr lang="en-US" sz="2000" b="1" dirty="0">
-                        <a:solidFill>
-                          <a:schemeClr val="tx1"/>
-                        </a:solidFill>
-                        <a:effectLst/>
-                        <a:latin typeface="Angsana New" panose="02020603050405020304" pitchFamily="18" charset="-34"/>
-                        <a:ea typeface="SimSun" panose="02010600030101010101" pitchFamily="2" charset="-122"/>
-                        <a:cs typeface="Angsana New" panose="02020603050405020304" pitchFamily="18" charset="-34"/>
-                      </a:endParaRPr>
-                    </a:p>
-                  </a:txBody>
-                  <a:tcPr marL="68580" marR="68580" marT="0" marB="0" anchor="ctr"/>
-                </a:tc>
-                <a:tc>
-                  <a:txBody>
-                    <a:bodyPr/>
-                    <a:lstStyle/>
-                    <a:p>
-                      <a:pPr marL="0" marR="0" algn="ctr">
-                        <a:spcBef>
-                          <a:spcPts val="0"/>
-                        </a:spcBef>
-                        <a:spcAft>
-                          <a:spcPts val="0"/>
-                        </a:spcAft>
-                      </a:pPr>
-                      <a:r>
-                        <a:rPr lang="en-US" sz="2400" b="1" dirty="0">
-                          <a:solidFill>
-                            <a:schemeClr val="tx1"/>
-                          </a:solidFill>
-                          <a:effectLst/>
-                          <a:latin typeface="Angsana New" panose="02020603050405020304" pitchFamily="18" charset="-34"/>
-                          <a:ea typeface="Times New Roman" panose="02020603050405020304" pitchFamily="18" charset="0"/>
-                          <a:cs typeface="Angsana New" panose="02020603050405020304" pitchFamily="18" charset="-34"/>
-                        </a:rPr>
                         <a:t>2557</a:t>
                       </a:r>
                       <a:endParaRPr lang="en-US" sz="2000" b="1" dirty="0">
@@ -24982,6 +27308,44 @@
                           <a:cs typeface="Angsana New" panose="02020603050405020304" pitchFamily="18" charset="-34"/>
                         </a:rPr>
                         <a:t>2559</a:t>
+                      </a:r>
+                      <a:endParaRPr lang="en-US" sz="2000" b="1" dirty="0">
+                        <a:solidFill>
+                          <a:schemeClr val="tx1"/>
+                        </a:solidFill>
+                        <a:effectLst/>
+                        <a:latin typeface="Angsana New" panose="02020603050405020304" pitchFamily="18" charset="-34"/>
+                        <a:ea typeface="SimSun" panose="02010600030101010101" pitchFamily="2" charset="-122"/>
+                        <a:cs typeface="Angsana New" panose="02020603050405020304" pitchFamily="18" charset="-34"/>
+                      </a:endParaRPr>
+                    </a:p>
+                  </a:txBody>
+                  <a:tcPr marL="68580" marR="68580" marT="0" marB="0" anchor="ctr"/>
+                </a:tc>
+                <a:tc>
+                  <a:txBody>
+                    <a:bodyPr/>
+                    <a:lstStyle/>
+                    <a:p>
+                      <a:pPr marL="0" marR="0" algn="ctr">
+                        <a:spcBef>
+                          <a:spcPts val="0"/>
+                        </a:spcBef>
+                        <a:spcAft>
+                          <a:spcPts val="0"/>
+                        </a:spcAft>
+                      </a:pPr>
+                      <a:r>
+                        <a:rPr lang="en-US" sz="2400" b="1" dirty="0">
+                          <a:solidFill>
+                            <a:schemeClr val="tx1"/>
+                          </a:solidFill>
+                          <a:effectLst/>
+                          <a:latin typeface="Angsana New" panose="02020603050405020304" pitchFamily="18" charset="-34"/>
+                          <a:ea typeface="Times New Roman" panose="02020603050405020304" pitchFamily="18" charset="0"/>
+                          <a:cs typeface="Angsana New" panose="02020603050405020304" pitchFamily="18" charset="-34"/>
+                        </a:rPr>
+                        <a:t>2560</a:t>
                       </a:r>
                       <a:endParaRPr lang="en-US" sz="2000" b="1" dirty="0">
                         <a:solidFill>
@@ -27753,6 +30117,2225 @@
           <a:chExt cx="0" cy="0"/>
         </a:xfrm>
       </p:grpSpPr>
+      <p:pic>
+        <p:nvPicPr>
+          <p:cNvPr id="13" name="Picture 12">
+            <a:extLst>
+              <a:ext uri="{FF2B5EF4-FFF2-40B4-BE49-F238E27FC236}">
+                <a16:creationId xmlns:a16="http://schemas.microsoft.com/office/drawing/2014/main" id="{DECD9B49-64C2-4EB1-A691-54EB765E203F}"/>
+              </a:ext>
+            </a:extLst>
+          </p:cNvPr>
+          <p:cNvPicPr>
+            <a:picLocks noChangeAspect="1"/>
+          </p:cNvPicPr>
+          <p:nvPr/>
+        </p:nvPicPr>
+        <p:blipFill>
+          <a:blip r:embed="rId2"/>
+          <a:stretch>
+            <a:fillRect/>
+          </a:stretch>
+        </p:blipFill>
+        <p:spPr>
+          <a:xfrm>
+            <a:off x="11077157" y="61971"/>
+            <a:ext cx="1010943" cy="1010943"/>
+          </a:xfrm>
+          <a:prstGeom prst="rect">
+            <a:avLst/>
+          </a:prstGeom>
+        </p:spPr>
+      </p:pic>
+      <p:sp>
+        <p:nvSpPr>
+          <p:cNvPr id="8" name="Subtitle 2">
+            <a:extLst>
+              <a:ext uri="{FF2B5EF4-FFF2-40B4-BE49-F238E27FC236}">
+                <a16:creationId xmlns:a16="http://schemas.microsoft.com/office/drawing/2014/main" id="{5F5FF95F-9A9C-4A68-92C3-3DBC369D6581}"/>
+              </a:ext>
+            </a:extLst>
+          </p:cNvPr>
+          <p:cNvSpPr txBox="1">
+            <a:spLocks/>
+          </p:cNvSpPr>
+          <p:nvPr/>
+        </p:nvSpPr>
+        <p:spPr>
+          <a:xfrm>
+            <a:off x="0" y="6400800"/>
+            <a:ext cx="12191999" cy="457199"/>
+          </a:xfrm>
+          <a:prstGeom prst="rect">
+            <a:avLst/>
+          </a:prstGeom>
+          <a:solidFill>
+            <a:srgbClr val="00B050"/>
+          </a:solidFill>
+          <a:ln>
+            <a:noFill/>
+          </a:ln>
+          <a:effectLst>
+            <a:outerShdw blurRad="190500" dist="228600" dir="2700000" algn="ctr">
+              <a:srgbClr val="000000">
+                <a:alpha val="30000"/>
+              </a:srgbClr>
+            </a:outerShdw>
+          </a:effectLst>
+          <a:scene3d>
+            <a:camera prst="orthographicFront">
+              <a:rot lat="0" lon="0" rev="0"/>
+            </a:camera>
+            <a:lightRig rig="glow" dir="t">
+              <a:rot lat="0" lon="0" rev="4800000"/>
+            </a:lightRig>
+          </a:scene3d>
+          <a:sp3d prstMaterial="matte">
+            <a:bevelT w="127000" h="63500"/>
+          </a:sp3d>
+        </p:spPr>
+        <p:txBody>
+          <a:bodyPr vert="horz" lIns="91440" tIns="45720" rIns="91440" bIns="45720" rtlCol="0" anchor="b">
+            <a:noAutofit/>
+          </a:bodyPr>
+          <a:lstStyle>
+            <a:lvl1pPr marL="228600" indent="-228600" algn="l" defTabSz="914400" rtl="0" eaLnBrk="1" latinLnBrk="0" hangingPunct="1">
+              <a:lnSpc>
+                <a:spcPct val="120000"/>
+              </a:lnSpc>
+              <a:spcBef>
+                <a:spcPts val="1000"/>
+              </a:spcBef>
+              <a:buSzPct val="125000"/>
+              <a:buFont typeface="Arial" panose="020B0604020202020204" pitchFamily="34" charset="0"/>
+              <a:buChar char="•"/>
+              <a:defRPr sz="2400" kern="1200">
+                <a:solidFill>
+                  <a:schemeClr val="tx1"/>
+                </a:solidFill>
+                <a:latin typeface="+mn-lt"/>
+                <a:ea typeface="+mn-ea"/>
+                <a:cs typeface="+mn-cs"/>
+              </a:defRPr>
+            </a:lvl1pPr>
+            <a:lvl2pPr marL="685800" indent="-228600" algn="l" defTabSz="914400" rtl="0" eaLnBrk="1" latinLnBrk="0" hangingPunct="1">
+              <a:lnSpc>
+                <a:spcPct val="120000"/>
+              </a:lnSpc>
+              <a:spcBef>
+                <a:spcPts val="500"/>
+              </a:spcBef>
+              <a:buSzPct val="125000"/>
+              <a:buFont typeface="Arial" panose="020B0604020202020204" pitchFamily="34" charset="0"/>
+              <a:buChar char="•"/>
+              <a:defRPr sz="2000" kern="1200">
+                <a:solidFill>
+                  <a:schemeClr val="tx1"/>
+                </a:solidFill>
+                <a:latin typeface="+mn-lt"/>
+                <a:ea typeface="+mn-ea"/>
+                <a:cs typeface="+mn-cs"/>
+              </a:defRPr>
+            </a:lvl2pPr>
+            <a:lvl3pPr marL="1143000" indent="-228600" algn="l" defTabSz="914400" rtl="0" eaLnBrk="1" latinLnBrk="0" hangingPunct="1">
+              <a:lnSpc>
+                <a:spcPct val="120000"/>
+              </a:lnSpc>
+              <a:spcBef>
+                <a:spcPts val="500"/>
+              </a:spcBef>
+              <a:buSzPct val="125000"/>
+              <a:buFont typeface="Arial" panose="020B0604020202020204" pitchFamily="34" charset="0"/>
+              <a:buChar char="•"/>
+              <a:defRPr sz="1800" kern="1200">
+                <a:solidFill>
+                  <a:schemeClr val="tx1"/>
+                </a:solidFill>
+                <a:latin typeface="+mn-lt"/>
+                <a:ea typeface="+mn-ea"/>
+                <a:cs typeface="+mn-cs"/>
+              </a:defRPr>
+            </a:lvl3pPr>
+            <a:lvl4pPr marL="1600200" indent="-228600" algn="l" defTabSz="914400" rtl="0" eaLnBrk="1" latinLnBrk="0" hangingPunct="1">
+              <a:lnSpc>
+                <a:spcPct val="120000"/>
+              </a:lnSpc>
+              <a:spcBef>
+                <a:spcPts val="500"/>
+              </a:spcBef>
+              <a:buSzPct val="125000"/>
+              <a:buFont typeface="Arial" panose="020B0604020202020204" pitchFamily="34" charset="0"/>
+              <a:buChar char="•"/>
+              <a:defRPr sz="1600" kern="1200">
+                <a:solidFill>
+                  <a:schemeClr val="tx1"/>
+                </a:solidFill>
+                <a:latin typeface="+mn-lt"/>
+                <a:ea typeface="+mn-ea"/>
+                <a:cs typeface="+mn-cs"/>
+              </a:defRPr>
+            </a:lvl4pPr>
+            <a:lvl5pPr marL="2057400" indent="-228600" algn="l" defTabSz="914400" rtl="0" eaLnBrk="1" latinLnBrk="0" hangingPunct="1">
+              <a:lnSpc>
+                <a:spcPct val="120000"/>
+              </a:lnSpc>
+              <a:spcBef>
+                <a:spcPts val="500"/>
+              </a:spcBef>
+              <a:buSzPct val="125000"/>
+              <a:buFont typeface="Arial" panose="020B0604020202020204" pitchFamily="34" charset="0"/>
+              <a:buChar char="•"/>
+              <a:defRPr sz="1600" kern="1200">
+                <a:solidFill>
+                  <a:schemeClr val="tx1"/>
+                </a:solidFill>
+                <a:latin typeface="+mn-lt"/>
+                <a:ea typeface="+mn-ea"/>
+                <a:cs typeface="+mn-cs"/>
+              </a:defRPr>
+            </a:lvl5pPr>
+            <a:lvl6pPr marL="2514600" indent="-228600" algn="l" defTabSz="914400" rtl="0" eaLnBrk="1" latinLnBrk="0" hangingPunct="1">
+              <a:lnSpc>
+                <a:spcPct val="120000"/>
+              </a:lnSpc>
+              <a:spcBef>
+                <a:spcPts val="500"/>
+              </a:spcBef>
+              <a:buSzPct val="125000"/>
+              <a:buFont typeface="Arial" panose="020B0604020202020204" pitchFamily="34" charset="0"/>
+              <a:buChar char="•"/>
+              <a:defRPr sz="1400" kern="1200">
+                <a:solidFill>
+                  <a:schemeClr val="tx1"/>
+                </a:solidFill>
+                <a:latin typeface="+mn-lt"/>
+                <a:ea typeface="+mn-ea"/>
+                <a:cs typeface="+mn-cs"/>
+              </a:defRPr>
+            </a:lvl6pPr>
+            <a:lvl7pPr marL="2971800" indent="-228600" algn="l" defTabSz="914400" rtl="0" eaLnBrk="1" latinLnBrk="0" hangingPunct="1">
+              <a:lnSpc>
+                <a:spcPct val="120000"/>
+              </a:lnSpc>
+              <a:spcBef>
+                <a:spcPts val="500"/>
+              </a:spcBef>
+              <a:buSzPct val="125000"/>
+              <a:buFont typeface="Arial" panose="020B0604020202020204" pitchFamily="34" charset="0"/>
+              <a:buChar char="•"/>
+              <a:defRPr sz="1400" kern="1200">
+                <a:solidFill>
+                  <a:schemeClr val="tx1"/>
+                </a:solidFill>
+                <a:latin typeface="+mn-lt"/>
+                <a:ea typeface="+mn-ea"/>
+                <a:cs typeface="+mn-cs"/>
+              </a:defRPr>
+            </a:lvl7pPr>
+            <a:lvl8pPr marL="3429000" indent="-228600" algn="l" defTabSz="914400" rtl="0" eaLnBrk="1" latinLnBrk="0" hangingPunct="1">
+              <a:lnSpc>
+                <a:spcPct val="120000"/>
+              </a:lnSpc>
+              <a:spcBef>
+                <a:spcPts val="500"/>
+              </a:spcBef>
+              <a:buSzPct val="125000"/>
+              <a:buFont typeface="Arial" panose="020B0604020202020204" pitchFamily="34" charset="0"/>
+              <a:buChar char="•"/>
+              <a:defRPr sz="1400" kern="1200">
+                <a:solidFill>
+                  <a:schemeClr val="tx1"/>
+                </a:solidFill>
+                <a:latin typeface="+mn-lt"/>
+                <a:ea typeface="+mn-ea"/>
+                <a:cs typeface="+mn-cs"/>
+              </a:defRPr>
+            </a:lvl8pPr>
+            <a:lvl9pPr marL="3886200" indent="-228600" algn="l" defTabSz="914400" rtl="0" eaLnBrk="1" latinLnBrk="0" hangingPunct="1">
+              <a:lnSpc>
+                <a:spcPct val="120000"/>
+              </a:lnSpc>
+              <a:spcBef>
+                <a:spcPts val="500"/>
+              </a:spcBef>
+              <a:buSzPct val="125000"/>
+              <a:buFont typeface="Arial" panose="020B0604020202020204" pitchFamily="34" charset="0"/>
+              <a:buChar char="•"/>
+              <a:defRPr sz="1400" kern="1200">
+                <a:solidFill>
+                  <a:schemeClr val="tx1"/>
+                </a:solidFill>
+                <a:latin typeface="+mn-lt"/>
+                <a:ea typeface="+mn-ea"/>
+                <a:cs typeface="+mn-cs"/>
+              </a:defRPr>
+            </a:lvl9pPr>
+          </a:lstStyle>
+          <a:p>
+            <a:pPr marL="0" indent="0" algn="ctr">
+              <a:buNone/>
+            </a:pPr>
+            <a:r>
+              <a:rPr lang="th-TH" sz="2800" b="1" dirty="0">
+                <a:effectLst>
+                  <a:outerShdw blurRad="38100" dist="38100" dir="2700000" algn="tl">
+                    <a:srgbClr val="000000">
+                      <a:alpha val="43137"/>
+                    </a:srgbClr>
+                  </a:outerShdw>
+                </a:effectLst>
+                <a:cs typeface="+mj-cs"/>
+              </a:rPr>
+              <a:t>สำนักงานสาธารณสุขจังหวัดชุมพร</a:t>
+            </a:r>
+            <a:endParaRPr lang="en-US" sz="2800" b="1" dirty="0">
+              <a:effectLst>
+                <a:outerShdw blurRad="38100" dist="38100" dir="2700000" algn="tl">
+                  <a:srgbClr val="000000">
+                    <a:alpha val="43137"/>
+                  </a:srgbClr>
+                </a:outerShdw>
+              </a:effectLst>
+              <a:cs typeface="+mj-cs"/>
+            </a:endParaRPr>
+          </a:p>
+        </p:txBody>
+      </p:sp>
+      <p:graphicFrame>
+        <p:nvGraphicFramePr>
+          <p:cNvPr id="6" name="Chart 5">
+            <a:extLst>
+              <a:ext uri="{FF2B5EF4-FFF2-40B4-BE49-F238E27FC236}">
+                <a16:creationId xmlns:a16="http://schemas.microsoft.com/office/drawing/2014/main" id="{35265CBA-3097-41D8-AAA4-B73E40CBCF72}"/>
+              </a:ext>
+            </a:extLst>
+          </p:cNvPr>
+          <p:cNvGraphicFramePr/>
+          <p:nvPr>
+            <p:extLst>
+              <p:ext uri="{D42A27DB-BD31-4B8C-83A1-F6EECF244321}">
+                <p14:modId xmlns:p14="http://schemas.microsoft.com/office/powerpoint/2010/main" val="2109633683"/>
+              </p:ext>
+            </p:extLst>
+          </p:nvPr>
+        </p:nvGraphicFramePr>
+        <p:xfrm>
+          <a:off x="981512" y="243282"/>
+          <a:ext cx="10024844" cy="5895052"/>
+        </p:xfrm>
+        <a:graphic>
+          <a:graphicData uri="http://schemas.openxmlformats.org/drawingml/2006/chart">
+            <c:chart xmlns:c="http://schemas.openxmlformats.org/drawingml/2006/chart" xmlns:r="http://schemas.openxmlformats.org/officeDocument/2006/relationships" r:id="rId3"/>
+          </a:graphicData>
+        </a:graphic>
+      </p:graphicFrame>
+    </p:spTree>
+    <p:extLst>
+      <p:ext uri="{BB962C8B-B14F-4D97-AF65-F5344CB8AC3E}">
+        <p14:creationId xmlns:p14="http://schemas.microsoft.com/office/powerpoint/2010/main" val="2391453270"/>
+      </p:ext>
+    </p:extLst>
+  </p:cSld>
+  <p:clrMapOvr>
+    <a:masterClrMapping/>
+  </p:clrMapOvr>
+</p:sld>
+</file>
+
+<file path=ppt/slides/slide14.xml><?xml version="1.0" encoding="utf-8"?>
+<p:sld xmlns:a="http://schemas.openxmlformats.org/drawingml/2006/main" xmlns:r="http://schemas.openxmlformats.org/officeDocument/2006/relationships" xmlns:p="http://schemas.openxmlformats.org/presentationml/2006/main">
+  <p:cSld>
+    <p:spTree>
+      <p:nvGrpSpPr>
+        <p:cNvPr id="1" name=""/>
+        <p:cNvGrpSpPr/>
+        <p:nvPr/>
+      </p:nvGrpSpPr>
+      <p:grpSpPr>
+        <a:xfrm>
+          <a:off x="0" y="0"/>
+          <a:ext cx="0" cy="0"/>
+          <a:chOff x="0" y="0"/>
+          <a:chExt cx="0" cy="0"/>
+        </a:xfrm>
+      </p:grpSpPr>
+      <p:sp>
+        <p:nvSpPr>
+          <p:cNvPr id="2" name="Title 1">
+            <a:extLst>
+              <a:ext uri="{FF2B5EF4-FFF2-40B4-BE49-F238E27FC236}">
+                <a16:creationId xmlns:a16="http://schemas.microsoft.com/office/drawing/2014/main" id="{86618B59-AB30-4EEE-94B7-E0C092AACD56}"/>
+              </a:ext>
+            </a:extLst>
+          </p:cNvPr>
+          <p:cNvSpPr>
+            <a:spLocks noGrp="1"/>
+          </p:cNvSpPr>
+          <p:nvPr>
+            <p:ph type="title"/>
+          </p:nvPr>
+        </p:nvSpPr>
+        <p:spPr>
+          <a:xfrm>
+            <a:off x="1143000" y="214469"/>
+            <a:ext cx="7380215" cy="1338587"/>
+          </a:xfrm>
+        </p:spPr>
+        <p:txBody>
+          <a:bodyPr>
+            <a:normAutofit fontScale="90000"/>
+          </a:bodyPr>
+          <a:lstStyle/>
+          <a:p>
+            <a:r>
+              <a:rPr lang="th-TH" sz="6000" b="1" dirty="0">
+                <a:effectLst>
+                  <a:outerShdw blurRad="38100" dist="38100" dir="2700000" algn="tl">
+                    <a:srgbClr val="000000">
+                      <a:alpha val="43137"/>
+                    </a:srgbClr>
+                  </a:outerShdw>
+                </a:effectLst>
+              </a:rPr>
+              <a:t>บุคลากรด้านการแพทย์และสาธารณสุข</a:t>
+            </a:r>
+            <a:endParaRPr lang="en-US" sz="6000" b="1" dirty="0">
+              <a:effectLst>
+                <a:outerShdw blurRad="38100" dist="38100" dir="2700000" algn="tl">
+                  <a:srgbClr val="000000">
+                    <a:alpha val="43137"/>
+                  </a:srgbClr>
+                </a:outerShdw>
+              </a:effectLst>
+            </a:endParaRPr>
+          </a:p>
+        </p:txBody>
+      </p:sp>
+      <p:pic>
+        <p:nvPicPr>
+          <p:cNvPr id="13" name="Picture 12">
+            <a:extLst>
+              <a:ext uri="{FF2B5EF4-FFF2-40B4-BE49-F238E27FC236}">
+                <a16:creationId xmlns:a16="http://schemas.microsoft.com/office/drawing/2014/main" id="{DECD9B49-64C2-4EB1-A691-54EB765E203F}"/>
+              </a:ext>
+            </a:extLst>
+          </p:cNvPr>
+          <p:cNvPicPr>
+            <a:picLocks noChangeAspect="1"/>
+          </p:cNvPicPr>
+          <p:nvPr/>
+        </p:nvPicPr>
+        <p:blipFill>
+          <a:blip r:embed="rId2"/>
+          <a:stretch>
+            <a:fillRect/>
+          </a:stretch>
+        </p:blipFill>
+        <p:spPr>
+          <a:xfrm>
+            <a:off x="11077157" y="61971"/>
+            <a:ext cx="1010943" cy="1010943"/>
+          </a:xfrm>
+          <a:prstGeom prst="rect">
+            <a:avLst/>
+          </a:prstGeom>
+        </p:spPr>
+      </p:pic>
+      <p:sp>
+        <p:nvSpPr>
+          <p:cNvPr id="8" name="Subtitle 2">
+            <a:extLst>
+              <a:ext uri="{FF2B5EF4-FFF2-40B4-BE49-F238E27FC236}">
+                <a16:creationId xmlns:a16="http://schemas.microsoft.com/office/drawing/2014/main" id="{5F5FF95F-9A9C-4A68-92C3-3DBC369D6581}"/>
+              </a:ext>
+            </a:extLst>
+          </p:cNvPr>
+          <p:cNvSpPr txBox="1">
+            <a:spLocks/>
+          </p:cNvSpPr>
+          <p:nvPr/>
+        </p:nvSpPr>
+        <p:spPr>
+          <a:xfrm>
+            <a:off x="0" y="6400800"/>
+            <a:ext cx="12191999" cy="457199"/>
+          </a:xfrm>
+          <a:prstGeom prst="rect">
+            <a:avLst/>
+          </a:prstGeom>
+          <a:solidFill>
+            <a:srgbClr val="00B050"/>
+          </a:solidFill>
+          <a:ln>
+            <a:noFill/>
+          </a:ln>
+          <a:effectLst>
+            <a:outerShdw blurRad="190500" dist="228600" dir="2700000" algn="ctr">
+              <a:srgbClr val="000000">
+                <a:alpha val="30000"/>
+              </a:srgbClr>
+            </a:outerShdw>
+          </a:effectLst>
+          <a:scene3d>
+            <a:camera prst="orthographicFront">
+              <a:rot lat="0" lon="0" rev="0"/>
+            </a:camera>
+            <a:lightRig rig="glow" dir="t">
+              <a:rot lat="0" lon="0" rev="4800000"/>
+            </a:lightRig>
+          </a:scene3d>
+          <a:sp3d prstMaterial="matte">
+            <a:bevelT w="127000" h="63500"/>
+          </a:sp3d>
+        </p:spPr>
+        <p:txBody>
+          <a:bodyPr vert="horz" lIns="91440" tIns="45720" rIns="91440" bIns="45720" rtlCol="0" anchor="b">
+            <a:noAutofit/>
+          </a:bodyPr>
+          <a:lstStyle>
+            <a:lvl1pPr marL="228600" indent="-228600" algn="l" defTabSz="914400" rtl="0" eaLnBrk="1" latinLnBrk="0" hangingPunct="1">
+              <a:lnSpc>
+                <a:spcPct val="120000"/>
+              </a:lnSpc>
+              <a:spcBef>
+                <a:spcPts val="1000"/>
+              </a:spcBef>
+              <a:buSzPct val="125000"/>
+              <a:buFont typeface="Arial" panose="020B0604020202020204" pitchFamily="34" charset="0"/>
+              <a:buChar char="•"/>
+              <a:defRPr sz="2400" kern="1200">
+                <a:solidFill>
+                  <a:schemeClr val="tx1"/>
+                </a:solidFill>
+                <a:latin typeface="+mn-lt"/>
+                <a:ea typeface="+mn-ea"/>
+                <a:cs typeface="+mn-cs"/>
+              </a:defRPr>
+            </a:lvl1pPr>
+            <a:lvl2pPr marL="685800" indent="-228600" algn="l" defTabSz="914400" rtl="0" eaLnBrk="1" latinLnBrk="0" hangingPunct="1">
+              <a:lnSpc>
+                <a:spcPct val="120000"/>
+              </a:lnSpc>
+              <a:spcBef>
+                <a:spcPts val="500"/>
+              </a:spcBef>
+              <a:buSzPct val="125000"/>
+              <a:buFont typeface="Arial" panose="020B0604020202020204" pitchFamily="34" charset="0"/>
+              <a:buChar char="•"/>
+              <a:defRPr sz="2000" kern="1200">
+                <a:solidFill>
+                  <a:schemeClr val="tx1"/>
+                </a:solidFill>
+                <a:latin typeface="+mn-lt"/>
+                <a:ea typeface="+mn-ea"/>
+                <a:cs typeface="+mn-cs"/>
+              </a:defRPr>
+            </a:lvl2pPr>
+            <a:lvl3pPr marL="1143000" indent="-228600" algn="l" defTabSz="914400" rtl="0" eaLnBrk="1" latinLnBrk="0" hangingPunct="1">
+              <a:lnSpc>
+                <a:spcPct val="120000"/>
+              </a:lnSpc>
+              <a:spcBef>
+                <a:spcPts val="500"/>
+              </a:spcBef>
+              <a:buSzPct val="125000"/>
+              <a:buFont typeface="Arial" panose="020B0604020202020204" pitchFamily="34" charset="0"/>
+              <a:buChar char="•"/>
+              <a:defRPr sz="1800" kern="1200">
+                <a:solidFill>
+                  <a:schemeClr val="tx1"/>
+                </a:solidFill>
+                <a:latin typeface="+mn-lt"/>
+                <a:ea typeface="+mn-ea"/>
+                <a:cs typeface="+mn-cs"/>
+              </a:defRPr>
+            </a:lvl3pPr>
+            <a:lvl4pPr marL="1600200" indent="-228600" algn="l" defTabSz="914400" rtl="0" eaLnBrk="1" latinLnBrk="0" hangingPunct="1">
+              <a:lnSpc>
+                <a:spcPct val="120000"/>
+              </a:lnSpc>
+              <a:spcBef>
+                <a:spcPts val="500"/>
+              </a:spcBef>
+              <a:buSzPct val="125000"/>
+              <a:buFont typeface="Arial" panose="020B0604020202020204" pitchFamily="34" charset="0"/>
+              <a:buChar char="•"/>
+              <a:defRPr sz="1600" kern="1200">
+                <a:solidFill>
+                  <a:schemeClr val="tx1"/>
+                </a:solidFill>
+                <a:latin typeface="+mn-lt"/>
+                <a:ea typeface="+mn-ea"/>
+                <a:cs typeface="+mn-cs"/>
+              </a:defRPr>
+            </a:lvl4pPr>
+            <a:lvl5pPr marL="2057400" indent="-228600" algn="l" defTabSz="914400" rtl="0" eaLnBrk="1" latinLnBrk="0" hangingPunct="1">
+              <a:lnSpc>
+                <a:spcPct val="120000"/>
+              </a:lnSpc>
+              <a:spcBef>
+                <a:spcPts val="500"/>
+              </a:spcBef>
+              <a:buSzPct val="125000"/>
+              <a:buFont typeface="Arial" panose="020B0604020202020204" pitchFamily="34" charset="0"/>
+              <a:buChar char="•"/>
+              <a:defRPr sz="1600" kern="1200">
+                <a:solidFill>
+                  <a:schemeClr val="tx1"/>
+                </a:solidFill>
+                <a:latin typeface="+mn-lt"/>
+                <a:ea typeface="+mn-ea"/>
+                <a:cs typeface="+mn-cs"/>
+              </a:defRPr>
+            </a:lvl5pPr>
+            <a:lvl6pPr marL="2514600" indent="-228600" algn="l" defTabSz="914400" rtl="0" eaLnBrk="1" latinLnBrk="0" hangingPunct="1">
+              <a:lnSpc>
+                <a:spcPct val="120000"/>
+              </a:lnSpc>
+              <a:spcBef>
+                <a:spcPts val="500"/>
+              </a:spcBef>
+              <a:buSzPct val="125000"/>
+              <a:buFont typeface="Arial" panose="020B0604020202020204" pitchFamily="34" charset="0"/>
+              <a:buChar char="•"/>
+              <a:defRPr sz="1400" kern="1200">
+                <a:solidFill>
+                  <a:schemeClr val="tx1"/>
+                </a:solidFill>
+                <a:latin typeface="+mn-lt"/>
+                <a:ea typeface="+mn-ea"/>
+                <a:cs typeface="+mn-cs"/>
+              </a:defRPr>
+            </a:lvl6pPr>
+            <a:lvl7pPr marL="2971800" indent="-228600" algn="l" defTabSz="914400" rtl="0" eaLnBrk="1" latinLnBrk="0" hangingPunct="1">
+              <a:lnSpc>
+                <a:spcPct val="120000"/>
+              </a:lnSpc>
+              <a:spcBef>
+                <a:spcPts val="500"/>
+              </a:spcBef>
+              <a:buSzPct val="125000"/>
+              <a:buFont typeface="Arial" panose="020B0604020202020204" pitchFamily="34" charset="0"/>
+              <a:buChar char="•"/>
+              <a:defRPr sz="1400" kern="1200">
+                <a:solidFill>
+                  <a:schemeClr val="tx1"/>
+                </a:solidFill>
+                <a:latin typeface="+mn-lt"/>
+                <a:ea typeface="+mn-ea"/>
+                <a:cs typeface="+mn-cs"/>
+              </a:defRPr>
+            </a:lvl7pPr>
+            <a:lvl8pPr marL="3429000" indent="-228600" algn="l" defTabSz="914400" rtl="0" eaLnBrk="1" latinLnBrk="0" hangingPunct="1">
+              <a:lnSpc>
+                <a:spcPct val="120000"/>
+              </a:lnSpc>
+              <a:spcBef>
+                <a:spcPts val="500"/>
+              </a:spcBef>
+              <a:buSzPct val="125000"/>
+              <a:buFont typeface="Arial" panose="020B0604020202020204" pitchFamily="34" charset="0"/>
+              <a:buChar char="•"/>
+              <a:defRPr sz="1400" kern="1200">
+                <a:solidFill>
+                  <a:schemeClr val="tx1"/>
+                </a:solidFill>
+                <a:latin typeface="+mn-lt"/>
+                <a:ea typeface="+mn-ea"/>
+                <a:cs typeface="+mn-cs"/>
+              </a:defRPr>
+            </a:lvl8pPr>
+            <a:lvl9pPr marL="3886200" indent="-228600" algn="l" defTabSz="914400" rtl="0" eaLnBrk="1" latinLnBrk="0" hangingPunct="1">
+              <a:lnSpc>
+                <a:spcPct val="120000"/>
+              </a:lnSpc>
+              <a:spcBef>
+                <a:spcPts val="500"/>
+              </a:spcBef>
+              <a:buSzPct val="125000"/>
+              <a:buFont typeface="Arial" panose="020B0604020202020204" pitchFamily="34" charset="0"/>
+              <a:buChar char="•"/>
+              <a:defRPr sz="1400" kern="1200">
+                <a:solidFill>
+                  <a:schemeClr val="tx1"/>
+                </a:solidFill>
+                <a:latin typeface="+mn-lt"/>
+                <a:ea typeface="+mn-ea"/>
+                <a:cs typeface="+mn-cs"/>
+              </a:defRPr>
+            </a:lvl9pPr>
+          </a:lstStyle>
+          <a:p>
+            <a:pPr marL="0" indent="0" algn="ctr">
+              <a:buNone/>
+            </a:pPr>
+            <a:r>
+              <a:rPr lang="th-TH" sz="2800" b="1" dirty="0">
+                <a:effectLst>
+                  <a:outerShdw blurRad="38100" dist="38100" dir="2700000" algn="tl">
+                    <a:srgbClr val="000000">
+                      <a:alpha val="43137"/>
+                    </a:srgbClr>
+                  </a:outerShdw>
+                </a:effectLst>
+                <a:cs typeface="+mj-cs"/>
+              </a:rPr>
+              <a:t>สำนักงานสาธารณสุขจังหวัดชุมพร</a:t>
+            </a:r>
+            <a:endParaRPr lang="en-US" sz="2800" b="1" dirty="0">
+              <a:effectLst>
+                <a:outerShdw blurRad="38100" dist="38100" dir="2700000" algn="tl">
+                  <a:srgbClr val="000000">
+                    <a:alpha val="43137"/>
+                  </a:srgbClr>
+                </a:outerShdw>
+              </a:effectLst>
+              <a:cs typeface="+mj-cs"/>
+            </a:endParaRPr>
+          </a:p>
+        </p:txBody>
+      </p:sp>
+      <p:graphicFrame>
+        <p:nvGraphicFramePr>
+          <p:cNvPr id="4" name="Table 3">
+            <a:extLst>
+              <a:ext uri="{FF2B5EF4-FFF2-40B4-BE49-F238E27FC236}">
+                <a16:creationId xmlns:a16="http://schemas.microsoft.com/office/drawing/2014/main" id="{55E5EA3B-D8BB-4E6F-8097-7A87985C69FC}"/>
+              </a:ext>
+            </a:extLst>
+          </p:cNvPr>
+          <p:cNvGraphicFramePr>
+            <a:graphicFrameLocks noGrp="1"/>
+          </p:cNvGraphicFramePr>
+          <p:nvPr>
+            <p:extLst>
+              <p:ext uri="{D42A27DB-BD31-4B8C-83A1-F6EECF244321}">
+                <p14:modId xmlns:p14="http://schemas.microsoft.com/office/powerpoint/2010/main" val="770766599"/>
+              </p:ext>
+            </p:extLst>
+          </p:nvPr>
+        </p:nvGraphicFramePr>
+        <p:xfrm>
+          <a:off x="1402826" y="1382396"/>
+          <a:ext cx="9351860" cy="4238226"/>
+        </p:xfrm>
+        <a:graphic>
+          <a:graphicData uri="http://schemas.openxmlformats.org/drawingml/2006/table">
+            <a:tbl>
+              <a:tblPr firstRow="1" bandRow="1">
+                <a:tableStyleId>{7DF18680-E054-41AD-8BC1-D1AEF772440D}</a:tableStyleId>
+              </a:tblPr>
+              <a:tblGrid>
+                <a:gridCol w="1957241">
+                  <a:extLst>
+                    <a:ext uri="{9D8B030D-6E8A-4147-A177-3AD203B41FA5}">
+                      <a16:colId xmlns:a16="http://schemas.microsoft.com/office/drawing/2014/main" val="1902441832"/>
+                    </a:ext>
+                  </a:extLst>
+                </a:gridCol>
+                <a:gridCol w="1032780">
+                  <a:extLst>
+                    <a:ext uri="{9D8B030D-6E8A-4147-A177-3AD203B41FA5}">
+                      <a16:colId xmlns:a16="http://schemas.microsoft.com/office/drawing/2014/main" val="412771702"/>
+                    </a:ext>
+                  </a:extLst>
+                </a:gridCol>
+                <a:gridCol w="1017919">
+                  <a:extLst>
+                    <a:ext uri="{9D8B030D-6E8A-4147-A177-3AD203B41FA5}">
+                      <a16:colId xmlns:a16="http://schemas.microsoft.com/office/drawing/2014/main" val="4104755308"/>
+                    </a:ext>
+                  </a:extLst>
+                </a:gridCol>
+                <a:gridCol w="1335980">
+                  <a:extLst>
+                    <a:ext uri="{9D8B030D-6E8A-4147-A177-3AD203B41FA5}">
+                      <a16:colId xmlns:a16="http://schemas.microsoft.com/office/drawing/2014/main" val="3940808524"/>
+                    </a:ext>
+                  </a:extLst>
+                </a:gridCol>
+                <a:gridCol w="1335980">
+                  <a:extLst>
+                    <a:ext uri="{9D8B030D-6E8A-4147-A177-3AD203B41FA5}">
+                      <a16:colId xmlns:a16="http://schemas.microsoft.com/office/drawing/2014/main" val="1346419465"/>
+                    </a:ext>
+                  </a:extLst>
+                </a:gridCol>
+                <a:gridCol w="1335980">
+                  <a:extLst>
+                    <a:ext uri="{9D8B030D-6E8A-4147-A177-3AD203B41FA5}">
+                      <a16:colId xmlns:a16="http://schemas.microsoft.com/office/drawing/2014/main" val="409720190"/>
+                    </a:ext>
+                  </a:extLst>
+                </a:gridCol>
+                <a:gridCol w="1335980">
+                  <a:extLst>
+                    <a:ext uri="{9D8B030D-6E8A-4147-A177-3AD203B41FA5}">
+                      <a16:colId xmlns:a16="http://schemas.microsoft.com/office/drawing/2014/main" val="3714793720"/>
+                    </a:ext>
+                  </a:extLst>
+                </a:gridCol>
+              </a:tblGrid>
+              <a:tr h="470914">
+                <a:tc rowSpan="2">
+                  <a:txBody>
+                    <a:bodyPr/>
+                    <a:lstStyle/>
+                    <a:p>
+                      <a:pPr algn="ctr"/>
+                      <a:r>
+                        <a:rPr lang="th-TH" sz="2000" dirty="0">
+                          <a:latin typeface="Angsana New" panose="02020603050405020304" pitchFamily="18" charset="-34"/>
+                          <a:cs typeface="Angsana New" panose="02020603050405020304" pitchFamily="18" charset="-34"/>
+                        </a:rPr>
+                        <a:t>ประเภท</a:t>
+                      </a:r>
+                      <a:endParaRPr lang="en-US" sz="2000" dirty="0">
+                        <a:latin typeface="Angsana New" panose="02020603050405020304" pitchFamily="18" charset="-34"/>
+                        <a:cs typeface="Angsana New" panose="02020603050405020304" pitchFamily="18" charset="-34"/>
+                      </a:endParaRPr>
+                    </a:p>
+                  </a:txBody>
+                  <a:tcPr anchor="ctr"/>
+                </a:tc>
+                <a:tc gridSpan="3">
+                  <a:txBody>
+                    <a:bodyPr/>
+                    <a:lstStyle/>
+                    <a:p>
+                      <a:pPr algn="ctr"/>
+                      <a:r>
+                        <a:rPr lang="th-TH" sz="2000" dirty="0">
+                          <a:latin typeface="Angsana New" panose="02020603050405020304" pitchFamily="18" charset="-34"/>
+                          <a:cs typeface="Angsana New" panose="02020603050405020304" pitchFamily="18" charset="-34"/>
+                        </a:rPr>
+                        <a:t>จำนวนบุคลากร</a:t>
+                      </a:r>
+                      <a:endParaRPr lang="en-US" sz="2000" dirty="0">
+                        <a:latin typeface="Angsana New" panose="02020603050405020304" pitchFamily="18" charset="-34"/>
+                        <a:cs typeface="Angsana New" panose="02020603050405020304" pitchFamily="18" charset="-34"/>
+                      </a:endParaRPr>
+                    </a:p>
+                  </a:txBody>
+                  <a:tcPr/>
+                </a:tc>
+                <a:tc hMerge="1">
+                  <a:txBody>
+                    <a:bodyPr/>
+                    <a:lstStyle/>
+                    <a:p>
+                      <a:endParaRPr lang="en-US" dirty="0">
+                        <a:latin typeface="Angsana New" panose="02020603050405020304" pitchFamily="18" charset="-34"/>
+                        <a:cs typeface="Angsana New" panose="02020603050405020304" pitchFamily="18" charset="-34"/>
+                      </a:endParaRPr>
+                    </a:p>
+                  </a:txBody>
+                  <a:tcPr/>
+                </a:tc>
+                <a:tc hMerge="1">
+                  <a:txBody>
+                    <a:bodyPr/>
+                    <a:lstStyle/>
+                    <a:p>
+                      <a:endParaRPr lang="en-US" dirty="0">
+                        <a:latin typeface="Angsana New" panose="02020603050405020304" pitchFamily="18" charset="-34"/>
+                        <a:cs typeface="Angsana New" panose="02020603050405020304" pitchFamily="18" charset="-34"/>
+                      </a:endParaRPr>
+                    </a:p>
+                  </a:txBody>
+                  <a:tcPr/>
+                </a:tc>
+                <a:tc rowSpan="2">
+                  <a:txBody>
+                    <a:bodyPr/>
+                    <a:lstStyle/>
+                    <a:p>
+                      <a:pPr algn="ctr"/>
+                      <a:r>
+                        <a:rPr lang="th-TH" sz="2000" dirty="0">
+                          <a:latin typeface="Angsana New" panose="02020603050405020304" pitchFamily="18" charset="-34"/>
+                          <a:cs typeface="Angsana New" panose="02020603050405020304" pitchFamily="18" charset="-34"/>
+                        </a:rPr>
+                        <a:t>รวม</a:t>
+                      </a:r>
+                      <a:endParaRPr lang="en-US" sz="2000" dirty="0">
+                        <a:latin typeface="Angsana New" panose="02020603050405020304" pitchFamily="18" charset="-34"/>
+                        <a:cs typeface="Angsana New" panose="02020603050405020304" pitchFamily="18" charset="-34"/>
+                      </a:endParaRPr>
+                    </a:p>
+                  </a:txBody>
+                  <a:tcPr anchor="ctr"/>
+                </a:tc>
+                <a:tc rowSpan="2">
+                  <a:txBody>
+                    <a:bodyPr/>
+                    <a:lstStyle/>
+                    <a:p>
+                      <a:pPr algn="ctr"/>
+                      <a:r>
+                        <a:rPr lang="th-TH" sz="2000" dirty="0">
+                          <a:latin typeface="Angsana New" panose="02020603050405020304" pitchFamily="18" charset="-34"/>
+                          <a:cs typeface="Angsana New" panose="02020603050405020304" pitchFamily="18" charset="-34"/>
+                        </a:rPr>
+                        <a:t>ความต้องการตาม </a:t>
+                      </a:r>
+                      <a:r>
+                        <a:rPr lang="en-US" sz="2000" dirty="0">
+                          <a:latin typeface="Angsana New" panose="02020603050405020304" pitchFamily="18" charset="-34"/>
+                          <a:cs typeface="Angsana New" panose="02020603050405020304" pitchFamily="18" charset="-34"/>
+                        </a:rPr>
+                        <a:t>GIS</a:t>
+                      </a:r>
+                    </a:p>
+                  </a:txBody>
+                  <a:tcPr anchor="ctr"/>
+                </a:tc>
+                <a:tc rowSpan="2">
+                  <a:txBody>
+                    <a:bodyPr/>
+                    <a:lstStyle/>
+                    <a:p>
+                      <a:pPr algn="ctr"/>
+                      <a:r>
+                        <a:rPr lang="th-TH" sz="2000" dirty="0">
+                          <a:latin typeface="Angsana New" panose="02020603050405020304" pitchFamily="18" charset="-34"/>
+                          <a:cs typeface="Angsana New" panose="02020603050405020304" pitchFamily="18" charset="-34"/>
+                        </a:rPr>
+                        <a:t>อัตราส่วนต่อประชากร</a:t>
+                      </a:r>
+                      <a:endParaRPr lang="en-US" sz="2000" dirty="0">
+                        <a:latin typeface="Angsana New" panose="02020603050405020304" pitchFamily="18" charset="-34"/>
+                        <a:cs typeface="Angsana New" panose="02020603050405020304" pitchFamily="18" charset="-34"/>
+                      </a:endParaRPr>
+                    </a:p>
+                  </a:txBody>
+                  <a:tcPr anchor="ctr"/>
+                </a:tc>
+                <a:extLst>
+                  <a:ext uri="{0D108BD9-81ED-4DB2-BD59-A6C34878D82A}">
+                    <a16:rowId xmlns:a16="http://schemas.microsoft.com/office/drawing/2014/main" val="2766698555"/>
+                  </a:ext>
+                </a:extLst>
+              </a:tr>
+              <a:tr h="470914">
+                <a:tc vMerge="1">
+                  <a:txBody>
+                    <a:bodyPr/>
+                    <a:lstStyle/>
+                    <a:p>
+                      <a:endParaRPr lang="en-US" dirty="0"/>
+                    </a:p>
+                  </a:txBody>
+                  <a:tcPr/>
+                </a:tc>
+                <a:tc>
+                  <a:txBody>
+                    <a:bodyPr/>
+                    <a:lstStyle/>
+                    <a:p>
+                      <a:pPr algn="ctr"/>
+                      <a:r>
+                        <a:rPr lang="th-TH" sz="2000" dirty="0">
+                          <a:solidFill>
+                            <a:srgbClr val="070CE9"/>
+                          </a:solidFill>
+                          <a:latin typeface="Angsana New" panose="02020603050405020304" pitchFamily="18" charset="-34"/>
+                          <a:cs typeface="Angsana New" panose="02020603050405020304" pitchFamily="18" charset="-34"/>
+                        </a:rPr>
+                        <a:t>รพท.</a:t>
+                      </a:r>
+                      <a:endParaRPr lang="en-US" sz="2000" dirty="0">
+                        <a:solidFill>
+                          <a:srgbClr val="070CE9"/>
+                        </a:solidFill>
+                        <a:latin typeface="Angsana New" panose="02020603050405020304" pitchFamily="18" charset="-34"/>
+                        <a:cs typeface="Angsana New" panose="02020603050405020304" pitchFamily="18" charset="-34"/>
+                      </a:endParaRPr>
+                    </a:p>
+                  </a:txBody>
+                  <a:tcPr anchor="ctr"/>
+                </a:tc>
+                <a:tc>
+                  <a:txBody>
+                    <a:bodyPr/>
+                    <a:lstStyle/>
+                    <a:p>
+                      <a:pPr algn="ctr"/>
+                      <a:r>
+                        <a:rPr lang="th-TH" sz="2000" dirty="0">
+                          <a:solidFill>
+                            <a:srgbClr val="070CE9"/>
+                          </a:solidFill>
+                          <a:latin typeface="Angsana New" panose="02020603050405020304" pitchFamily="18" charset="-34"/>
+                          <a:cs typeface="Angsana New" panose="02020603050405020304" pitchFamily="18" charset="-34"/>
+                        </a:rPr>
+                        <a:t>รพช.</a:t>
+                      </a:r>
+                      <a:endParaRPr lang="en-US" sz="2000" dirty="0">
+                        <a:solidFill>
+                          <a:srgbClr val="070CE9"/>
+                        </a:solidFill>
+                        <a:latin typeface="Angsana New" panose="02020603050405020304" pitchFamily="18" charset="-34"/>
+                        <a:cs typeface="Angsana New" panose="02020603050405020304" pitchFamily="18" charset="-34"/>
+                      </a:endParaRPr>
+                    </a:p>
+                  </a:txBody>
+                  <a:tcPr anchor="ctr"/>
+                </a:tc>
+                <a:tc>
+                  <a:txBody>
+                    <a:bodyPr/>
+                    <a:lstStyle/>
+                    <a:p>
+                      <a:pPr algn="ctr"/>
+                      <a:r>
+                        <a:rPr lang="th-TH" sz="2000" dirty="0">
+                          <a:solidFill>
+                            <a:srgbClr val="070CE9"/>
+                          </a:solidFill>
+                          <a:latin typeface="Angsana New" panose="02020603050405020304" pitchFamily="18" charset="-34"/>
+                          <a:cs typeface="Angsana New" panose="02020603050405020304" pitchFamily="18" charset="-34"/>
+                        </a:rPr>
+                        <a:t>รพ.สต./ศสช.</a:t>
+                      </a:r>
+                      <a:endParaRPr lang="en-US" sz="2000" dirty="0">
+                        <a:solidFill>
+                          <a:srgbClr val="070CE9"/>
+                        </a:solidFill>
+                        <a:latin typeface="Angsana New" panose="02020603050405020304" pitchFamily="18" charset="-34"/>
+                        <a:cs typeface="Angsana New" panose="02020603050405020304" pitchFamily="18" charset="-34"/>
+                      </a:endParaRPr>
+                    </a:p>
+                  </a:txBody>
+                  <a:tcPr anchor="ctr"/>
+                </a:tc>
+                <a:tc vMerge="1">
+                  <a:txBody>
+                    <a:bodyPr/>
+                    <a:lstStyle/>
+                    <a:p>
+                      <a:pPr algn="ctr"/>
+                      <a:endParaRPr lang="en-US" dirty="0">
+                        <a:latin typeface="Angsana New" panose="02020603050405020304" pitchFamily="18" charset="-34"/>
+                        <a:cs typeface="Angsana New" panose="02020603050405020304" pitchFamily="18" charset="-34"/>
+                      </a:endParaRPr>
+                    </a:p>
+                  </a:txBody>
+                  <a:tcPr anchor="ctr"/>
+                </a:tc>
+                <a:tc vMerge="1">
+                  <a:txBody>
+                    <a:bodyPr/>
+                    <a:lstStyle/>
+                    <a:p>
+                      <a:pPr algn="ctr"/>
+                      <a:endParaRPr lang="en-US" dirty="0">
+                        <a:latin typeface="Angsana New" panose="02020603050405020304" pitchFamily="18" charset="-34"/>
+                        <a:cs typeface="Angsana New" panose="02020603050405020304" pitchFamily="18" charset="-34"/>
+                      </a:endParaRPr>
+                    </a:p>
+                  </a:txBody>
+                  <a:tcPr anchor="ctr"/>
+                </a:tc>
+                <a:tc vMerge="1">
+                  <a:txBody>
+                    <a:bodyPr/>
+                    <a:lstStyle/>
+                    <a:p>
+                      <a:pPr algn="ctr"/>
+                      <a:endParaRPr lang="en-US" dirty="0">
+                        <a:latin typeface="Angsana New" panose="02020603050405020304" pitchFamily="18" charset="-34"/>
+                        <a:cs typeface="Angsana New" panose="02020603050405020304" pitchFamily="18" charset="-34"/>
+                      </a:endParaRPr>
+                    </a:p>
+                  </a:txBody>
+                  <a:tcPr anchor="ctr"/>
+                </a:tc>
+                <a:extLst>
+                  <a:ext uri="{0D108BD9-81ED-4DB2-BD59-A6C34878D82A}">
+                    <a16:rowId xmlns:a16="http://schemas.microsoft.com/office/drawing/2014/main" val="2052852732"/>
+                  </a:ext>
+                </a:extLst>
+              </a:tr>
+              <a:tr h="470914">
+                <a:tc>
+                  <a:txBody>
+                    <a:bodyPr/>
+                    <a:lstStyle/>
+                    <a:p>
+                      <a:r>
+                        <a:rPr lang="th-TH" sz="2000" dirty="0">
+                          <a:solidFill>
+                            <a:srgbClr val="070CE9"/>
+                          </a:solidFill>
+                          <a:latin typeface="Angsana New" panose="02020603050405020304" pitchFamily="18" charset="-34"/>
+                          <a:cs typeface="Angsana New" panose="02020603050405020304" pitchFamily="18" charset="-34"/>
+                        </a:rPr>
+                        <a:t>แพทย์</a:t>
+                      </a:r>
+                      <a:endParaRPr lang="en-US" sz="2000" dirty="0">
+                        <a:solidFill>
+                          <a:srgbClr val="070CE9"/>
+                        </a:solidFill>
+                        <a:latin typeface="Angsana New" panose="02020603050405020304" pitchFamily="18" charset="-34"/>
+                        <a:cs typeface="Angsana New" panose="02020603050405020304" pitchFamily="18" charset="-34"/>
+                      </a:endParaRPr>
+                    </a:p>
+                  </a:txBody>
+                  <a:tcPr/>
+                </a:tc>
+                <a:tc>
+                  <a:txBody>
+                    <a:bodyPr/>
+                    <a:lstStyle/>
+                    <a:p>
+                      <a:pPr algn="ctr"/>
+                      <a:r>
+                        <a:rPr lang="th-TH" sz="2000" dirty="0">
+                          <a:solidFill>
+                            <a:srgbClr val="070CE9"/>
+                          </a:solidFill>
+                          <a:latin typeface="Angsana New" panose="02020603050405020304" pitchFamily="18" charset="-34"/>
+                          <a:cs typeface="Angsana New" panose="02020603050405020304" pitchFamily="18" charset="-34"/>
+                        </a:rPr>
+                        <a:t>69</a:t>
+                      </a:r>
+                      <a:endParaRPr lang="en-US" sz="2000" dirty="0">
+                        <a:solidFill>
+                          <a:srgbClr val="070CE9"/>
+                        </a:solidFill>
+                        <a:latin typeface="Angsana New" panose="02020603050405020304" pitchFamily="18" charset="-34"/>
+                        <a:cs typeface="Angsana New" panose="02020603050405020304" pitchFamily="18" charset="-34"/>
+                      </a:endParaRPr>
+                    </a:p>
+                  </a:txBody>
+                  <a:tcPr anchor="ctr"/>
+                </a:tc>
+                <a:tc>
+                  <a:txBody>
+                    <a:bodyPr/>
+                    <a:lstStyle/>
+                    <a:p>
+                      <a:pPr algn="ctr"/>
+                      <a:r>
+                        <a:rPr lang="th-TH" sz="2000" dirty="0">
+                          <a:solidFill>
+                            <a:srgbClr val="070CE9"/>
+                          </a:solidFill>
+                          <a:latin typeface="Angsana New" panose="02020603050405020304" pitchFamily="18" charset="-34"/>
+                          <a:cs typeface="Angsana New" panose="02020603050405020304" pitchFamily="18" charset="-34"/>
+                        </a:rPr>
+                        <a:t>95</a:t>
+                      </a:r>
+                      <a:endParaRPr lang="en-US" sz="2000" dirty="0">
+                        <a:solidFill>
+                          <a:srgbClr val="070CE9"/>
+                        </a:solidFill>
+                        <a:latin typeface="Angsana New" panose="02020603050405020304" pitchFamily="18" charset="-34"/>
+                        <a:cs typeface="Angsana New" panose="02020603050405020304" pitchFamily="18" charset="-34"/>
+                      </a:endParaRPr>
+                    </a:p>
+                  </a:txBody>
+                  <a:tcPr anchor="ctr"/>
+                </a:tc>
+                <a:tc>
+                  <a:txBody>
+                    <a:bodyPr/>
+                    <a:lstStyle/>
+                    <a:p>
+                      <a:pPr algn="ctr"/>
+                      <a:endParaRPr lang="en-US" sz="2000" dirty="0">
+                        <a:solidFill>
+                          <a:srgbClr val="070CE9"/>
+                        </a:solidFill>
+                        <a:latin typeface="Angsana New" panose="02020603050405020304" pitchFamily="18" charset="-34"/>
+                        <a:cs typeface="Angsana New" panose="02020603050405020304" pitchFamily="18" charset="-34"/>
+                      </a:endParaRPr>
+                    </a:p>
+                  </a:txBody>
+                  <a:tcPr anchor="ctr"/>
+                </a:tc>
+                <a:tc>
+                  <a:txBody>
+                    <a:bodyPr/>
+                    <a:lstStyle/>
+                    <a:p>
+                      <a:pPr algn="ctr"/>
+                      <a:r>
+                        <a:rPr lang="th-TH" sz="2000" dirty="0">
+                          <a:solidFill>
+                            <a:srgbClr val="070CE9"/>
+                          </a:solidFill>
+                          <a:latin typeface="Angsana New" panose="02020603050405020304" pitchFamily="18" charset="-34"/>
+                          <a:cs typeface="Angsana New" panose="02020603050405020304" pitchFamily="18" charset="-34"/>
+                        </a:rPr>
+                        <a:t>164</a:t>
+                      </a:r>
+                      <a:endParaRPr lang="en-US" sz="2000" dirty="0">
+                        <a:solidFill>
+                          <a:srgbClr val="070CE9"/>
+                        </a:solidFill>
+                        <a:latin typeface="Angsana New" panose="02020603050405020304" pitchFamily="18" charset="-34"/>
+                        <a:cs typeface="Angsana New" panose="02020603050405020304" pitchFamily="18" charset="-34"/>
+                      </a:endParaRPr>
+                    </a:p>
+                  </a:txBody>
+                  <a:tcPr anchor="ctr"/>
+                </a:tc>
+                <a:tc>
+                  <a:txBody>
+                    <a:bodyPr/>
+                    <a:lstStyle/>
+                    <a:p>
+                      <a:pPr algn="ctr"/>
+                      <a:r>
+                        <a:rPr lang="th-TH" sz="2000" dirty="0">
+                          <a:solidFill>
+                            <a:srgbClr val="070CE9"/>
+                          </a:solidFill>
+                          <a:latin typeface="Angsana New" panose="02020603050405020304" pitchFamily="18" charset="-34"/>
+                          <a:cs typeface="Angsana New" panose="02020603050405020304" pitchFamily="18" charset="-34"/>
+                        </a:rPr>
+                        <a:t>197</a:t>
+                      </a:r>
+                      <a:endParaRPr lang="en-US" sz="2000" dirty="0">
+                        <a:solidFill>
+                          <a:srgbClr val="070CE9"/>
+                        </a:solidFill>
+                        <a:latin typeface="Angsana New" panose="02020603050405020304" pitchFamily="18" charset="-34"/>
+                        <a:cs typeface="Angsana New" panose="02020603050405020304" pitchFamily="18" charset="-34"/>
+                      </a:endParaRPr>
+                    </a:p>
+                  </a:txBody>
+                  <a:tcPr anchor="ctr"/>
+                </a:tc>
+                <a:tc>
+                  <a:txBody>
+                    <a:bodyPr/>
+                    <a:lstStyle/>
+                    <a:p>
+                      <a:pPr algn="ctr"/>
+                      <a:r>
+                        <a:rPr lang="th-TH" sz="2000" dirty="0">
+                          <a:solidFill>
+                            <a:srgbClr val="070CE9"/>
+                          </a:solidFill>
+                          <a:latin typeface="Angsana New" panose="02020603050405020304" pitchFamily="18" charset="-34"/>
+                          <a:cs typeface="Angsana New" panose="02020603050405020304" pitchFamily="18" charset="-34"/>
+                        </a:rPr>
+                        <a:t>3,107.62</a:t>
+                      </a:r>
+                      <a:endParaRPr lang="en-US" sz="2000" dirty="0">
+                        <a:solidFill>
+                          <a:srgbClr val="070CE9"/>
+                        </a:solidFill>
+                        <a:latin typeface="Angsana New" panose="02020603050405020304" pitchFamily="18" charset="-34"/>
+                        <a:cs typeface="Angsana New" panose="02020603050405020304" pitchFamily="18" charset="-34"/>
+                      </a:endParaRPr>
+                    </a:p>
+                  </a:txBody>
+                  <a:tcPr anchor="ctr"/>
+                </a:tc>
+                <a:extLst>
+                  <a:ext uri="{0D108BD9-81ED-4DB2-BD59-A6C34878D82A}">
+                    <a16:rowId xmlns:a16="http://schemas.microsoft.com/office/drawing/2014/main" val="1309306143"/>
+                  </a:ext>
+                </a:extLst>
+              </a:tr>
+              <a:tr h="470914">
+                <a:tc>
+                  <a:txBody>
+                    <a:bodyPr/>
+                    <a:lstStyle/>
+                    <a:p>
+                      <a:r>
+                        <a:rPr lang="th-TH" sz="2000" dirty="0">
+                          <a:solidFill>
+                            <a:srgbClr val="070CE9"/>
+                          </a:solidFill>
+                          <a:latin typeface="Angsana New" panose="02020603050405020304" pitchFamily="18" charset="-34"/>
+                          <a:cs typeface="Angsana New" panose="02020603050405020304" pitchFamily="18" charset="-34"/>
+                        </a:rPr>
+                        <a:t>ทันตแพทย์</a:t>
+                      </a:r>
+                      <a:endParaRPr lang="en-US" sz="2000" dirty="0">
+                        <a:solidFill>
+                          <a:srgbClr val="070CE9"/>
+                        </a:solidFill>
+                        <a:latin typeface="Angsana New" panose="02020603050405020304" pitchFamily="18" charset="-34"/>
+                        <a:cs typeface="Angsana New" panose="02020603050405020304" pitchFamily="18" charset="-34"/>
+                      </a:endParaRPr>
+                    </a:p>
+                  </a:txBody>
+                  <a:tcPr/>
+                </a:tc>
+                <a:tc>
+                  <a:txBody>
+                    <a:bodyPr/>
+                    <a:lstStyle/>
+                    <a:p>
+                      <a:pPr algn="ctr"/>
+                      <a:r>
+                        <a:rPr lang="th-TH" sz="2000" dirty="0">
+                          <a:solidFill>
+                            <a:srgbClr val="070CE9"/>
+                          </a:solidFill>
+                          <a:latin typeface="Angsana New" panose="02020603050405020304" pitchFamily="18" charset="-34"/>
+                          <a:cs typeface="Angsana New" panose="02020603050405020304" pitchFamily="18" charset="-34"/>
+                        </a:rPr>
+                        <a:t>10</a:t>
+                      </a:r>
+                      <a:endParaRPr lang="en-US" sz="2000" dirty="0">
+                        <a:solidFill>
+                          <a:srgbClr val="070CE9"/>
+                        </a:solidFill>
+                        <a:latin typeface="Angsana New" panose="02020603050405020304" pitchFamily="18" charset="-34"/>
+                        <a:cs typeface="Angsana New" panose="02020603050405020304" pitchFamily="18" charset="-34"/>
+                      </a:endParaRPr>
+                    </a:p>
+                  </a:txBody>
+                  <a:tcPr anchor="ctr"/>
+                </a:tc>
+                <a:tc>
+                  <a:txBody>
+                    <a:bodyPr/>
+                    <a:lstStyle/>
+                    <a:p>
+                      <a:pPr algn="ctr"/>
+                      <a:r>
+                        <a:rPr lang="th-TH" sz="2000" dirty="0">
+                          <a:solidFill>
+                            <a:srgbClr val="070CE9"/>
+                          </a:solidFill>
+                          <a:latin typeface="Angsana New" panose="02020603050405020304" pitchFamily="18" charset="-34"/>
+                          <a:cs typeface="Angsana New" panose="02020603050405020304" pitchFamily="18" charset="-34"/>
+                        </a:rPr>
+                        <a:t>32</a:t>
+                      </a:r>
+                      <a:endParaRPr lang="en-US" sz="2000" dirty="0">
+                        <a:solidFill>
+                          <a:srgbClr val="070CE9"/>
+                        </a:solidFill>
+                        <a:latin typeface="Angsana New" panose="02020603050405020304" pitchFamily="18" charset="-34"/>
+                        <a:cs typeface="Angsana New" panose="02020603050405020304" pitchFamily="18" charset="-34"/>
+                      </a:endParaRPr>
+                    </a:p>
+                  </a:txBody>
+                  <a:tcPr anchor="ctr"/>
+                </a:tc>
+                <a:tc>
+                  <a:txBody>
+                    <a:bodyPr/>
+                    <a:lstStyle/>
+                    <a:p>
+                      <a:pPr algn="ctr"/>
+                      <a:endParaRPr lang="en-US" sz="2000" dirty="0">
+                        <a:solidFill>
+                          <a:srgbClr val="070CE9"/>
+                        </a:solidFill>
+                        <a:latin typeface="Angsana New" panose="02020603050405020304" pitchFamily="18" charset="-34"/>
+                        <a:cs typeface="Angsana New" panose="02020603050405020304" pitchFamily="18" charset="-34"/>
+                      </a:endParaRPr>
+                    </a:p>
+                  </a:txBody>
+                  <a:tcPr anchor="ctr"/>
+                </a:tc>
+                <a:tc>
+                  <a:txBody>
+                    <a:bodyPr/>
+                    <a:lstStyle/>
+                    <a:p>
+                      <a:pPr algn="ctr"/>
+                      <a:r>
+                        <a:rPr lang="th-TH" sz="2000" dirty="0">
+                          <a:solidFill>
+                            <a:srgbClr val="070CE9"/>
+                          </a:solidFill>
+                          <a:latin typeface="Angsana New" panose="02020603050405020304" pitchFamily="18" charset="-34"/>
+                          <a:cs typeface="Angsana New" panose="02020603050405020304" pitchFamily="18" charset="-34"/>
+                        </a:rPr>
+                        <a:t>42</a:t>
+                      </a:r>
+                      <a:endParaRPr lang="en-US" sz="2000" dirty="0">
+                        <a:solidFill>
+                          <a:srgbClr val="070CE9"/>
+                        </a:solidFill>
+                        <a:latin typeface="Angsana New" panose="02020603050405020304" pitchFamily="18" charset="-34"/>
+                        <a:cs typeface="Angsana New" panose="02020603050405020304" pitchFamily="18" charset="-34"/>
+                      </a:endParaRPr>
+                    </a:p>
+                  </a:txBody>
+                  <a:tcPr anchor="ctr"/>
+                </a:tc>
+                <a:tc>
+                  <a:txBody>
+                    <a:bodyPr/>
+                    <a:lstStyle/>
+                    <a:p>
+                      <a:pPr algn="ctr"/>
+                      <a:r>
+                        <a:rPr lang="th-TH" sz="2000" dirty="0">
+                          <a:solidFill>
+                            <a:srgbClr val="070CE9"/>
+                          </a:solidFill>
+                          <a:latin typeface="Angsana New" panose="02020603050405020304" pitchFamily="18" charset="-34"/>
+                          <a:cs typeface="Angsana New" panose="02020603050405020304" pitchFamily="18" charset="-34"/>
+                        </a:rPr>
+                        <a:t>112</a:t>
+                      </a:r>
+                      <a:endParaRPr lang="en-US" sz="2000" dirty="0">
+                        <a:solidFill>
+                          <a:srgbClr val="070CE9"/>
+                        </a:solidFill>
+                        <a:latin typeface="Angsana New" panose="02020603050405020304" pitchFamily="18" charset="-34"/>
+                        <a:cs typeface="Angsana New" panose="02020603050405020304" pitchFamily="18" charset="-34"/>
+                      </a:endParaRPr>
+                    </a:p>
+                  </a:txBody>
+                  <a:tcPr anchor="ctr"/>
+                </a:tc>
+                <a:tc>
+                  <a:txBody>
+                    <a:bodyPr/>
+                    <a:lstStyle/>
+                    <a:p>
+                      <a:pPr algn="ctr"/>
+                      <a:r>
+                        <a:rPr lang="th-TH" sz="2000" dirty="0">
+                          <a:solidFill>
+                            <a:srgbClr val="070CE9"/>
+                          </a:solidFill>
+                          <a:latin typeface="Angsana New" panose="02020603050405020304" pitchFamily="18" charset="-34"/>
+                          <a:cs typeface="Angsana New" panose="02020603050405020304" pitchFamily="18" charset="-34"/>
+                        </a:rPr>
+                        <a:t>12,134.52</a:t>
+                      </a:r>
+                      <a:endParaRPr lang="en-US" sz="2000" dirty="0">
+                        <a:solidFill>
+                          <a:srgbClr val="070CE9"/>
+                        </a:solidFill>
+                        <a:latin typeface="Angsana New" panose="02020603050405020304" pitchFamily="18" charset="-34"/>
+                        <a:cs typeface="Angsana New" panose="02020603050405020304" pitchFamily="18" charset="-34"/>
+                      </a:endParaRPr>
+                    </a:p>
+                  </a:txBody>
+                  <a:tcPr anchor="ctr"/>
+                </a:tc>
+                <a:extLst>
+                  <a:ext uri="{0D108BD9-81ED-4DB2-BD59-A6C34878D82A}">
+                    <a16:rowId xmlns:a16="http://schemas.microsoft.com/office/drawing/2014/main" val="3624122404"/>
+                  </a:ext>
+                </a:extLst>
+              </a:tr>
+              <a:tr h="470914">
+                <a:tc>
+                  <a:txBody>
+                    <a:bodyPr/>
+                    <a:lstStyle/>
+                    <a:p>
+                      <a:r>
+                        <a:rPr lang="th-TH" sz="2000" dirty="0">
+                          <a:solidFill>
+                            <a:srgbClr val="070CE9"/>
+                          </a:solidFill>
+                          <a:latin typeface="Angsana New" panose="02020603050405020304" pitchFamily="18" charset="-34"/>
+                          <a:cs typeface="Angsana New" panose="02020603050405020304" pitchFamily="18" charset="-34"/>
+                        </a:rPr>
+                        <a:t>เภสัชกร</a:t>
+                      </a:r>
+                      <a:endParaRPr lang="en-US" sz="2000" dirty="0">
+                        <a:solidFill>
+                          <a:srgbClr val="070CE9"/>
+                        </a:solidFill>
+                        <a:latin typeface="Angsana New" panose="02020603050405020304" pitchFamily="18" charset="-34"/>
+                        <a:cs typeface="Angsana New" panose="02020603050405020304" pitchFamily="18" charset="-34"/>
+                      </a:endParaRPr>
+                    </a:p>
+                  </a:txBody>
+                  <a:tcPr/>
+                </a:tc>
+                <a:tc>
+                  <a:txBody>
+                    <a:bodyPr/>
+                    <a:lstStyle/>
+                    <a:p>
+                      <a:pPr algn="ctr"/>
+                      <a:r>
+                        <a:rPr lang="th-TH" sz="2000" dirty="0">
+                          <a:solidFill>
+                            <a:srgbClr val="070CE9"/>
+                          </a:solidFill>
+                          <a:latin typeface="Angsana New" panose="02020603050405020304" pitchFamily="18" charset="-34"/>
+                          <a:cs typeface="Angsana New" panose="02020603050405020304" pitchFamily="18" charset="-34"/>
+                        </a:rPr>
+                        <a:t>33</a:t>
+                      </a:r>
+                      <a:endParaRPr lang="en-US" sz="2000" dirty="0">
+                        <a:solidFill>
+                          <a:srgbClr val="070CE9"/>
+                        </a:solidFill>
+                        <a:latin typeface="Angsana New" panose="02020603050405020304" pitchFamily="18" charset="-34"/>
+                        <a:cs typeface="Angsana New" panose="02020603050405020304" pitchFamily="18" charset="-34"/>
+                      </a:endParaRPr>
+                    </a:p>
+                  </a:txBody>
+                  <a:tcPr anchor="ctr"/>
+                </a:tc>
+                <a:tc>
+                  <a:txBody>
+                    <a:bodyPr/>
+                    <a:lstStyle/>
+                    <a:p>
+                      <a:pPr algn="ctr"/>
+                      <a:r>
+                        <a:rPr lang="th-TH" sz="2000" dirty="0">
+                          <a:solidFill>
+                            <a:srgbClr val="070CE9"/>
+                          </a:solidFill>
+                          <a:latin typeface="Angsana New" panose="02020603050405020304" pitchFamily="18" charset="-34"/>
+                          <a:cs typeface="Angsana New" panose="02020603050405020304" pitchFamily="18" charset="-34"/>
+                        </a:rPr>
+                        <a:t>42</a:t>
+                      </a:r>
+                      <a:endParaRPr lang="en-US" sz="2000" dirty="0">
+                        <a:solidFill>
+                          <a:srgbClr val="070CE9"/>
+                        </a:solidFill>
+                        <a:latin typeface="Angsana New" panose="02020603050405020304" pitchFamily="18" charset="-34"/>
+                        <a:cs typeface="Angsana New" panose="02020603050405020304" pitchFamily="18" charset="-34"/>
+                      </a:endParaRPr>
+                    </a:p>
+                  </a:txBody>
+                  <a:tcPr anchor="ctr"/>
+                </a:tc>
+                <a:tc>
+                  <a:txBody>
+                    <a:bodyPr/>
+                    <a:lstStyle/>
+                    <a:p>
+                      <a:pPr algn="ctr"/>
+                      <a:endParaRPr lang="en-US" sz="2000">
+                        <a:solidFill>
+                          <a:srgbClr val="070CE9"/>
+                        </a:solidFill>
+                        <a:latin typeface="Angsana New" panose="02020603050405020304" pitchFamily="18" charset="-34"/>
+                        <a:cs typeface="Angsana New" panose="02020603050405020304" pitchFamily="18" charset="-34"/>
+                      </a:endParaRPr>
+                    </a:p>
+                  </a:txBody>
+                  <a:tcPr anchor="ctr"/>
+                </a:tc>
+                <a:tc>
+                  <a:txBody>
+                    <a:bodyPr/>
+                    <a:lstStyle/>
+                    <a:p>
+                      <a:pPr algn="ctr"/>
+                      <a:r>
+                        <a:rPr lang="th-TH" sz="2000" dirty="0">
+                          <a:solidFill>
+                            <a:srgbClr val="070CE9"/>
+                          </a:solidFill>
+                          <a:latin typeface="Angsana New" panose="02020603050405020304" pitchFamily="18" charset="-34"/>
+                          <a:cs typeface="Angsana New" panose="02020603050405020304" pitchFamily="18" charset="-34"/>
+                        </a:rPr>
+                        <a:t>75</a:t>
+                      </a:r>
+                      <a:endParaRPr lang="en-US" sz="2000" dirty="0">
+                        <a:solidFill>
+                          <a:srgbClr val="070CE9"/>
+                        </a:solidFill>
+                        <a:latin typeface="Angsana New" panose="02020603050405020304" pitchFamily="18" charset="-34"/>
+                        <a:cs typeface="Angsana New" panose="02020603050405020304" pitchFamily="18" charset="-34"/>
+                      </a:endParaRPr>
+                    </a:p>
+                  </a:txBody>
+                  <a:tcPr anchor="ctr"/>
+                </a:tc>
+                <a:tc>
+                  <a:txBody>
+                    <a:bodyPr/>
+                    <a:lstStyle/>
+                    <a:p>
+                      <a:pPr algn="ctr"/>
+                      <a:r>
+                        <a:rPr lang="th-TH" sz="2000" dirty="0">
+                          <a:solidFill>
+                            <a:srgbClr val="070CE9"/>
+                          </a:solidFill>
+                          <a:latin typeface="Angsana New" panose="02020603050405020304" pitchFamily="18" charset="-34"/>
+                          <a:cs typeface="Angsana New" panose="02020603050405020304" pitchFamily="18" charset="-34"/>
+                        </a:rPr>
+                        <a:t>104</a:t>
+                      </a:r>
+                      <a:endParaRPr lang="en-US" sz="2000" dirty="0">
+                        <a:solidFill>
+                          <a:srgbClr val="070CE9"/>
+                        </a:solidFill>
+                        <a:latin typeface="Angsana New" panose="02020603050405020304" pitchFamily="18" charset="-34"/>
+                        <a:cs typeface="Angsana New" panose="02020603050405020304" pitchFamily="18" charset="-34"/>
+                      </a:endParaRPr>
+                    </a:p>
+                  </a:txBody>
+                  <a:tcPr anchor="ctr"/>
+                </a:tc>
+                <a:tc>
+                  <a:txBody>
+                    <a:bodyPr/>
+                    <a:lstStyle/>
+                    <a:p>
+                      <a:pPr algn="ctr"/>
+                      <a:r>
+                        <a:rPr lang="th-TH" sz="2000" dirty="0">
+                          <a:solidFill>
+                            <a:srgbClr val="070CE9"/>
+                          </a:solidFill>
+                          <a:latin typeface="Angsana New" panose="02020603050405020304" pitchFamily="18" charset="-34"/>
+                          <a:cs typeface="Angsana New" panose="02020603050405020304" pitchFamily="18" charset="-34"/>
+                        </a:rPr>
+                        <a:t>6,795.33</a:t>
+                      </a:r>
+                      <a:endParaRPr lang="en-US" sz="2000" dirty="0">
+                        <a:solidFill>
+                          <a:srgbClr val="070CE9"/>
+                        </a:solidFill>
+                        <a:latin typeface="Angsana New" panose="02020603050405020304" pitchFamily="18" charset="-34"/>
+                        <a:cs typeface="Angsana New" panose="02020603050405020304" pitchFamily="18" charset="-34"/>
+                      </a:endParaRPr>
+                    </a:p>
+                  </a:txBody>
+                  <a:tcPr anchor="ctr"/>
+                </a:tc>
+                <a:extLst>
+                  <a:ext uri="{0D108BD9-81ED-4DB2-BD59-A6C34878D82A}">
+                    <a16:rowId xmlns:a16="http://schemas.microsoft.com/office/drawing/2014/main" val="1327471607"/>
+                  </a:ext>
+                </a:extLst>
+              </a:tr>
+              <a:tr h="470914">
+                <a:tc>
+                  <a:txBody>
+                    <a:bodyPr/>
+                    <a:lstStyle/>
+                    <a:p>
+                      <a:r>
+                        <a:rPr lang="th-TH" sz="2000" dirty="0">
+                          <a:solidFill>
+                            <a:srgbClr val="070CE9"/>
+                          </a:solidFill>
+                          <a:latin typeface="Angsana New" panose="02020603050405020304" pitchFamily="18" charset="-34"/>
+                          <a:cs typeface="Angsana New" panose="02020603050405020304" pitchFamily="18" charset="-34"/>
+                        </a:rPr>
+                        <a:t>พยาบาลวิชาชีพ</a:t>
+                      </a:r>
+                      <a:endParaRPr lang="en-US" sz="2000" dirty="0">
+                        <a:solidFill>
+                          <a:srgbClr val="070CE9"/>
+                        </a:solidFill>
+                        <a:latin typeface="Angsana New" panose="02020603050405020304" pitchFamily="18" charset="-34"/>
+                        <a:cs typeface="Angsana New" panose="02020603050405020304" pitchFamily="18" charset="-34"/>
+                      </a:endParaRPr>
+                    </a:p>
+                  </a:txBody>
+                  <a:tcPr/>
+                </a:tc>
+                <a:tc>
+                  <a:txBody>
+                    <a:bodyPr/>
+                    <a:lstStyle/>
+                    <a:p>
+                      <a:pPr algn="ctr"/>
+                      <a:r>
+                        <a:rPr lang="th-TH" sz="2000" dirty="0">
+                          <a:solidFill>
+                            <a:srgbClr val="070CE9"/>
+                          </a:solidFill>
+                          <a:latin typeface="Angsana New" panose="02020603050405020304" pitchFamily="18" charset="-34"/>
+                          <a:cs typeface="Angsana New" panose="02020603050405020304" pitchFamily="18" charset="-34"/>
+                        </a:rPr>
+                        <a:t>435</a:t>
+                      </a:r>
+                      <a:endParaRPr lang="en-US" sz="2000" dirty="0">
+                        <a:solidFill>
+                          <a:srgbClr val="070CE9"/>
+                        </a:solidFill>
+                        <a:latin typeface="Angsana New" panose="02020603050405020304" pitchFamily="18" charset="-34"/>
+                        <a:cs typeface="Angsana New" panose="02020603050405020304" pitchFamily="18" charset="-34"/>
+                      </a:endParaRPr>
+                    </a:p>
+                  </a:txBody>
+                  <a:tcPr anchor="ctr"/>
+                </a:tc>
+                <a:tc>
+                  <a:txBody>
+                    <a:bodyPr/>
+                    <a:lstStyle/>
+                    <a:p>
+                      <a:pPr algn="ctr"/>
+                      <a:r>
+                        <a:rPr lang="th-TH" sz="2000" dirty="0">
+                          <a:solidFill>
+                            <a:srgbClr val="070CE9"/>
+                          </a:solidFill>
+                          <a:latin typeface="Angsana New" panose="02020603050405020304" pitchFamily="18" charset="-34"/>
+                          <a:cs typeface="Angsana New" panose="02020603050405020304" pitchFamily="18" charset="-34"/>
+                        </a:rPr>
+                        <a:t>460</a:t>
+                      </a:r>
+                      <a:endParaRPr lang="en-US" sz="2000" dirty="0">
+                        <a:solidFill>
+                          <a:srgbClr val="070CE9"/>
+                        </a:solidFill>
+                        <a:latin typeface="Angsana New" panose="02020603050405020304" pitchFamily="18" charset="-34"/>
+                        <a:cs typeface="Angsana New" panose="02020603050405020304" pitchFamily="18" charset="-34"/>
+                      </a:endParaRPr>
+                    </a:p>
+                  </a:txBody>
+                  <a:tcPr anchor="ctr"/>
+                </a:tc>
+                <a:tc>
+                  <a:txBody>
+                    <a:bodyPr/>
+                    <a:lstStyle/>
+                    <a:p>
+                      <a:pPr algn="ctr"/>
+                      <a:endParaRPr lang="en-US" sz="2000" dirty="0">
+                        <a:solidFill>
+                          <a:srgbClr val="070CE9"/>
+                        </a:solidFill>
+                        <a:latin typeface="Angsana New" panose="02020603050405020304" pitchFamily="18" charset="-34"/>
+                        <a:cs typeface="Angsana New" panose="02020603050405020304" pitchFamily="18" charset="-34"/>
+                      </a:endParaRPr>
+                    </a:p>
+                  </a:txBody>
+                  <a:tcPr anchor="ctr"/>
+                </a:tc>
+                <a:tc>
+                  <a:txBody>
+                    <a:bodyPr/>
+                    <a:lstStyle/>
+                    <a:p>
+                      <a:pPr algn="ctr"/>
+                      <a:r>
+                        <a:rPr lang="th-TH" sz="2000" dirty="0">
+                          <a:solidFill>
+                            <a:srgbClr val="070CE9"/>
+                          </a:solidFill>
+                          <a:latin typeface="Angsana New" panose="02020603050405020304" pitchFamily="18" charset="-34"/>
+                          <a:cs typeface="Angsana New" panose="02020603050405020304" pitchFamily="18" charset="-34"/>
+                        </a:rPr>
+                        <a:t>895</a:t>
+                      </a:r>
+                      <a:endParaRPr lang="en-US" sz="2000" dirty="0">
+                        <a:solidFill>
+                          <a:srgbClr val="070CE9"/>
+                        </a:solidFill>
+                        <a:latin typeface="Angsana New" panose="02020603050405020304" pitchFamily="18" charset="-34"/>
+                        <a:cs typeface="Angsana New" panose="02020603050405020304" pitchFamily="18" charset="-34"/>
+                      </a:endParaRPr>
+                    </a:p>
+                  </a:txBody>
+                  <a:tcPr anchor="ctr"/>
+                </a:tc>
+                <a:tc>
+                  <a:txBody>
+                    <a:bodyPr/>
+                    <a:lstStyle/>
+                    <a:p>
+                      <a:pPr algn="ctr"/>
+                      <a:r>
+                        <a:rPr lang="th-TH" sz="2000" dirty="0">
+                          <a:solidFill>
+                            <a:srgbClr val="070CE9"/>
+                          </a:solidFill>
+                          <a:latin typeface="Angsana New" panose="02020603050405020304" pitchFamily="18" charset="-34"/>
+                          <a:cs typeface="Angsana New" panose="02020603050405020304" pitchFamily="18" charset="-34"/>
+                        </a:rPr>
+                        <a:t>1,670</a:t>
+                      </a:r>
+                      <a:endParaRPr lang="en-US" sz="2000" dirty="0">
+                        <a:solidFill>
+                          <a:srgbClr val="070CE9"/>
+                        </a:solidFill>
+                        <a:latin typeface="Angsana New" panose="02020603050405020304" pitchFamily="18" charset="-34"/>
+                        <a:cs typeface="Angsana New" panose="02020603050405020304" pitchFamily="18" charset="-34"/>
+                      </a:endParaRPr>
+                    </a:p>
+                  </a:txBody>
+                  <a:tcPr anchor="ctr"/>
+                </a:tc>
+                <a:tc>
+                  <a:txBody>
+                    <a:bodyPr/>
+                    <a:lstStyle/>
+                    <a:p>
+                      <a:pPr algn="ctr"/>
+                      <a:r>
+                        <a:rPr lang="th-TH" sz="2000" dirty="0">
+                          <a:solidFill>
+                            <a:srgbClr val="070CE9"/>
+                          </a:solidFill>
+                          <a:latin typeface="Angsana New" panose="02020603050405020304" pitchFamily="18" charset="-34"/>
+                          <a:cs typeface="Angsana New" panose="02020603050405020304" pitchFamily="18" charset="-34"/>
+                        </a:rPr>
+                        <a:t>569.44</a:t>
+                      </a:r>
+                      <a:endParaRPr lang="en-US" sz="2000" dirty="0">
+                        <a:solidFill>
+                          <a:srgbClr val="070CE9"/>
+                        </a:solidFill>
+                        <a:latin typeface="Angsana New" panose="02020603050405020304" pitchFamily="18" charset="-34"/>
+                        <a:cs typeface="Angsana New" panose="02020603050405020304" pitchFamily="18" charset="-34"/>
+                      </a:endParaRPr>
+                    </a:p>
+                  </a:txBody>
+                  <a:tcPr anchor="ctr"/>
+                </a:tc>
+                <a:extLst>
+                  <a:ext uri="{0D108BD9-81ED-4DB2-BD59-A6C34878D82A}">
+                    <a16:rowId xmlns:a16="http://schemas.microsoft.com/office/drawing/2014/main" val="1665285692"/>
+                  </a:ext>
+                </a:extLst>
+              </a:tr>
+              <a:tr h="470914">
+                <a:tc>
+                  <a:txBody>
+                    <a:bodyPr/>
+                    <a:lstStyle/>
+                    <a:p>
+                      <a:r>
+                        <a:rPr lang="th-TH" sz="2000" dirty="0">
+                          <a:solidFill>
+                            <a:srgbClr val="070CE9"/>
+                          </a:solidFill>
+                          <a:latin typeface="Angsana New" panose="02020603050405020304" pitchFamily="18" charset="-34"/>
+                          <a:cs typeface="Angsana New" panose="02020603050405020304" pitchFamily="18" charset="-34"/>
+                        </a:rPr>
+                        <a:t>นักวิชาการสาธารณสุข</a:t>
+                      </a:r>
+                      <a:endParaRPr lang="en-US" sz="2000" dirty="0">
+                        <a:solidFill>
+                          <a:srgbClr val="070CE9"/>
+                        </a:solidFill>
+                        <a:latin typeface="Angsana New" panose="02020603050405020304" pitchFamily="18" charset="-34"/>
+                        <a:cs typeface="Angsana New" panose="02020603050405020304" pitchFamily="18" charset="-34"/>
+                      </a:endParaRPr>
+                    </a:p>
+                  </a:txBody>
+                  <a:tcPr/>
+                </a:tc>
+                <a:tc>
+                  <a:txBody>
+                    <a:bodyPr/>
+                    <a:lstStyle/>
+                    <a:p>
+                      <a:pPr algn="ctr"/>
+                      <a:endParaRPr lang="en-US" sz="2000">
+                        <a:solidFill>
+                          <a:srgbClr val="070CE9"/>
+                        </a:solidFill>
+                        <a:latin typeface="Angsana New" panose="02020603050405020304" pitchFamily="18" charset="-34"/>
+                        <a:cs typeface="Angsana New" panose="02020603050405020304" pitchFamily="18" charset="-34"/>
+                      </a:endParaRPr>
+                    </a:p>
+                  </a:txBody>
+                  <a:tcPr anchor="ctr"/>
+                </a:tc>
+                <a:tc>
+                  <a:txBody>
+                    <a:bodyPr/>
+                    <a:lstStyle/>
+                    <a:p>
+                      <a:pPr algn="ctr"/>
+                      <a:endParaRPr lang="en-US" sz="2000" dirty="0">
+                        <a:solidFill>
+                          <a:srgbClr val="070CE9"/>
+                        </a:solidFill>
+                        <a:latin typeface="Angsana New" panose="02020603050405020304" pitchFamily="18" charset="-34"/>
+                        <a:cs typeface="Angsana New" panose="02020603050405020304" pitchFamily="18" charset="-34"/>
+                      </a:endParaRPr>
+                    </a:p>
+                  </a:txBody>
+                  <a:tcPr anchor="ctr"/>
+                </a:tc>
+                <a:tc>
+                  <a:txBody>
+                    <a:bodyPr/>
+                    <a:lstStyle/>
+                    <a:p>
+                      <a:pPr algn="ctr"/>
+                      <a:endParaRPr lang="en-US" sz="2000" dirty="0">
+                        <a:solidFill>
+                          <a:srgbClr val="070CE9"/>
+                        </a:solidFill>
+                        <a:latin typeface="Angsana New" panose="02020603050405020304" pitchFamily="18" charset="-34"/>
+                        <a:cs typeface="Angsana New" panose="02020603050405020304" pitchFamily="18" charset="-34"/>
+                      </a:endParaRPr>
+                    </a:p>
+                  </a:txBody>
+                  <a:tcPr anchor="ctr"/>
+                </a:tc>
+                <a:tc>
+                  <a:txBody>
+                    <a:bodyPr/>
+                    <a:lstStyle/>
+                    <a:p>
+                      <a:pPr algn="ctr"/>
+                      <a:endParaRPr lang="en-US" sz="2000">
+                        <a:solidFill>
+                          <a:srgbClr val="070CE9"/>
+                        </a:solidFill>
+                        <a:latin typeface="Angsana New" panose="02020603050405020304" pitchFamily="18" charset="-34"/>
+                        <a:cs typeface="Angsana New" panose="02020603050405020304" pitchFamily="18" charset="-34"/>
+                      </a:endParaRPr>
+                    </a:p>
+                  </a:txBody>
+                  <a:tcPr anchor="ctr"/>
+                </a:tc>
+                <a:tc>
+                  <a:txBody>
+                    <a:bodyPr/>
+                    <a:lstStyle/>
+                    <a:p>
+                      <a:pPr algn="ctr"/>
+                      <a:endParaRPr lang="en-US" sz="2000" dirty="0">
+                        <a:solidFill>
+                          <a:srgbClr val="070CE9"/>
+                        </a:solidFill>
+                        <a:latin typeface="Angsana New" panose="02020603050405020304" pitchFamily="18" charset="-34"/>
+                        <a:cs typeface="Angsana New" panose="02020603050405020304" pitchFamily="18" charset="-34"/>
+                      </a:endParaRPr>
+                    </a:p>
+                  </a:txBody>
+                  <a:tcPr anchor="ctr"/>
+                </a:tc>
+                <a:tc>
+                  <a:txBody>
+                    <a:bodyPr/>
+                    <a:lstStyle/>
+                    <a:p>
+                      <a:pPr algn="ctr"/>
+                      <a:endParaRPr lang="en-US" sz="2000" dirty="0">
+                        <a:solidFill>
+                          <a:srgbClr val="070CE9"/>
+                        </a:solidFill>
+                        <a:latin typeface="Angsana New" panose="02020603050405020304" pitchFamily="18" charset="-34"/>
+                        <a:cs typeface="Angsana New" panose="02020603050405020304" pitchFamily="18" charset="-34"/>
+                      </a:endParaRPr>
+                    </a:p>
+                  </a:txBody>
+                  <a:tcPr anchor="ctr"/>
+                </a:tc>
+                <a:extLst>
+                  <a:ext uri="{0D108BD9-81ED-4DB2-BD59-A6C34878D82A}">
+                    <a16:rowId xmlns:a16="http://schemas.microsoft.com/office/drawing/2014/main" val="4251812057"/>
+                  </a:ext>
+                </a:extLst>
+              </a:tr>
+              <a:tr h="470914">
+                <a:tc>
+                  <a:txBody>
+                    <a:bodyPr/>
+                    <a:lstStyle/>
+                    <a:p>
+                      <a:r>
+                        <a:rPr lang="th-TH" sz="2000" dirty="0">
+                          <a:solidFill>
+                            <a:srgbClr val="070CE9"/>
+                          </a:solidFill>
+                          <a:latin typeface="Angsana New" panose="02020603050405020304" pitchFamily="18" charset="-34"/>
+                          <a:cs typeface="Angsana New" panose="02020603050405020304" pitchFamily="18" charset="-34"/>
+                        </a:rPr>
+                        <a:t>จพ.สาธารณสุข</a:t>
+                      </a:r>
+                      <a:endParaRPr lang="en-US" sz="2000" dirty="0">
+                        <a:solidFill>
+                          <a:srgbClr val="070CE9"/>
+                        </a:solidFill>
+                        <a:latin typeface="Angsana New" panose="02020603050405020304" pitchFamily="18" charset="-34"/>
+                        <a:cs typeface="Angsana New" panose="02020603050405020304" pitchFamily="18" charset="-34"/>
+                      </a:endParaRPr>
+                    </a:p>
+                  </a:txBody>
+                  <a:tcPr/>
+                </a:tc>
+                <a:tc>
+                  <a:txBody>
+                    <a:bodyPr/>
+                    <a:lstStyle/>
+                    <a:p>
+                      <a:pPr algn="ctr"/>
+                      <a:endParaRPr lang="en-US" sz="2000">
+                        <a:solidFill>
+                          <a:srgbClr val="070CE9"/>
+                        </a:solidFill>
+                        <a:latin typeface="Angsana New" panose="02020603050405020304" pitchFamily="18" charset="-34"/>
+                        <a:cs typeface="Angsana New" panose="02020603050405020304" pitchFamily="18" charset="-34"/>
+                      </a:endParaRPr>
+                    </a:p>
+                  </a:txBody>
+                  <a:tcPr anchor="ctr"/>
+                </a:tc>
+                <a:tc>
+                  <a:txBody>
+                    <a:bodyPr/>
+                    <a:lstStyle/>
+                    <a:p>
+                      <a:pPr algn="ctr"/>
+                      <a:endParaRPr lang="en-US" sz="2000">
+                        <a:solidFill>
+                          <a:srgbClr val="070CE9"/>
+                        </a:solidFill>
+                        <a:latin typeface="Angsana New" panose="02020603050405020304" pitchFamily="18" charset="-34"/>
+                        <a:cs typeface="Angsana New" panose="02020603050405020304" pitchFamily="18" charset="-34"/>
+                      </a:endParaRPr>
+                    </a:p>
+                  </a:txBody>
+                  <a:tcPr anchor="ctr"/>
+                </a:tc>
+                <a:tc>
+                  <a:txBody>
+                    <a:bodyPr/>
+                    <a:lstStyle/>
+                    <a:p>
+                      <a:pPr algn="ctr"/>
+                      <a:endParaRPr lang="en-US" sz="2000">
+                        <a:solidFill>
+                          <a:srgbClr val="070CE9"/>
+                        </a:solidFill>
+                        <a:latin typeface="Angsana New" panose="02020603050405020304" pitchFamily="18" charset="-34"/>
+                        <a:cs typeface="Angsana New" panose="02020603050405020304" pitchFamily="18" charset="-34"/>
+                      </a:endParaRPr>
+                    </a:p>
+                  </a:txBody>
+                  <a:tcPr anchor="ctr"/>
+                </a:tc>
+                <a:tc>
+                  <a:txBody>
+                    <a:bodyPr/>
+                    <a:lstStyle/>
+                    <a:p>
+                      <a:pPr algn="ctr"/>
+                      <a:endParaRPr lang="en-US" sz="2000">
+                        <a:solidFill>
+                          <a:srgbClr val="070CE9"/>
+                        </a:solidFill>
+                        <a:latin typeface="Angsana New" panose="02020603050405020304" pitchFamily="18" charset="-34"/>
+                        <a:cs typeface="Angsana New" panose="02020603050405020304" pitchFamily="18" charset="-34"/>
+                      </a:endParaRPr>
+                    </a:p>
+                  </a:txBody>
+                  <a:tcPr anchor="ctr"/>
+                </a:tc>
+                <a:tc>
+                  <a:txBody>
+                    <a:bodyPr/>
+                    <a:lstStyle/>
+                    <a:p>
+                      <a:pPr algn="ctr"/>
+                      <a:endParaRPr lang="en-US" sz="2000">
+                        <a:solidFill>
+                          <a:srgbClr val="070CE9"/>
+                        </a:solidFill>
+                        <a:latin typeface="Angsana New" panose="02020603050405020304" pitchFamily="18" charset="-34"/>
+                        <a:cs typeface="Angsana New" panose="02020603050405020304" pitchFamily="18" charset="-34"/>
+                      </a:endParaRPr>
+                    </a:p>
+                  </a:txBody>
+                  <a:tcPr anchor="ctr"/>
+                </a:tc>
+                <a:tc>
+                  <a:txBody>
+                    <a:bodyPr/>
+                    <a:lstStyle/>
+                    <a:p>
+                      <a:pPr algn="ctr"/>
+                      <a:endParaRPr lang="en-US" sz="2000" dirty="0">
+                        <a:solidFill>
+                          <a:srgbClr val="070CE9"/>
+                        </a:solidFill>
+                        <a:latin typeface="Angsana New" panose="02020603050405020304" pitchFamily="18" charset="-34"/>
+                        <a:cs typeface="Angsana New" panose="02020603050405020304" pitchFamily="18" charset="-34"/>
+                      </a:endParaRPr>
+                    </a:p>
+                  </a:txBody>
+                  <a:tcPr anchor="ctr"/>
+                </a:tc>
+                <a:extLst>
+                  <a:ext uri="{0D108BD9-81ED-4DB2-BD59-A6C34878D82A}">
+                    <a16:rowId xmlns:a16="http://schemas.microsoft.com/office/drawing/2014/main" val="3163881702"/>
+                  </a:ext>
+                </a:extLst>
+              </a:tr>
+              <a:tr h="470914">
+                <a:tc>
+                  <a:txBody>
+                    <a:bodyPr/>
+                    <a:lstStyle/>
+                    <a:p>
+                      <a:r>
+                        <a:rPr lang="th-TH" sz="2000" dirty="0">
+                          <a:solidFill>
+                            <a:srgbClr val="070CE9"/>
+                          </a:solidFill>
+                          <a:latin typeface="Angsana New" panose="02020603050405020304" pitchFamily="18" charset="-34"/>
+                          <a:cs typeface="Angsana New" panose="02020603050405020304" pitchFamily="18" charset="-34"/>
+                        </a:rPr>
+                        <a:t>แพทย์แผนไทย</a:t>
+                      </a:r>
+                      <a:endParaRPr lang="en-US" sz="2000" dirty="0">
+                        <a:solidFill>
+                          <a:srgbClr val="070CE9"/>
+                        </a:solidFill>
+                        <a:latin typeface="Angsana New" panose="02020603050405020304" pitchFamily="18" charset="-34"/>
+                        <a:cs typeface="Angsana New" panose="02020603050405020304" pitchFamily="18" charset="-34"/>
+                      </a:endParaRPr>
+                    </a:p>
+                  </a:txBody>
+                  <a:tcPr/>
+                </a:tc>
+                <a:tc>
+                  <a:txBody>
+                    <a:bodyPr/>
+                    <a:lstStyle/>
+                    <a:p>
+                      <a:pPr algn="ctr"/>
+                      <a:endParaRPr lang="en-US" sz="2000">
+                        <a:solidFill>
+                          <a:srgbClr val="070CE9"/>
+                        </a:solidFill>
+                        <a:latin typeface="Angsana New" panose="02020603050405020304" pitchFamily="18" charset="-34"/>
+                        <a:cs typeface="Angsana New" panose="02020603050405020304" pitchFamily="18" charset="-34"/>
+                      </a:endParaRPr>
+                    </a:p>
+                  </a:txBody>
+                  <a:tcPr anchor="ctr"/>
+                </a:tc>
+                <a:tc>
+                  <a:txBody>
+                    <a:bodyPr/>
+                    <a:lstStyle/>
+                    <a:p>
+                      <a:pPr algn="ctr"/>
+                      <a:endParaRPr lang="en-US" sz="2000">
+                        <a:solidFill>
+                          <a:srgbClr val="070CE9"/>
+                        </a:solidFill>
+                        <a:latin typeface="Angsana New" panose="02020603050405020304" pitchFamily="18" charset="-34"/>
+                        <a:cs typeface="Angsana New" panose="02020603050405020304" pitchFamily="18" charset="-34"/>
+                      </a:endParaRPr>
+                    </a:p>
+                  </a:txBody>
+                  <a:tcPr anchor="ctr"/>
+                </a:tc>
+                <a:tc>
+                  <a:txBody>
+                    <a:bodyPr/>
+                    <a:lstStyle/>
+                    <a:p>
+                      <a:pPr algn="ctr"/>
+                      <a:endParaRPr lang="en-US" sz="2000">
+                        <a:solidFill>
+                          <a:srgbClr val="070CE9"/>
+                        </a:solidFill>
+                        <a:latin typeface="Angsana New" panose="02020603050405020304" pitchFamily="18" charset="-34"/>
+                        <a:cs typeface="Angsana New" panose="02020603050405020304" pitchFamily="18" charset="-34"/>
+                      </a:endParaRPr>
+                    </a:p>
+                  </a:txBody>
+                  <a:tcPr anchor="ctr"/>
+                </a:tc>
+                <a:tc>
+                  <a:txBody>
+                    <a:bodyPr/>
+                    <a:lstStyle/>
+                    <a:p>
+                      <a:pPr algn="ctr"/>
+                      <a:endParaRPr lang="en-US" sz="2000">
+                        <a:solidFill>
+                          <a:srgbClr val="070CE9"/>
+                        </a:solidFill>
+                        <a:latin typeface="Angsana New" panose="02020603050405020304" pitchFamily="18" charset="-34"/>
+                        <a:cs typeface="Angsana New" panose="02020603050405020304" pitchFamily="18" charset="-34"/>
+                      </a:endParaRPr>
+                    </a:p>
+                  </a:txBody>
+                  <a:tcPr anchor="ctr"/>
+                </a:tc>
+                <a:tc>
+                  <a:txBody>
+                    <a:bodyPr/>
+                    <a:lstStyle/>
+                    <a:p>
+                      <a:pPr algn="ctr"/>
+                      <a:endParaRPr lang="en-US" sz="2000">
+                        <a:solidFill>
+                          <a:srgbClr val="070CE9"/>
+                        </a:solidFill>
+                        <a:latin typeface="Angsana New" panose="02020603050405020304" pitchFamily="18" charset="-34"/>
+                        <a:cs typeface="Angsana New" panose="02020603050405020304" pitchFamily="18" charset="-34"/>
+                      </a:endParaRPr>
+                    </a:p>
+                  </a:txBody>
+                  <a:tcPr anchor="ctr"/>
+                </a:tc>
+                <a:tc>
+                  <a:txBody>
+                    <a:bodyPr/>
+                    <a:lstStyle/>
+                    <a:p>
+                      <a:pPr algn="ctr"/>
+                      <a:endParaRPr lang="en-US" sz="2000" dirty="0">
+                        <a:solidFill>
+                          <a:srgbClr val="070CE9"/>
+                        </a:solidFill>
+                        <a:latin typeface="Angsana New" panose="02020603050405020304" pitchFamily="18" charset="-34"/>
+                        <a:cs typeface="Angsana New" panose="02020603050405020304" pitchFamily="18" charset="-34"/>
+                      </a:endParaRPr>
+                    </a:p>
+                  </a:txBody>
+                  <a:tcPr anchor="ctr"/>
+                </a:tc>
+                <a:extLst>
+                  <a:ext uri="{0D108BD9-81ED-4DB2-BD59-A6C34878D82A}">
+                    <a16:rowId xmlns:a16="http://schemas.microsoft.com/office/drawing/2014/main" val="3766813764"/>
+                  </a:ext>
+                </a:extLst>
+              </a:tr>
+            </a:tbl>
+          </a:graphicData>
+        </a:graphic>
+      </p:graphicFrame>
+    </p:spTree>
+    <p:extLst>
+      <p:ext uri="{BB962C8B-B14F-4D97-AF65-F5344CB8AC3E}">
+        <p14:creationId xmlns:p14="http://schemas.microsoft.com/office/powerpoint/2010/main" val="250269728"/>
+      </p:ext>
+    </p:extLst>
+  </p:cSld>
+  <p:clrMapOvr>
+    <a:masterClrMapping/>
+  </p:clrMapOvr>
+</p:sld>
+</file>
+
+<file path=ppt/slides/slide15.xml><?xml version="1.0" encoding="utf-8"?>
+<p:sld xmlns:a="http://schemas.openxmlformats.org/drawingml/2006/main" xmlns:r="http://schemas.openxmlformats.org/officeDocument/2006/relationships" xmlns:p="http://schemas.openxmlformats.org/presentationml/2006/main">
+  <p:cSld>
+    <p:spTree>
+      <p:nvGrpSpPr>
+        <p:cNvPr id="1" name=""/>
+        <p:cNvGrpSpPr/>
+        <p:nvPr/>
+      </p:nvGrpSpPr>
+      <p:grpSpPr>
+        <a:xfrm>
+          <a:off x="0" y="0"/>
+          <a:ext cx="0" cy="0"/>
+          <a:chOff x="0" y="0"/>
+          <a:chExt cx="0" cy="0"/>
+        </a:xfrm>
+      </p:grpSpPr>
       <p:sp>
         <p:nvSpPr>
           <p:cNvPr id="8" name="Subtitle 2">
@@ -29239,7 +33822,7 @@
 </p:sld>
 </file>
 
-<file path=ppt/slides/slide14.xml><?xml version="1.0" encoding="utf-8"?>
+<file path=ppt/slides/slide16.xml><?xml version="1.0" encoding="utf-8"?>
 <p:sld xmlns:a="http://schemas.openxmlformats.org/drawingml/2006/main" xmlns:r="http://schemas.openxmlformats.org/officeDocument/2006/relationships" xmlns:p="http://schemas.openxmlformats.org/presentationml/2006/main" showMasterSp="0" showMasterPhAnim="0">
   <p:cSld>
     <p:bg>
@@ -30737,7 +35320,7 @@
 </p:sld>
 </file>
 
-<file path=ppt/slides/slide15.xml><?xml version="1.0" encoding="utf-8"?>
+<file path=ppt/slides/slide17.xml><?xml version="1.0" encoding="utf-8"?>
 <p:sld xmlns:a="http://schemas.openxmlformats.org/drawingml/2006/main" xmlns:r="http://schemas.openxmlformats.org/officeDocument/2006/relationships" xmlns:p="http://schemas.openxmlformats.org/presentationml/2006/main" showMasterSp="0" showMasterPhAnim="0">
   <p:cSld>
     <p:bg>
@@ -32425,7 +37008,7 @@
 </p:sld>
 </file>
 
-<file path=ppt/slides/slide16.xml><?xml version="1.0" encoding="utf-8"?>
+<file path=ppt/slides/slide18.xml><?xml version="1.0" encoding="utf-8"?>
 <p:sld xmlns:a="http://schemas.openxmlformats.org/drawingml/2006/main" xmlns:r="http://schemas.openxmlformats.org/officeDocument/2006/relationships" xmlns:p="http://schemas.openxmlformats.org/presentationml/2006/main">
   <p:cSld>
     <p:spTree>
